--- a/卒業論文/2013/渡邊雄大/ポスター.pptx
+++ b/卒業論文/2013/渡邊雄大/ポスター.pptx
@@ -193,7 +193,7 @@
             <a:fld id="{EC0EB58C-8A35-458C-95AD-7DF193BD4E4D}" type="datetimeFigureOut">
               <a:rPr kumimoji="1" lang="ja-JP" altLang="en-US" smtClean="0"/>
               <a:pPr/>
-              <a:t>2014/9/29</a:t>
+              <a:t>2014/10/15</a:t>
             </a:fld>
             <a:endParaRPr kumimoji="1" lang="ja-JP" altLang="en-US"/>
           </a:p>
@@ -618,7 +618,7 @@
             <a:fld id="{C8142244-99F7-406A-8A26-43C4486D79DC}" type="datetimeFigureOut">
               <a:rPr kumimoji="1" lang="ja-JP" altLang="en-US" smtClean="0"/>
               <a:pPr/>
-              <a:t>2014/9/29</a:t>
+              <a:t>2014/10/15</a:t>
             </a:fld>
             <a:endParaRPr kumimoji="1" lang="ja-JP" altLang="en-US"/>
           </a:p>
@@ -761,7 +761,7 @@
   <p:timing>
     <p:tnLst>
       <p:par>
-        <p:cTn id="1" dur="indefinite" restart="never" nodeType="tmRoot"/>
+        <p:cTn xmlns:p14="http://schemas.microsoft.com/office/powerpoint/2010/main" id="1" dur="indefinite" restart="never" nodeType="tmRoot"/>
       </p:par>
     </p:tnLst>
   </p:timing>
@@ -772,16 +772,9 @@
 <p:sldMaster xmlns:a="http://schemas.openxmlformats.org/drawingml/2006/main" xmlns:r="http://schemas.openxmlformats.org/officeDocument/2006/relationships" xmlns:p="http://schemas.openxmlformats.org/presentationml/2006/main">
   <p:cSld>
     <p:bg>
-      <p:bgPr>
-        <a:solidFill>
-          <a:schemeClr val="accent4">
-            <a:lumMod val="60000"/>
-            <a:lumOff val="40000"/>
-            <a:alpha val="38000"/>
-          </a:schemeClr>
-        </a:solidFill>
-        <a:effectLst/>
-      </p:bgPr>
+      <p:bgRef idx="1001">
+        <a:schemeClr val="bg1"/>
+      </p:bgRef>
     </p:bg>
     <p:spTree>
       <p:nvGrpSpPr>
@@ -958,7 +951,7 @@
             <a:fld id="{C8142244-99F7-406A-8A26-43C4486D79DC}" type="datetimeFigureOut">
               <a:rPr kumimoji="1" lang="ja-JP" altLang="en-US" smtClean="0"/>
               <a:pPr/>
-              <a:t>2014/9/29</a:t>
+              <a:t>2014/10/15</a:t>
             </a:fld>
             <a:endParaRPr kumimoji="1" lang="ja-JP" altLang="en-US"/>
           </a:p>
@@ -1170,7 +1163,7 @@
   <p:timing>
     <p:tnLst>
       <p:par>
-        <p:cTn id="1" dur="indefinite" restart="never" nodeType="tmRoot"/>
+        <p:cTn xmlns:p14="http://schemas.microsoft.com/office/powerpoint/2010/main" id="1" dur="indefinite" restart="never" nodeType="tmRoot"/>
       </p:par>
     </p:tnLst>
   </p:timing>
@@ -1487,47 +1480,36 @@
           <a:chExt cx="0" cy="0"/>
         </a:xfrm>
       </p:grpSpPr>
-      <p:sp>
-        <p:nvSpPr>
-          <p:cNvPr id="61" name="円/楕円 60"/>
-          <p:cNvSpPr/>
+      <p:pic>
+        <p:nvPicPr>
+          <p:cNvPr id="43" name="図 42"/>
+          <p:cNvPicPr>
+            <a:picLocks noChangeAspect="1"/>
+          </p:cNvPicPr>
           <p:nvPr/>
-        </p:nvSpPr>
+        </p:nvPicPr>
+        <p:blipFill>
+          <a:blip r:embed="rId3">
+            <a:extLst>
+              <a:ext uri="{28A0092B-C50C-407E-A947-70E740481C1C}">
+                <a14:useLocalDpi xmlns:a14="http://schemas.microsoft.com/office/drawing/2010/main" val="0"/>
+              </a:ext>
+            </a:extLst>
+          </a:blip>
+          <a:stretch>
+            <a:fillRect/>
+          </a:stretch>
+        </p:blipFill>
         <p:spPr>
           <a:xfrm>
-            <a:off x="485934" y="26771891"/>
-            <a:ext cx="11530140" cy="2553672"/>
+            <a:off x="567325" y="4551946"/>
+            <a:ext cx="11526850" cy="11177752"/>
           </a:xfrm>
-          <a:prstGeom prst="ellipse">
+          <a:prstGeom prst="rect">
             <a:avLst/>
           </a:prstGeom>
-          <a:noFill/>
         </p:spPr>
-        <p:style>
-          <a:lnRef idx="2">
-            <a:schemeClr val="accent1">
-              <a:shade val="50000"/>
-            </a:schemeClr>
-          </a:lnRef>
-          <a:fillRef idx="1">
-            <a:schemeClr val="accent1"/>
-          </a:fillRef>
-          <a:effectRef idx="0">
-            <a:schemeClr val="accent1"/>
-          </a:effectRef>
-          <a:fontRef idx="minor">
-            <a:schemeClr val="lt1"/>
-          </a:fontRef>
-        </p:style>
-        <p:txBody>
-          <a:bodyPr rtlCol="0" anchor="ctr"/>
-          <a:lstStyle/>
-          <a:p>
-            <a:pPr algn="ctr"/>
-            <a:endParaRPr kumimoji="1" lang="ja-JP" altLang="en-US"/>
-          </a:p>
-        </p:txBody>
-      </p:sp>
+      </p:pic>
       <p:sp>
         <p:nvSpPr>
           <p:cNvPr id="4" name="テキスト ボックス 3"/>
@@ -1542,7 +1524,13 @@
           <a:prstGeom prst="rect">
             <a:avLst/>
           </a:prstGeom>
-          <a:ln>
+          <a:solidFill>
+            <a:schemeClr val="accent4">
+              <a:lumMod val="40000"/>
+              <a:lumOff val="60000"/>
+            </a:schemeClr>
+          </a:solidFill>
+          <a:ln w="57150">
             <a:solidFill>
               <a:schemeClr val="tx1"/>
             </a:solidFill>
@@ -1649,48 +1637,52 @@
       </p:sp>
       <p:sp>
         <p:nvSpPr>
-          <p:cNvPr id="6" name="テキスト ボックス 5"/>
+          <p:cNvPr id="10" name="テキスト ボックス 9"/>
           <p:cNvSpPr txBox="1"/>
           <p:nvPr/>
         </p:nvSpPr>
         <p:spPr>
           <a:xfrm>
-            <a:off x="252241" y="3285308"/>
-            <a:ext cx="2304256" cy="1323439"/>
+            <a:off x="167513" y="3385115"/>
+            <a:ext cx="6726210" cy="1323439"/>
           </a:xfrm>
           <a:prstGeom prst="rect">
             <a:avLst/>
           </a:prstGeom>
-          <a:ln>
+          <a:solidFill>
+            <a:schemeClr val="accent4">
+              <a:lumMod val="40000"/>
+              <a:lumOff val="60000"/>
+            </a:schemeClr>
+          </a:solidFill>
+          <a:ln w="76200">
             <a:solidFill>
               <a:schemeClr val="tx1"/>
             </a:solidFill>
           </a:ln>
         </p:spPr>
-        <p:style>
-          <a:lnRef idx="0">
-            <a:scrgbClr r="0" g="0" b="0"/>
-          </a:lnRef>
-          <a:fillRef idx="1002">
-            <a:schemeClr val="lt1"/>
-          </a:fillRef>
-          <a:effectRef idx="0">
-            <a:scrgbClr r="0" g="0" b="0"/>
-          </a:effectRef>
-          <a:fontRef idx="major"/>
-        </p:style>
         <p:txBody>
           <a:bodyPr wrap="square" rtlCol="0">
             <a:spAutoFit/>
           </a:bodyPr>
           <a:lstStyle/>
           <a:p>
+            <a:pPr algn="ctr"/>
             <a:r>
-              <a:rPr kumimoji="1" lang="ja-JP" altLang="en-US" sz="8000" dirty="0" smtClean="0">
+              <a:rPr lang="ja-JP" altLang="en-US" sz="8000" dirty="0">
                 <a:latin typeface="+mj-ea"/>
                 <a:ea typeface="+mj-ea"/>
+                <a:cs typeface="Times New Roman" panose="02020603050405020304" pitchFamily="18" charset="0"/>
               </a:rPr>
-              <a:t>背景</a:t>
+              <a:t>研究</a:t>
+            </a:r>
+            <a:r>
+              <a:rPr lang="ja-JP" altLang="en-US" sz="8000" dirty="0" smtClean="0">
+                <a:latin typeface="+mj-ea"/>
+                <a:ea typeface="+mj-ea"/>
+                <a:cs typeface="Times New Roman" panose="02020603050405020304" pitchFamily="18" charset="0"/>
+              </a:rPr>
+              <a:t>について</a:t>
             </a:r>
             <a:endParaRPr kumimoji="1" lang="ja-JP" altLang="en-US" sz="8000" dirty="0">
               <a:latin typeface="+mj-ea"/>
@@ -1701,18 +1693,418 @@
       </p:sp>
       <p:sp>
         <p:nvSpPr>
-          <p:cNvPr id="7" name="テキスト ボックス 6"/>
+          <p:cNvPr id="12" name="テキスト ボックス 11"/>
           <p:cNvSpPr txBox="1"/>
           <p:nvPr/>
         </p:nvSpPr>
         <p:spPr>
           <a:xfrm>
-            <a:off x="2927527" y="3285308"/>
-            <a:ext cx="18177095" cy="5570756"/>
+            <a:off x="4368033" y="4986859"/>
+            <a:ext cx="16736588" cy="1200329"/>
           </a:xfrm>
           <a:prstGeom prst="rect">
             <a:avLst/>
           </a:prstGeom>
+          <a:solidFill>
+            <a:schemeClr val="accent4">
+              <a:lumMod val="40000"/>
+              <a:lumOff val="60000"/>
+            </a:schemeClr>
+          </a:solidFill>
+          <a:ln>
+            <a:solidFill>
+              <a:schemeClr val="tx1"/>
+            </a:solidFill>
+          </a:ln>
+        </p:spPr>
+        <p:txBody>
+          <a:bodyPr wrap="square" rtlCol="0">
+            <a:spAutoFit/>
+          </a:bodyPr>
+          <a:lstStyle/>
+          <a:p>
+            <a:pPr algn="ctr"/>
+            <a:r>
+              <a:rPr lang="en-US" altLang="ja-JP" sz="7200" dirty="0" smtClean="0">
+                <a:latin typeface="Times New Roman" panose="02020603050405020304" pitchFamily="18" charset="0"/>
+                <a:cs typeface="Times New Roman" panose="02020603050405020304" pitchFamily="18" charset="0"/>
+              </a:rPr>
+              <a:t>Twitter</a:t>
+            </a:r>
+            <a:r>
+              <a:rPr lang="ja-JP" altLang="en-US" sz="7200" dirty="0" smtClean="0">
+                <a:latin typeface="+mj-ea"/>
+                <a:ea typeface="+mj-ea"/>
+                <a:cs typeface="Times New Roman" panose="02020603050405020304" pitchFamily="18" charset="0"/>
+              </a:rPr>
+              <a:t>を利用する人は</a:t>
+            </a:r>
+            <a:r>
+              <a:rPr lang="en-US" altLang="ja-JP" sz="7200" dirty="0" smtClean="0">
+                <a:solidFill>
+                  <a:srgbClr val="DA0000"/>
+                </a:solidFill>
+                <a:latin typeface="+mj-ea"/>
+                <a:ea typeface="+mj-ea"/>
+                <a:cs typeface="Times New Roman" panose="02020603050405020304" pitchFamily="18" charset="0"/>
+              </a:rPr>
+              <a:t>2</a:t>
+            </a:r>
+            <a:r>
+              <a:rPr lang="ja-JP" altLang="en-US" sz="7200" dirty="0" smtClean="0">
+                <a:solidFill>
+                  <a:srgbClr val="DA0000"/>
+                </a:solidFill>
+                <a:latin typeface="+mj-ea"/>
+                <a:ea typeface="+mj-ea"/>
+                <a:cs typeface="Times New Roman" panose="02020603050405020304" pitchFamily="18" charset="0"/>
+              </a:rPr>
+              <a:t>億</a:t>
+            </a:r>
+            <a:r>
+              <a:rPr lang="en-US" altLang="ja-JP" sz="7200" dirty="0" smtClean="0">
+                <a:solidFill>
+                  <a:srgbClr val="DA0000"/>
+                </a:solidFill>
+                <a:latin typeface="+mj-ea"/>
+                <a:ea typeface="+mj-ea"/>
+                <a:cs typeface="Times New Roman" panose="02020603050405020304" pitchFamily="18" charset="0"/>
+              </a:rPr>
+              <a:t>3</a:t>
+            </a:r>
+            <a:r>
+              <a:rPr lang="ja-JP" altLang="en-US" sz="7200" dirty="0" smtClean="0">
+                <a:solidFill>
+                  <a:srgbClr val="DA0000"/>
+                </a:solidFill>
+                <a:latin typeface="+mj-ea"/>
+                <a:ea typeface="+mj-ea"/>
+                <a:cs typeface="Times New Roman" panose="02020603050405020304" pitchFamily="18" charset="0"/>
+              </a:rPr>
+              <a:t>千万人</a:t>
+            </a:r>
+            <a:r>
+              <a:rPr lang="ja-JP" altLang="en-US" sz="7200" dirty="0" smtClean="0">
+                <a:latin typeface="+mj-ea"/>
+                <a:ea typeface="+mj-ea"/>
+                <a:cs typeface="Times New Roman" panose="02020603050405020304" pitchFamily="18" charset="0"/>
+              </a:rPr>
+              <a:t>もいる</a:t>
+            </a:r>
+            <a:endParaRPr kumimoji="1" lang="ja-JP" altLang="en-US" sz="7200" dirty="0">
+              <a:latin typeface="Times New Roman" panose="02020603050405020304" pitchFamily="18" charset="0"/>
+              <a:cs typeface="Times New Roman" panose="02020603050405020304" pitchFamily="18" charset="0"/>
+            </a:endParaRPr>
+          </a:p>
+        </p:txBody>
+      </p:sp>
+      <p:sp>
+        <p:nvSpPr>
+          <p:cNvPr id="44" name="円/楕円 43"/>
+          <p:cNvSpPr/>
+          <p:nvPr/>
+        </p:nvSpPr>
+        <p:spPr>
+          <a:xfrm>
+            <a:off x="7063652" y="8442995"/>
+            <a:ext cx="1672541" cy="1851910"/>
+          </a:xfrm>
+          <a:prstGeom prst="ellipse">
+            <a:avLst/>
+          </a:prstGeom>
+          <a:noFill/>
+          <a:ln w="38100">
+            <a:solidFill>
+              <a:srgbClr val="FF0000"/>
+            </a:solidFill>
+          </a:ln>
+        </p:spPr>
+        <p:style>
+          <a:lnRef idx="2">
+            <a:schemeClr val="accent1">
+              <a:shade val="50000"/>
+            </a:schemeClr>
+          </a:lnRef>
+          <a:fillRef idx="1">
+            <a:schemeClr val="accent1"/>
+          </a:fillRef>
+          <a:effectRef idx="0">
+            <a:schemeClr val="accent1"/>
+          </a:effectRef>
+          <a:fontRef idx="minor">
+            <a:schemeClr val="lt1"/>
+          </a:fontRef>
+        </p:style>
+        <p:txBody>
+          <a:bodyPr rtlCol="0" anchor="ctr"/>
+          <a:lstStyle/>
+          <a:p>
+            <a:pPr algn="ctr"/>
+            <a:endParaRPr kumimoji="1" lang="ja-JP" altLang="en-US"/>
+          </a:p>
+        </p:txBody>
+      </p:sp>
+      <p:sp>
+        <p:nvSpPr>
+          <p:cNvPr id="110" name="円/楕円 109"/>
+          <p:cNvSpPr/>
+          <p:nvPr/>
+        </p:nvSpPr>
+        <p:spPr>
+          <a:xfrm>
+            <a:off x="6012633" y="11856532"/>
+            <a:ext cx="1042021" cy="961718"/>
+          </a:xfrm>
+          <a:prstGeom prst="ellipse">
+            <a:avLst/>
+          </a:prstGeom>
+          <a:noFill/>
+          <a:ln w="38100">
+            <a:solidFill>
+              <a:srgbClr val="FF0000"/>
+            </a:solidFill>
+          </a:ln>
+        </p:spPr>
+        <p:style>
+          <a:lnRef idx="2">
+            <a:schemeClr val="accent1">
+              <a:shade val="50000"/>
+            </a:schemeClr>
+          </a:lnRef>
+          <a:fillRef idx="1">
+            <a:schemeClr val="accent1"/>
+          </a:fillRef>
+          <a:effectRef idx="0">
+            <a:schemeClr val="accent1"/>
+          </a:effectRef>
+          <a:fontRef idx="minor">
+            <a:schemeClr val="lt1"/>
+          </a:fontRef>
+        </p:style>
+        <p:txBody>
+          <a:bodyPr rtlCol="0" anchor="ctr"/>
+          <a:lstStyle/>
+          <a:p>
+            <a:pPr algn="ctr"/>
+            <a:endParaRPr kumimoji="1" lang="ja-JP" altLang="en-US"/>
+          </a:p>
+        </p:txBody>
+      </p:sp>
+      <p:sp>
+        <p:nvSpPr>
+          <p:cNvPr id="111" name="円/楕円 110"/>
+          <p:cNvSpPr/>
+          <p:nvPr/>
+        </p:nvSpPr>
+        <p:spPr>
+          <a:xfrm>
+            <a:off x="6720119" y="10788095"/>
+            <a:ext cx="1279799" cy="961718"/>
+          </a:xfrm>
+          <a:prstGeom prst="ellipse">
+            <a:avLst/>
+          </a:prstGeom>
+          <a:noFill/>
+          <a:ln w="38100">
+            <a:solidFill>
+              <a:srgbClr val="FF0000"/>
+            </a:solidFill>
+          </a:ln>
+        </p:spPr>
+        <p:style>
+          <a:lnRef idx="2">
+            <a:schemeClr val="accent1">
+              <a:shade val="50000"/>
+            </a:schemeClr>
+          </a:lnRef>
+          <a:fillRef idx="1">
+            <a:schemeClr val="accent1"/>
+          </a:fillRef>
+          <a:effectRef idx="0">
+            <a:schemeClr val="accent1"/>
+          </a:effectRef>
+          <a:fontRef idx="minor">
+            <a:schemeClr val="lt1"/>
+          </a:fontRef>
+        </p:style>
+        <p:txBody>
+          <a:bodyPr rtlCol="0" anchor="ctr"/>
+          <a:lstStyle/>
+          <a:p>
+            <a:pPr algn="ctr"/>
+            <a:endParaRPr kumimoji="1" lang="ja-JP" altLang="en-US"/>
+          </a:p>
+        </p:txBody>
+      </p:sp>
+      <p:sp>
+        <p:nvSpPr>
+          <p:cNvPr id="112" name="円/楕円 111"/>
+          <p:cNvSpPr/>
+          <p:nvPr/>
+        </p:nvSpPr>
+        <p:spPr>
+          <a:xfrm>
+            <a:off x="4947863" y="10788095"/>
+            <a:ext cx="1042021" cy="961718"/>
+          </a:xfrm>
+          <a:prstGeom prst="ellipse">
+            <a:avLst/>
+          </a:prstGeom>
+          <a:noFill/>
+          <a:ln w="38100">
+            <a:solidFill>
+              <a:srgbClr val="FF0000"/>
+            </a:solidFill>
+          </a:ln>
+        </p:spPr>
+        <p:style>
+          <a:lnRef idx="2">
+            <a:schemeClr val="accent1">
+              <a:shade val="50000"/>
+            </a:schemeClr>
+          </a:lnRef>
+          <a:fillRef idx="1">
+            <a:schemeClr val="accent1"/>
+          </a:fillRef>
+          <a:effectRef idx="0">
+            <a:schemeClr val="accent1"/>
+          </a:effectRef>
+          <a:fontRef idx="minor">
+            <a:schemeClr val="lt1"/>
+          </a:fontRef>
+        </p:style>
+        <p:txBody>
+          <a:bodyPr rtlCol="0" anchor="ctr"/>
+          <a:lstStyle/>
+          <a:p>
+            <a:pPr algn="ctr"/>
+            <a:endParaRPr kumimoji="1" lang="ja-JP" altLang="en-US"/>
+          </a:p>
+        </p:txBody>
+      </p:sp>
+      <p:sp>
+        <p:nvSpPr>
+          <p:cNvPr id="115" name="円/楕円 114"/>
+          <p:cNvSpPr/>
+          <p:nvPr/>
+        </p:nvSpPr>
+        <p:spPr>
+          <a:xfrm>
+            <a:off x="4746195" y="9368950"/>
+            <a:ext cx="1042021" cy="961718"/>
+          </a:xfrm>
+          <a:prstGeom prst="ellipse">
+            <a:avLst/>
+          </a:prstGeom>
+          <a:noFill/>
+          <a:ln w="38100">
+            <a:solidFill>
+              <a:srgbClr val="FF0000"/>
+            </a:solidFill>
+          </a:ln>
+        </p:spPr>
+        <p:style>
+          <a:lnRef idx="2">
+            <a:schemeClr val="accent1">
+              <a:shade val="50000"/>
+            </a:schemeClr>
+          </a:lnRef>
+          <a:fillRef idx="1">
+            <a:schemeClr val="accent1"/>
+          </a:fillRef>
+          <a:effectRef idx="0">
+            <a:schemeClr val="accent1"/>
+          </a:effectRef>
+          <a:fontRef idx="minor">
+            <a:schemeClr val="lt1"/>
+          </a:fontRef>
+        </p:style>
+        <p:txBody>
+          <a:bodyPr rtlCol="0" anchor="ctr"/>
+          <a:lstStyle/>
+          <a:p>
+            <a:pPr algn="ctr"/>
+            <a:endParaRPr kumimoji="1" lang="ja-JP" altLang="en-US"/>
+          </a:p>
+        </p:txBody>
+      </p:sp>
+      <p:sp>
+        <p:nvSpPr>
+          <p:cNvPr id="45" name="テキスト ボックス 44"/>
+          <p:cNvSpPr txBox="1"/>
+          <p:nvPr/>
+        </p:nvSpPr>
+        <p:spPr>
+          <a:xfrm>
+            <a:off x="1044328" y="14203883"/>
+            <a:ext cx="4176463" cy="646331"/>
+          </a:xfrm>
+          <a:prstGeom prst="rect">
+            <a:avLst/>
+          </a:prstGeom>
+          <a:solidFill>
+            <a:schemeClr val="bg1"/>
+          </a:solidFill>
+          <a:ln>
+            <a:solidFill>
+              <a:schemeClr val="tx1"/>
+            </a:solidFill>
+          </a:ln>
+        </p:spPr>
+        <p:txBody>
+          <a:bodyPr wrap="square" rtlCol="0">
+            <a:spAutoFit/>
+          </a:bodyPr>
+          <a:lstStyle/>
+          <a:p>
+            <a:r>
+              <a:rPr lang="ja-JP" altLang="en-US" sz="3600" dirty="0" smtClean="0"/>
+              <a:t>図　</a:t>
+            </a:r>
+            <a:r>
+              <a:rPr kumimoji="1" lang="ja-JP" altLang="en-US" sz="3600" dirty="0" smtClean="0"/>
+              <a:t>ネットワーク</a:t>
+            </a:r>
+            <a:r>
+              <a:rPr kumimoji="1" lang="en-US" altLang="ja-JP" sz="3600" dirty="0" smtClean="0"/>
+              <a:t>(</a:t>
+            </a:r>
+            <a:r>
+              <a:rPr kumimoji="1" lang="ja-JP" altLang="en-US" sz="3600" dirty="0" smtClean="0"/>
+              <a:t>例</a:t>
+            </a:r>
+            <a:r>
+              <a:rPr kumimoji="1" lang="en-US" altLang="ja-JP" sz="3600" dirty="0" smtClean="0"/>
+              <a:t>)</a:t>
+            </a:r>
+            <a:endParaRPr kumimoji="1" lang="ja-JP" altLang="en-US" sz="3600" dirty="0"/>
+          </a:p>
+        </p:txBody>
+      </p:sp>
+      <p:sp>
+        <p:nvSpPr>
+          <p:cNvPr id="46" name="角丸四角形吹き出し 45"/>
+          <p:cNvSpPr/>
+          <p:nvPr/>
+        </p:nvSpPr>
+        <p:spPr>
+          <a:xfrm>
+            <a:off x="11706225" y="6787059"/>
+            <a:ext cx="9226391" cy="1892506"/>
+          </a:xfrm>
+          <a:prstGeom prst="wedgeRoundRectCallout">
+            <a:avLst>
+              <a:gd name="adj1" fmla="val -92251"/>
+              <a:gd name="adj2" fmla="val 85922"/>
+              <a:gd name="adj3" fmla="val 16667"/>
+            </a:avLst>
+          </a:prstGeom>
+          <a:solidFill>
+            <a:schemeClr val="accent4">
+              <a:lumMod val="40000"/>
+              <a:lumOff val="60000"/>
+            </a:schemeClr>
+          </a:solidFill>
           <a:ln>
             <a:solidFill>
               <a:schemeClr val="tx1"/>
@@ -1720,250 +2112,73 @@
           </a:ln>
         </p:spPr>
         <p:style>
-          <a:lnRef idx="0">
-            <a:scrgbClr r="0" g="0" b="0"/>
+          <a:lnRef idx="2">
+            <a:schemeClr val="accent1">
+              <a:shade val="50000"/>
+            </a:schemeClr>
           </a:lnRef>
-          <a:fillRef idx="1002">
-            <a:schemeClr val="lt1"/>
+          <a:fillRef idx="1">
+            <a:schemeClr val="accent1"/>
           </a:fillRef>
           <a:effectRef idx="0">
-            <a:scrgbClr r="0" g="0" b="0"/>
+            <a:schemeClr val="accent1"/>
           </a:effectRef>
-          <a:fontRef idx="major"/>
+          <a:fontRef idx="minor">
+            <a:schemeClr val="lt1"/>
+          </a:fontRef>
         </p:style>
         <p:txBody>
-          <a:bodyPr wrap="square" rtlCol="0">
-            <a:spAutoFit/>
-          </a:bodyPr>
+          <a:bodyPr rtlCol="0" anchor="ctr"/>
           <a:lstStyle/>
           <a:p>
+            <a:pPr algn="ctr"/>
             <a:r>
-              <a:rPr lang="en-US" altLang="ja-JP" dirty="0" smtClean="0">
-                <a:latin typeface="Times New Roman" panose="02020603050405020304" pitchFamily="18" charset="0"/>
+              <a:rPr lang="ja-JP" altLang="en-US" dirty="0" smtClean="0">
+                <a:solidFill>
+                  <a:schemeClr val="tx1"/>
+                </a:solidFill>
+                <a:latin typeface="+mj-ea"/>
                 <a:ea typeface="+mj-ea"/>
                 <a:cs typeface="Times New Roman" panose="02020603050405020304" pitchFamily="18" charset="0"/>
               </a:rPr>
-              <a:t>Twitter</a:t>
-            </a:r>
-            <a:r>
-              <a:rPr lang="ja-JP" altLang="en-US" dirty="0" smtClean="0">
-                <a:latin typeface="Times New Roman" panose="02020603050405020304" pitchFamily="18" charset="0"/>
-                <a:ea typeface="+mj-ea"/>
-                <a:cs typeface="Times New Roman" panose="02020603050405020304" pitchFamily="18" charset="0"/>
-              </a:rPr>
-              <a:t>は，</a:t>
+              <a:t>ネットワークの中にある</a:t>
             </a:r>
             <a:endParaRPr lang="en-US" altLang="ja-JP" dirty="0" smtClean="0">
-              <a:latin typeface="Times New Roman" panose="02020603050405020304" pitchFamily="18" charset="0"/>
+              <a:solidFill>
+                <a:schemeClr val="tx1"/>
+              </a:solidFill>
+              <a:latin typeface="+mj-ea"/>
               <a:ea typeface="+mj-ea"/>
               <a:cs typeface="Times New Roman" panose="02020603050405020304" pitchFamily="18" charset="0"/>
             </a:endParaRPr>
           </a:p>
           <a:p>
+            <a:pPr algn="ctr"/>
             <a:r>
               <a:rPr lang="ja-JP" altLang="en-US" dirty="0" smtClean="0">
-                <a:latin typeface="Times New Roman" panose="02020603050405020304" pitchFamily="18" charset="0"/>
+                <a:solidFill>
+                  <a:schemeClr val="tx1"/>
+                </a:solidFill>
+                <a:latin typeface="+mj-ea"/>
                 <a:ea typeface="+mj-ea"/>
                 <a:cs typeface="Times New Roman" panose="02020603050405020304" pitchFamily="18" charset="0"/>
               </a:rPr>
-              <a:t>アクティブユーザーが数が</a:t>
-            </a:r>
-            <a:r>
-              <a:rPr lang="en-US" altLang="ja-JP" sz="6600" dirty="0" smtClean="0">
-                <a:solidFill>
-                  <a:srgbClr val="DA0000"/>
-                </a:solidFill>
-                <a:latin typeface="Times New Roman" panose="02020603050405020304" pitchFamily="18" charset="0"/>
-                <a:ea typeface="+mj-ea"/>
-                <a:cs typeface="Times New Roman" panose="02020603050405020304" pitchFamily="18" charset="0"/>
-              </a:rPr>
-              <a:t>2</a:t>
-            </a:r>
-            <a:r>
-              <a:rPr lang="ja-JP" altLang="en-US" sz="6600" dirty="0" smtClean="0">
-                <a:solidFill>
-                  <a:srgbClr val="DA0000"/>
-                </a:solidFill>
-                <a:latin typeface="Times New Roman" panose="02020603050405020304" pitchFamily="18" charset="0"/>
-                <a:ea typeface="+mj-ea"/>
-                <a:cs typeface="Times New Roman" panose="02020603050405020304" pitchFamily="18" charset="0"/>
-              </a:rPr>
-              <a:t>億</a:t>
-            </a:r>
-            <a:r>
-              <a:rPr lang="en-US" altLang="ja-JP" sz="6600" dirty="0" smtClean="0">
-                <a:solidFill>
-                  <a:srgbClr val="DA0000"/>
-                </a:solidFill>
-                <a:latin typeface="Times New Roman" panose="02020603050405020304" pitchFamily="18" charset="0"/>
-                <a:ea typeface="+mj-ea"/>
-                <a:cs typeface="Times New Roman" panose="02020603050405020304" pitchFamily="18" charset="0"/>
-              </a:rPr>
-              <a:t>3</a:t>
-            </a:r>
-            <a:r>
-              <a:rPr lang="ja-JP" altLang="en-US" sz="6600" dirty="0" smtClean="0">
-                <a:solidFill>
-                  <a:srgbClr val="DA0000"/>
-                </a:solidFill>
-                <a:latin typeface="Times New Roman" panose="02020603050405020304" pitchFamily="18" charset="0"/>
-                <a:ea typeface="+mj-ea"/>
-                <a:cs typeface="Times New Roman" panose="02020603050405020304" pitchFamily="18" charset="0"/>
-              </a:rPr>
-              <a:t>千万人</a:t>
+              <a:t>コミュニティを見つける</a:t>
             </a:r>
             <a:endParaRPr lang="en-US" altLang="ja-JP" dirty="0" smtClean="0">
               <a:solidFill>
-                <a:srgbClr val="DA0000"/>
+                <a:schemeClr val="tx1"/>
               </a:solidFill>
-              <a:latin typeface="Times New Roman" panose="02020603050405020304" pitchFamily="18" charset="0"/>
+              <a:latin typeface="+mj-ea"/>
               <a:ea typeface="+mj-ea"/>
               <a:cs typeface="Times New Roman" panose="02020603050405020304" pitchFamily="18" charset="0"/>
-            </a:endParaRPr>
-          </a:p>
-          <a:p>
-            <a:r>
-              <a:rPr lang="ja-JP" altLang="en-US" dirty="0" smtClean="0">
-                <a:latin typeface="+mj-ea"/>
-                <a:ea typeface="+mj-ea"/>
-              </a:rPr>
-              <a:t>ツイートは</a:t>
-            </a:r>
-            <a:r>
-              <a:rPr lang="en-US" altLang="ja-JP" dirty="0" smtClean="0">
-                <a:latin typeface="+mj-ea"/>
-                <a:ea typeface="+mj-ea"/>
-              </a:rPr>
-              <a:t>1</a:t>
-            </a:r>
-            <a:r>
-              <a:rPr lang="ja-JP" altLang="en-US" dirty="0" smtClean="0">
-                <a:latin typeface="+mj-ea"/>
-                <a:ea typeface="+mj-ea"/>
-              </a:rPr>
-              <a:t>日</a:t>
-            </a:r>
-            <a:r>
-              <a:rPr lang="en-US" altLang="ja-JP" sz="6000" dirty="0" smtClean="0">
-                <a:solidFill>
-                  <a:srgbClr val="DA0000"/>
-                </a:solidFill>
-                <a:latin typeface="+mj-ea"/>
-                <a:ea typeface="+mj-ea"/>
-              </a:rPr>
-              <a:t>5</a:t>
-            </a:r>
-            <a:r>
-              <a:rPr lang="ja-JP" altLang="en-US" sz="6000" dirty="0" smtClean="0">
-                <a:solidFill>
-                  <a:srgbClr val="DA0000"/>
-                </a:solidFill>
-                <a:latin typeface="+mj-ea"/>
-                <a:ea typeface="+mj-ea"/>
-              </a:rPr>
-              <a:t>億件</a:t>
-            </a:r>
-            <a:r>
-              <a:rPr lang="ja-JP" altLang="en-US" dirty="0" smtClean="0">
-                <a:latin typeface="+mj-ea"/>
-                <a:ea typeface="+mj-ea"/>
-              </a:rPr>
-              <a:t>も送信されている．</a:t>
-            </a:r>
-            <a:endParaRPr lang="en-US" altLang="ja-JP" dirty="0" smtClean="0">
-              <a:latin typeface="+mj-ea"/>
-              <a:ea typeface="+mj-ea"/>
-            </a:endParaRPr>
-          </a:p>
-          <a:p>
-            <a:r>
-              <a:rPr lang="ja-JP" altLang="en-US" dirty="0" smtClean="0">
-                <a:latin typeface="+mj-ea"/>
-                <a:ea typeface="+mj-ea"/>
-              </a:rPr>
-              <a:t>この</a:t>
-            </a:r>
-            <a:r>
-              <a:rPr lang="en-US" altLang="ja-JP" dirty="0" smtClean="0">
-                <a:latin typeface="Times New Roman" panose="02020603050405020304" pitchFamily="18" charset="0"/>
-                <a:ea typeface="+mj-ea"/>
-                <a:cs typeface="Times New Roman" panose="02020603050405020304" pitchFamily="18" charset="0"/>
-              </a:rPr>
-              <a:t>Twitter</a:t>
-            </a:r>
-            <a:r>
-              <a:rPr lang="ja-JP" altLang="en-US" dirty="0" smtClean="0">
-                <a:latin typeface="Times New Roman" panose="02020603050405020304" pitchFamily="18" charset="0"/>
-                <a:ea typeface="+mj-ea"/>
-                <a:cs typeface="Times New Roman" panose="02020603050405020304" pitchFamily="18" charset="0"/>
-              </a:rPr>
-              <a:t>の</a:t>
-            </a:r>
-            <a:r>
-              <a:rPr lang="ja-JP" altLang="en-US" dirty="0" smtClean="0">
-                <a:latin typeface="+mj-ea"/>
-                <a:ea typeface="+mj-ea"/>
-              </a:rPr>
-              <a:t>フォロー関係等からコミュニティを抽出することで，</a:t>
-            </a:r>
-            <a:r>
-              <a:rPr lang="en-US" altLang="ja-JP" dirty="0">
-                <a:latin typeface="Times New Roman" panose="02020603050405020304" pitchFamily="18" charset="0"/>
-                <a:cs typeface="Times New Roman" panose="02020603050405020304" pitchFamily="18" charset="0"/>
-              </a:rPr>
-              <a:t> Twitter</a:t>
-            </a:r>
-            <a:r>
-              <a:rPr lang="ja-JP" altLang="en-US" dirty="0" smtClean="0">
-                <a:latin typeface="+mj-ea"/>
-                <a:ea typeface="+mj-ea"/>
-              </a:rPr>
-              <a:t>のユーザビリティの向上が期待される．</a:t>
-            </a:r>
-            <a:endParaRPr lang="en-US" altLang="ja-JP" dirty="0">
-              <a:latin typeface="+mj-ea"/>
-              <a:ea typeface="+mj-ea"/>
             </a:endParaRPr>
           </a:p>
         </p:txBody>
       </p:sp>
       <p:pic>
         <p:nvPicPr>
-          <p:cNvPr id="32" name="図 31"/>
-          <p:cNvPicPr>
-            <a:picLocks noChangeAspect="1"/>
-          </p:cNvPicPr>
-          <p:nvPr/>
-        </p:nvPicPr>
-        <p:blipFill rotWithShape="1">
-          <a:blip r:embed="rId3">
-            <a:extLst>
-              <a:ext uri="{28A0092B-C50C-407E-A947-70E740481C1C}">
-                <a14:useLocalDpi xmlns:a14="http://schemas.microsoft.com/office/drawing/2010/main" val="0"/>
-              </a:ext>
-            </a:extLst>
-          </a:blip>
-          <a:srcRect l="9381" t="28510" r="8342" b="2521"/>
-          <a:stretch/>
-        </p:blipFill>
-        <p:spPr>
-          <a:xfrm>
-            <a:off x="252240" y="9189320"/>
-            <a:ext cx="8064895" cy="5446611"/>
-          </a:xfrm>
-          <a:prstGeom prst="rect">
-            <a:avLst/>
-          </a:prstGeom>
-          <a:ln>
-            <a:solidFill>
-              <a:schemeClr val="tx1"/>
-            </a:solidFill>
-          </a:ln>
-        </p:spPr>
-      </p:pic>
-      <p:pic>
-        <p:nvPicPr>
-          <p:cNvPr id="34" name="図 33"/>
+          <p:cNvPr id="63" name="図 62"/>
           <p:cNvPicPr>
             <a:picLocks noChangeAspect="1"/>
           </p:cNvPicPr>
@@ -1992,8 +2207,8 @@
         </p:blipFill>
         <p:spPr>
           <a:xfrm>
-            <a:off x="16543782" y="1746499"/>
-            <a:ext cx="5375363" cy="5375363"/>
+            <a:off x="-296995" y="4221600"/>
+            <a:ext cx="4149635" cy="4149635"/>
           </a:xfrm>
           <a:prstGeom prst="rect">
             <a:avLst/>
@@ -2002,821 +2217,24 @@
       </p:pic>
       <p:sp>
         <p:nvSpPr>
-          <p:cNvPr id="38" name="テキスト ボックス 37"/>
-          <p:cNvSpPr txBox="1"/>
-          <p:nvPr/>
-        </p:nvSpPr>
-        <p:spPr>
-          <a:xfrm>
-            <a:off x="8795534" y="9188286"/>
-            <a:ext cx="12309087" cy="5447645"/>
-          </a:xfrm>
-          <a:prstGeom prst="rect">
-            <a:avLst/>
-          </a:prstGeom>
-          <a:noFill/>
-          <a:ln>
-            <a:solidFill>
-              <a:schemeClr val="tx1"/>
-            </a:solidFill>
-          </a:ln>
-        </p:spPr>
-        <p:txBody>
-          <a:bodyPr wrap="square" rtlCol="0">
-            <a:spAutoFit/>
-          </a:bodyPr>
-          <a:lstStyle/>
-          <a:p>
-            <a:pPr algn="ctr"/>
-            <a:r>
-              <a:rPr kumimoji="1" lang="ja-JP" altLang="en-US" dirty="0" smtClean="0">
-                <a:latin typeface="+mj-ea"/>
-                <a:ea typeface="+mj-ea"/>
-              </a:rPr>
-              <a:t>「フォロー関係」</a:t>
-            </a:r>
-            <a:r>
-              <a:rPr kumimoji="1" lang="en-US" altLang="ja-JP" dirty="0" smtClean="0">
-                <a:latin typeface="+mj-ea"/>
-                <a:ea typeface="+mj-ea"/>
-              </a:rPr>
-              <a:t>	</a:t>
-            </a:r>
-            <a:r>
-              <a:rPr kumimoji="1" lang="ja-JP" altLang="en-US" dirty="0" smtClean="0">
-                <a:latin typeface="+mj-ea"/>
-                <a:ea typeface="+mj-ea"/>
-              </a:rPr>
-              <a:t>について</a:t>
-            </a:r>
-            <a:endParaRPr kumimoji="1" lang="en-US" altLang="ja-JP" dirty="0" smtClean="0">
-              <a:latin typeface="+mj-ea"/>
-              <a:ea typeface="+mj-ea"/>
-            </a:endParaRPr>
-          </a:p>
-          <a:p>
-            <a:endParaRPr kumimoji="1" lang="en-US" altLang="ja-JP" dirty="0" smtClean="0">
-              <a:latin typeface="+mj-ea"/>
-              <a:ea typeface="+mj-ea"/>
-            </a:endParaRPr>
-          </a:p>
-          <a:p>
-            <a:endParaRPr lang="en-US" altLang="ja-JP" dirty="0">
-              <a:latin typeface="+mj-ea"/>
-              <a:ea typeface="+mj-ea"/>
-            </a:endParaRPr>
-          </a:p>
-          <a:p>
-            <a:endParaRPr kumimoji="1" lang="en-US" altLang="ja-JP" dirty="0" smtClean="0">
-              <a:latin typeface="+mj-ea"/>
-              <a:ea typeface="+mj-ea"/>
-            </a:endParaRPr>
-          </a:p>
-          <a:p>
-            <a:endParaRPr lang="en-US" altLang="ja-JP" dirty="0">
-              <a:latin typeface="+mj-ea"/>
-              <a:ea typeface="+mj-ea"/>
-            </a:endParaRPr>
-          </a:p>
-          <a:p>
-            <a:endParaRPr kumimoji="1" lang="ja-JP" altLang="en-US" dirty="0">
-              <a:latin typeface="+mj-ea"/>
-              <a:ea typeface="+mj-ea"/>
-            </a:endParaRPr>
-          </a:p>
-        </p:txBody>
-      </p:sp>
-      <p:grpSp>
-        <p:nvGrpSpPr>
-          <p:cNvPr id="3" name="グループ化 2"/>
-          <p:cNvGrpSpPr/>
-          <p:nvPr/>
-        </p:nvGrpSpPr>
-        <p:grpSpPr>
-          <a:xfrm>
-            <a:off x="9231777" y="10171436"/>
-            <a:ext cx="11550308" cy="4105892"/>
-            <a:chOff x="9231777" y="9976730"/>
-            <a:chExt cx="11550308" cy="4300597"/>
-          </a:xfrm>
-        </p:grpSpPr>
-        <p:sp>
-          <p:nvSpPr>
-            <p:cNvPr id="128" name="円/楕円 127"/>
-            <p:cNvSpPr/>
-            <p:nvPr/>
-          </p:nvSpPr>
-          <p:spPr>
-            <a:xfrm>
-              <a:off x="15120886" y="12265902"/>
-              <a:ext cx="5661199" cy="1934620"/>
-            </a:xfrm>
-            <a:prstGeom prst="ellipse">
-              <a:avLst/>
-            </a:prstGeom>
-            <a:solidFill>
-              <a:schemeClr val="bg1"/>
-            </a:solidFill>
-            <a:ln>
-              <a:solidFill>
-                <a:srgbClr val="0070C0"/>
-              </a:solidFill>
-            </a:ln>
-          </p:spPr>
-          <p:style>
-            <a:lnRef idx="2">
-              <a:schemeClr val="accent1">
-                <a:shade val="50000"/>
-              </a:schemeClr>
-            </a:lnRef>
-            <a:fillRef idx="1">
-              <a:schemeClr val="accent1"/>
-            </a:fillRef>
-            <a:effectRef idx="0">
-              <a:schemeClr val="accent1"/>
-            </a:effectRef>
-            <a:fontRef idx="minor">
-              <a:schemeClr val="lt1"/>
-            </a:fontRef>
-          </p:style>
-          <p:txBody>
-            <a:bodyPr rtlCol="0" anchor="ctr"/>
-            <a:lstStyle/>
-            <a:p>
-              <a:pPr algn="ctr"/>
-              <a:endParaRPr kumimoji="1" lang="ja-JP" altLang="en-US"/>
-            </a:p>
-          </p:txBody>
-        </p:sp>
-        <p:sp>
-          <p:nvSpPr>
-            <p:cNvPr id="127" name="円/楕円 126"/>
-            <p:cNvSpPr/>
-            <p:nvPr/>
-          </p:nvSpPr>
-          <p:spPr>
-            <a:xfrm>
-              <a:off x="9231777" y="12189096"/>
-              <a:ext cx="5661199" cy="2088231"/>
-            </a:xfrm>
-            <a:prstGeom prst="ellipse">
-              <a:avLst/>
-            </a:prstGeom>
-            <a:solidFill>
-              <a:schemeClr val="bg1"/>
-            </a:solidFill>
-            <a:ln>
-              <a:solidFill>
-                <a:srgbClr val="0070C0"/>
-              </a:solidFill>
-            </a:ln>
-          </p:spPr>
-          <p:style>
-            <a:lnRef idx="2">
-              <a:schemeClr val="accent1">
-                <a:shade val="50000"/>
-              </a:schemeClr>
-            </a:lnRef>
-            <a:fillRef idx="1">
-              <a:schemeClr val="accent1"/>
-            </a:fillRef>
-            <a:effectRef idx="0">
-              <a:schemeClr val="accent1"/>
-            </a:effectRef>
-            <a:fontRef idx="minor">
-              <a:schemeClr val="lt1"/>
-            </a:fontRef>
-          </p:style>
-          <p:txBody>
-            <a:bodyPr rtlCol="0" anchor="ctr"/>
-            <a:lstStyle/>
-            <a:p>
-              <a:pPr algn="ctr"/>
-              <a:endParaRPr kumimoji="1" lang="ja-JP" altLang="en-US"/>
-            </a:p>
-          </p:txBody>
-        </p:sp>
-        <p:sp>
-          <p:nvSpPr>
-            <p:cNvPr id="39" name="円/楕円 38"/>
-            <p:cNvSpPr/>
-            <p:nvPr/>
-          </p:nvSpPr>
-          <p:spPr>
-            <a:xfrm>
-              <a:off x="11430309" y="9976730"/>
-              <a:ext cx="7081940" cy="2088231"/>
-            </a:xfrm>
-            <a:prstGeom prst="ellipse">
-              <a:avLst/>
-            </a:prstGeom>
-            <a:solidFill>
-              <a:schemeClr val="bg1"/>
-            </a:solidFill>
-            <a:ln>
-              <a:solidFill>
-                <a:srgbClr val="0070C0"/>
-              </a:solidFill>
-            </a:ln>
-          </p:spPr>
-          <p:style>
-            <a:lnRef idx="2">
-              <a:schemeClr val="accent1">
-                <a:shade val="50000"/>
-              </a:schemeClr>
-            </a:lnRef>
-            <a:fillRef idx="1">
-              <a:schemeClr val="accent1"/>
-            </a:fillRef>
-            <a:effectRef idx="0">
-              <a:schemeClr val="accent1"/>
-            </a:effectRef>
-            <a:fontRef idx="minor">
-              <a:schemeClr val="lt1"/>
-            </a:fontRef>
-          </p:style>
-          <p:txBody>
-            <a:bodyPr rtlCol="0" anchor="ctr"/>
-            <a:lstStyle/>
-            <a:p>
-              <a:pPr algn="ctr"/>
-              <a:endParaRPr kumimoji="1" lang="ja-JP" altLang="en-US"/>
-            </a:p>
-          </p:txBody>
-        </p:sp>
-        <p:grpSp>
-          <p:nvGrpSpPr>
-            <p:cNvPr id="101" name="グループ化 100"/>
-            <p:cNvGrpSpPr/>
-            <p:nvPr/>
-          </p:nvGrpSpPr>
-          <p:grpSpPr>
-            <a:xfrm>
-              <a:off x="12442014" y="10236016"/>
-              <a:ext cx="5058529" cy="1569660"/>
-              <a:chOff x="1404368" y="5487685"/>
-              <a:chExt cx="4320480" cy="1569660"/>
-            </a:xfrm>
-          </p:grpSpPr>
-          <p:sp>
-            <p:nvSpPr>
-              <p:cNvPr id="102" name="テキスト ボックス 101"/>
-              <p:cNvSpPr txBox="1"/>
-              <p:nvPr/>
-            </p:nvSpPr>
-            <p:spPr>
-              <a:xfrm>
-                <a:off x="1404368" y="5487685"/>
-                <a:ext cx="1008112" cy="1569660"/>
-              </a:xfrm>
-              <a:prstGeom prst="rect">
-                <a:avLst/>
-              </a:prstGeom>
-              <a:noFill/>
-              <a:ln>
-                <a:solidFill>
-                  <a:schemeClr val="tx1"/>
-                </a:solidFill>
-              </a:ln>
-            </p:spPr>
-            <p:txBody>
-              <a:bodyPr wrap="square" rtlCol="0">
-                <a:spAutoFit/>
-              </a:bodyPr>
-              <a:lstStyle/>
-              <a:p>
-                <a:r>
-                  <a:rPr kumimoji="1" lang="en-US" altLang="ja-JP" sz="9600" dirty="0" smtClean="0">
-                    <a:latin typeface="Times New Roman" panose="02020603050405020304" pitchFamily="18" charset="0"/>
-                    <a:cs typeface="Times New Roman" panose="02020603050405020304" pitchFamily="18" charset="0"/>
-                  </a:rPr>
-                  <a:t>A</a:t>
-                </a:r>
-                <a:endParaRPr kumimoji="1" lang="ja-JP" altLang="en-US" sz="9600" dirty="0">
-                  <a:latin typeface="Times New Roman" panose="02020603050405020304" pitchFamily="18" charset="0"/>
-                  <a:cs typeface="Times New Roman" panose="02020603050405020304" pitchFamily="18" charset="0"/>
-                </a:endParaRPr>
-              </a:p>
-            </p:txBody>
-          </p:sp>
-          <p:sp>
-            <p:nvSpPr>
-              <p:cNvPr id="103" name="テキスト ボックス 102"/>
-              <p:cNvSpPr txBox="1"/>
-              <p:nvPr/>
-            </p:nvSpPr>
-            <p:spPr>
-              <a:xfrm>
-                <a:off x="4716736" y="5487685"/>
-                <a:ext cx="1008112" cy="1569660"/>
-              </a:xfrm>
-              <a:prstGeom prst="rect">
-                <a:avLst/>
-              </a:prstGeom>
-              <a:noFill/>
-              <a:ln>
-                <a:solidFill>
-                  <a:schemeClr val="tx1"/>
-                </a:solidFill>
-              </a:ln>
-            </p:spPr>
-            <p:txBody>
-              <a:bodyPr wrap="square" rtlCol="0">
-                <a:spAutoFit/>
-              </a:bodyPr>
-              <a:lstStyle/>
-              <a:p>
-                <a:r>
-                  <a:rPr lang="en-US" altLang="ja-JP" sz="9600" dirty="0" smtClean="0">
-                    <a:latin typeface="Times New Roman" panose="02020603050405020304" pitchFamily="18" charset="0"/>
-                    <a:cs typeface="Times New Roman" panose="02020603050405020304" pitchFamily="18" charset="0"/>
-                  </a:rPr>
-                  <a:t>B</a:t>
-                </a:r>
-                <a:endParaRPr kumimoji="1" lang="ja-JP" altLang="en-US" sz="9600" dirty="0">
-                  <a:latin typeface="Times New Roman" panose="02020603050405020304" pitchFamily="18" charset="0"/>
-                  <a:cs typeface="Times New Roman" panose="02020603050405020304" pitchFamily="18" charset="0"/>
-                </a:endParaRPr>
-              </a:p>
-            </p:txBody>
-          </p:sp>
-          <p:cxnSp>
-            <p:nvCxnSpPr>
-              <p:cNvPr id="104" name="直線矢印コネクタ 103"/>
-              <p:cNvCxnSpPr/>
-              <p:nvPr/>
-            </p:nvCxnSpPr>
-            <p:spPr>
-              <a:xfrm>
-                <a:off x="2412480" y="5850955"/>
-                <a:ext cx="2304256" cy="0"/>
-              </a:xfrm>
-              <a:prstGeom prst="straightConnector1">
-                <a:avLst/>
-              </a:prstGeom>
-              <a:ln w="76200">
-                <a:solidFill>
-                  <a:schemeClr val="tx1"/>
-                </a:solidFill>
-                <a:tailEnd type="arrow"/>
-              </a:ln>
-            </p:spPr>
-            <p:style>
-              <a:lnRef idx="1">
-                <a:schemeClr val="accent1"/>
-              </a:lnRef>
-              <a:fillRef idx="0">
-                <a:schemeClr val="accent1"/>
-              </a:fillRef>
-              <a:effectRef idx="0">
-                <a:schemeClr val="accent1"/>
-              </a:effectRef>
-              <a:fontRef idx="minor">
-                <a:schemeClr val="tx1"/>
-              </a:fontRef>
-            </p:style>
-          </p:cxnSp>
-          <p:cxnSp>
-            <p:nvCxnSpPr>
-              <p:cNvPr id="105" name="直線矢印コネクタ 104"/>
-              <p:cNvCxnSpPr/>
-              <p:nvPr/>
-            </p:nvCxnSpPr>
-            <p:spPr>
-              <a:xfrm flipH="1">
-                <a:off x="2412480" y="6643043"/>
-                <a:ext cx="2304256" cy="0"/>
-              </a:xfrm>
-              <a:prstGeom prst="straightConnector1">
-                <a:avLst/>
-              </a:prstGeom>
-              <a:ln w="76200">
-                <a:solidFill>
-                  <a:schemeClr val="tx1"/>
-                </a:solidFill>
-                <a:tailEnd type="arrow"/>
-              </a:ln>
-            </p:spPr>
-            <p:style>
-              <a:lnRef idx="1">
-                <a:schemeClr val="accent1"/>
-              </a:lnRef>
-              <a:fillRef idx="0">
-                <a:schemeClr val="accent1"/>
-              </a:fillRef>
-              <a:effectRef idx="0">
-                <a:schemeClr val="accent1"/>
-              </a:effectRef>
-              <a:fontRef idx="minor">
-                <a:schemeClr val="tx1"/>
-              </a:fontRef>
-            </p:style>
-          </p:cxnSp>
-        </p:grpSp>
-        <p:grpSp>
-          <p:nvGrpSpPr>
-            <p:cNvPr id="106" name="グループ化 105"/>
-            <p:cNvGrpSpPr/>
-            <p:nvPr/>
-          </p:nvGrpSpPr>
-          <p:grpSpPr>
-            <a:xfrm>
-              <a:off x="9533112" y="12399139"/>
-              <a:ext cx="5058529" cy="1569660"/>
-              <a:chOff x="1404368" y="5487685"/>
-              <a:chExt cx="4320480" cy="1569660"/>
-            </a:xfrm>
-          </p:grpSpPr>
-          <p:sp>
-            <p:nvSpPr>
-              <p:cNvPr id="107" name="テキスト ボックス 106"/>
-              <p:cNvSpPr txBox="1"/>
-              <p:nvPr/>
-            </p:nvSpPr>
-            <p:spPr>
-              <a:xfrm>
-                <a:off x="1404368" y="5487685"/>
-                <a:ext cx="1008112" cy="1569660"/>
-              </a:xfrm>
-              <a:prstGeom prst="rect">
-                <a:avLst/>
-              </a:prstGeom>
-              <a:noFill/>
-              <a:ln>
-                <a:solidFill>
-                  <a:schemeClr val="tx1"/>
-                </a:solidFill>
-              </a:ln>
-            </p:spPr>
-            <p:txBody>
-              <a:bodyPr wrap="square" rtlCol="0">
-                <a:spAutoFit/>
-              </a:bodyPr>
-              <a:lstStyle/>
-              <a:p>
-                <a:r>
-                  <a:rPr kumimoji="1" lang="en-US" altLang="ja-JP" sz="9600" dirty="0" smtClean="0">
-                    <a:latin typeface="Times New Roman" panose="02020603050405020304" pitchFamily="18" charset="0"/>
-                    <a:cs typeface="Times New Roman" panose="02020603050405020304" pitchFamily="18" charset="0"/>
-                  </a:rPr>
-                  <a:t>A</a:t>
-                </a:r>
-                <a:endParaRPr kumimoji="1" lang="ja-JP" altLang="en-US" sz="9600" dirty="0">
-                  <a:latin typeface="Times New Roman" panose="02020603050405020304" pitchFamily="18" charset="0"/>
-                  <a:cs typeface="Times New Roman" panose="02020603050405020304" pitchFamily="18" charset="0"/>
-                </a:endParaRPr>
-              </a:p>
-            </p:txBody>
-          </p:sp>
-          <p:sp>
-            <p:nvSpPr>
-              <p:cNvPr id="108" name="テキスト ボックス 107"/>
-              <p:cNvSpPr txBox="1"/>
-              <p:nvPr/>
-            </p:nvSpPr>
-            <p:spPr>
-              <a:xfrm>
-                <a:off x="4716736" y="5487685"/>
-                <a:ext cx="1008112" cy="1569660"/>
-              </a:xfrm>
-              <a:prstGeom prst="rect">
-                <a:avLst/>
-              </a:prstGeom>
-              <a:noFill/>
-              <a:ln>
-                <a:solidFill>
-                  <a:schemeClr val="tx1"/>
-                </a:solidFill>
-              </a:ln>
-            </p:spPr>
-            <p:txBody>
-              <a:bodyPr wrap="square" rtlCol="0">
-                <a:spAutoFit/>
-              </a:bodyPr>
-              <a:lstStyle/>
-              <a:p>
-                <a:r>
-                  <a:rPr lang="en-US" altLang="ja-JP" sz="9600" dirty="0" smtClean="0">
-                    <a:latin typeface="Times New Roman" panose="02020603050405020304" pitchFamily="18" charset="0"/>
-                    <a:cs typeface="Times New Roman" panose="02020603050405020304" pitchFamily="18" charset="0"/>
-                  </a:rPr>
-                  <a:t>B</a:t>
-                </a:r>
-                <a:endParaRPr kumimoji="1" lang="ja-JP" altLang="en-US" sz="9600" dirty="0">
-                  <a:latin typeface="Times New Roman" panose="02020603050405020304" pitchFamily="18" charset="0"/>
-                  <a:cs typeface="Times New Roman" panose="02020603050405020304" pitchFamily="18" charset="0"/>
-                </a:endParaRPr>
-              </a:p>
-            </p:txBody>
-          </p:sp>
-          <p:cxnSp>
-            <p:nvCxnSpPr>
-              <p:cNvPr id="109" name="直線矢印コネクタ 108"/>
-              <p:cNvCxnSpPr/>
-              <p:nvPr/>
-            </p:nvCxnSpPr>
-            <p:spPr>
-              <a:xfrm>
-                <a:off x="2412480" y="6321758"/>
-                <a:ext cx="2304256" cy="0"/>
-              </a:xfrm>
-              <a:prstGeom prst="straightConnector1">
-                <a:avLst/>
-              </a:prstGeom>
-              <a:ln w="76200">
-                <a:solidFill>
-                  <a:schemeClr val="tx1"/>
-                </a:solidFill>
-                <a:tailEnd type="arrow"/>
-              </a:ln>
-            </p:spPr>
-            <p:style>
-              <a:lnRef idx="1">
-                <a:schemeClr val="accent1"/>
-              </a:lnRef>
-              <a:fillRef idx="0">
-                <a:schemeClr val="accent1"/>
-              </a:fillRef>
-              <a:effectRef idx="0">
-                <a:schemeClr val="accent1"/>
-              </a:effectRef>
-              <a:fontRef idx="minor">
-                <a:schemeClr val="tx1"/>
-              </a:fontRef>
-            </p:style>
-          </p:cxnSp>
-        </p:grpSp>
-        <p:grpSp>
-          <p:nvGrpSpPr>
-            <p:cNvPr id="113" name="グループ化 112"/>
-            <p:cNvGrpSpPr/>
-            <p:nvPr/>
-          </p:nvGrpSpPr>
-          <p:grpSpPr>
-            <a:xfrm>
-              <a:off x="15422221" y="12434903"/>
-              <a:ext cx="5058529" cy="1569660"/>
-              <a:chOff x="1404368" y="5487685"/>
-              <a:chExt cx="4320480" cy="1569660"/>
-            </a:xfrm>
-          </p:grpSpPr>
-          <p:sp>
-            <p:nvSpPr>
-              <p:cNvPr id="114" name="テキスト ボックス 113"/>
-              <p:cNvSpPr txBox="1"/>
-              <p:nvPr/>
-            </p:nvSpPr>
-            <p:spPr>
-              <a:xfrm>
-                <a:off x="1404368" y="5487685"/>
-                <a:ext cx="1008112" cy="1569660"/>
-              </a:xfrm>
-              <a:prstGeom prst="rect">
-                <a:avLst/>
-              </a:prstGeom>
-              <a:noFill/>
-              <a:ln>
-                <a:solidFill>
-                  <a:schemeClr val="tx1"/>
-                </a:solidFill>
-              </a:ln>
-            </p:spPr>
-            <p:txBody>
-              <a:bodyPr wrap="square" rtlCol="0">
-                <a:spAutoFit/>
-              </a:bodyPr>
-              <a:lstStyle/>
-              <a:p>
-                <a:r>
-                  <a:rPr kumimoji="1" lang="en-US" altLang="ja-JP" sz="9600" dirty="0" smtClean="0">
-                    <a:latin typeface="Times New Roman" panose="02020603050405020304" pitchFamily="18" charset="0"/>
-                    <a:cs typeface="Times New Roman" panose="02020603050405020304" pitchFamily="18" charset="0"/>
-                  </a:rPr>
-                  <a:t>A</a:t>
-                </a:r>
-                <a:endParaRPr kumimoji="1" lang="ja-JP" altLang="en-US" sz="9600" dirty="0">
-                  <a:latin typeface="Times New Roman" panose="02020603050405020304" pitchFamily="18" charset="0"/>
-                  <a:cs typeface="Times New Roman" panose="02020603050405020304" pitchFamily="18" charset="0"/>
-                </a:endParaRPr>
-              </a:p>
-            </p:txBody>
-          </p:sp>
-          <p:sp>
-            <p:nvSpPr>
-              <p:cNvPr id="124" name="テキスト ボックス 123"/>
-              <p:cNvSpPr txBox="1"/>
-              <p:nvPr/>
-            </p:nvSpPr>
-            <p:spPr>
-              <a:xfrm>
-                <a:off x="4716736" y="5487685"/>
-                <a:ext cx="1008112" cy="1569660"/>
-              </a:xfrm>
-              <a:prstGeom prst="rect">
-                <a:avLst/>
-              </a:prstGeom>
-              <a:noFill/>
-              <a:ln>
-                <a:solidFill>
-                  <a:schemeClr val="tx1"/>
-                </a:solidFill>
-              </a:ln>
-            </p:spPr>
-            <p:txBody>
-              <a:bodyPr wrap="square" rtlCol="0">
-                <a:spAutoFit/>
-              </a:bodyPr>
-              <a:lstStyle/>
-              <a:p>
-                <a:r>
-                  <a:rPr lang="en-US" altLang="ja-JP" sz="9600" dirty="0" smtClean="0">
-                    <a:latin typeface="Times New Roman" panose="02020603050405020304" pitchFamily="18" charset="0"/>
-                    <a:cs typeface="Times New Roman" panose="02020603050405020304" pitchFamily="18" charset="0"/>
-                  </a:rPr>
-                  <a:t>B</a:t>
-                </a:r>
-                <a:endParaRPr kumimoji="1" lang="ja-JP" altLang="en-US" sz="9600" dirty="0">
-                  <a:latin typeface="Times New Roman" panose="02020603050405020304" pitchFamily="18" charset="0"/>
-                  <a:cs typeface="Times New Roman" panose="02020603050405020304" pitchFamily="18" charset="0"/>
-                </a:endParaRPr>
-              </a:p>
-            </p:txBody>
-          </p:sp>
-          <p:cxnSp>
-            <p:nvCxnSpPr>
-              <p:cNvPr id="126" name="直線矢印コネクタ 125"/>
-              <p:cNvCxnSpPr/>
-              <p:nvPr/>
-            </p:nvCxnSpPr>
-            <p:spPr>
-              <a:xfrm flipH="1">
-                <a:off x="2412480" y="6272515"/>
-                <a:ext cx="2304256" cy="0"/>
-              </a:xfrm>
-              <a:prstGeom prst="straightConnector1">
-                <a:avLst/>
-              </a:prstGeom>
-              <a:ln w="76200">
-                <a:solidFill>
-                  <a:schemeClr val="tx1"/>
-                </a:solidFill>
-                <a:tailEnd type="arrow"/>
-              </a:ln>
-            </p:spPr>
-            <p:style>
-              <a:lnRef idx="1">
-                <a:schemeClr val="accent1"/>
-              </a:lnRef>
-              <a:fillRef idx="0">
-                <a:schemeClr val="accent1"/>
-              </a:fillRef>
-              <a:effectRef idx="0">
-                <a:schemeClr val="accent1"/>
-              </a:effectRef>
-              <a:fontRef idx="minor">
-                <a:schemeClr val="tx1"/>
-              </a:fontRef>
-            </p:style>
-          </p:cxnSp>
-        </p:grpSp>
-      </p:grpSp>
-      <p:sp>
-        <p:nvSpPr>
-          <p:cNvPr id="28" name="テキスト ボックス 27"/>
-          <p:cNvSpPr txBox="1"/>
-          <p:nvPr/>
-        </p:nvSpPr>
-        <p:spPr>
-          <a:xfrm>
-            <a:off x="3973190" y="14918734"/>
-            <a:ext cx="17085081" cy="1877437"/>
-          </a:xfrm>
-          <a:prstGeom prst="rect">
-            <a:avLst/>
-          </a:prstGeom>
-          <a:ln>
-            <a:solidFill>
-              <a:schemeClr val="tx1"/>
-            </a:solidFill>
-          </a:ln>
-        </p:spPr>
-        <p:style>
-          <a:lnRef idx="0">
-            <a:scrgbClr r="0" g="0" b="0"/>
-          </a:lnRef>
-          <a:fillRef idx="1002">
-            <a:schemeClr val="lt1"/>
-          </a:fillRef>
-          <a:effectRef idx="0">
-            <a:scrgbClr r="0" g="0" b="0"/>
-          </a:effectRef>
-          <a:fontRef idx="major"/>
-        </p:style>
-        <p:txBody>
-          <a:bodyPr wrap="square" rtlCol="0">
-            <a:spAutoFit/>
-          </a:bodyPr>
-          <a:lstStyle/>
-          <a:p>
-            <a:r>
-              <a:rPr lang="ja-JP" altLang="en-US" dirty="0" smtClean="0">
-                <a:latin typeface="Times New Roman" panose="02020603050405020304" pitchFamily="18" charset="0"/>
-                <a:ea typeface="+mj-ea"/>
-                <a:cs typeface="Times New Roman" panose="02020603050405020304" pitchFamily="18" charset="0"/>
-              </a:rPr>
-              <a:t>①　コミュニティの抽出方法</a:t>
-            </a:r>
-            <a:endParaRPr lang="en-US" altLang="ja-JP" dirty="0" smtClean="0">
-              <a:latin typeface="Times New Roman" panose="02020603050405020304" pitchFamily="18" charset="0"/>
-              <a:ea typeface="+mj-ea"/>
-              <a:cs typeface="Times New Roman" panose="02020603050405020304" pitchFamily="18" charset="0"/>
-            </a:endParaRPr>
-          </a:p>
-          <a:p>
-            <a:r>
-              <a:rPr lang="ja-JP" altLang="en-US" dirty="0" smtClean="0">
-                <a:latin typeface="Times New Roman" panose="02020603050405020304" pitchFamily="18" charset="0"/>
-                <a:ea typeface="+mj-ea"/>
-                <a:cs typeface="Times New Roman" panose="02020603050405020304" pitchFamily="18" charset="0"/>
-              </a:rPr>
-              <a:t>②　実験の評価方法</a:t>
-            </a:r>
-            <a:endParaRPr lang="en-US" altLang="ja-JP" dirty="0" smtClean="0">
-              <a:latin typeface="Times New Roman" panose="02020603050405020304" pitchFamily="18" charset="0"/>
-              <a:ea typeface="+mj-ea"/>
-              <a:cs typeface="Times New Roman" panose="02020603050405020304" pitchFamily="18" charset="0"/>
-            </a:endParaRPr>
-          </a:p>
-        </p:txBody>
-      </p:sp>
-      <p:sp>
-        <p:nvSpPr>
-          <p:cNvPr id="29" name="テキスト ボックス 28"/>
-          <p:cNvSpPr txBox="1"/>
-          <p:nvPr/>
-        </p:nvSpPr>
-        <p:spPr>
-          <a:xfrm>
-            <a:off x="282434" y="14923963"/>
-            <a:ext cx="3290671" cy="1323439"/>
-          </a:xfrm>
-          <a:prstGeom prst="rect">
-            <a:avLst/>
-          </a:prstGeom>
-          <a:ln>
-            <a:solidFill>
-              <a:schemeClr val="tx1"/>
-            </a:solidFill>
-          </a:ln>
-        </p:spPr>
-        <p:style>
-          <a:lnRef idx="0">
-            <a:scrgbClr r="0" g="0" b="0"/>
-          </a:lnRef>
-          <a:fillRef idx="1002">
-            <a:schemeClr val="lt1"/>
-          </a:fillRef>
-          <a:effectRef idx="0">
-            <a:scrgbClr r="0" g="0" b="0"/>
-          </a:effectRef>
-          <a:fontRef idx="major"/>
-        </p:style>
-        <p:txBody>
-          <a:bodyPr wrap="square" rtlCol="0">
-            <a:spAutoFit/>
-          </a:bodyPr>
-          <a:lstStyle/>
-          <a:p>
-            <a:r>
-              <a:rPr kumimoji="1" lang="ja-JP" altLang="en-US" sz="8000" dirty="0" smtClean="0">
-                <a:latin typeface="+mj-ea"/>
-                <a:ea typeface="+mj-ea"/>
-              </a:rPr>
-              <a:t>成果物</a:t>
-            </a:r>
-            <a:endParaRPr kumimoji="1" lang="ja-JP" altLang="en-US" sz="8000" dirty="0">
-              <a:latin typeface="+mj-ea"/>
-              <a:ea typeface="+mj-ea"/>
-            </a:endParaRPr>
-          </a:p>
-        </p:txBody>
-      </p:sp>
-      <p:sp>
-        <p:nvSpPr>
-          <p:cNvPr id="5" name="正方形/長方形 4"/>
+          <p:cNvPr id="48" name="右矢印 47"/>
           <p:cNvSpPr/>
           <p:nvPr/>
         </p:nvSpPr>
         <p:spPr>
-          <a:xfrm>
-            <a:off x="167513" y="17156211"/>
-            <a:ext cx="20838417" cy="7848872"/>
+          <a:xfrm rot="5400000">
+            <a:off x="15066723" y="9595025"/>
+            <a:ext cx="2597112" cy="1471287"/>
           </a:xfrm>
-          <a:prstGeom prst="rect">
+          <a:prstGeom prst="rightArrow">
             <a:avLst/>
           </a:prstGeom>
-          <a:noFill/>
-          <a:ln>
+          <a:solidFill>
+            <a:schemeClr val="bg1">
+              <a:lumMod val="95000"/>
+            </a:schemeClr>
+          </a:solidFill>
+          <a:ln w="38100">
             <a:solidFill>
               <a:schemeClr val="tx1"/>
             </a:solidFill>
@@ -2849,149 +2267,141 @@
       </p:sp>
       <p:sp>
         <p:nvSpPr>
-          <p:cNvPr id="8" name="正方形/長方形 7"/>
-          <p:cNvSpPr/>
+          <p:cNvPr id="89" name="テキスト ボックス 88"/>
+          <p:cNvSpPr txBox="1"/>
           <p:nvPr/>
         </p:nvSpPr>
         <p:spPr>
           <a:xfrm>
-            <a:off x="475910" y="17372235"/>
-            <a:ext cx="928459" cy="984885"/>
+            <a:off x="12250762" y="11749813"/>
+            <a:ext cx="8137315" cy="2769989"/>
           </a:xfrm>
           <a:prstGeom prst="rect">
             <a:avLst/>
           </a:prstGeom>
+          <a:solidFill>
+            <a:schemeClr val="accent4">
+              <a:lumMod val="40000"/>
+              <a:lumOff val="60000"/>
+            </a:schemeClr>
+          </a:solidFill>
+          <a:ln>
+            <a:solidFill>
+              <a:schemeClr val="tx1"/>
+            </a:solidFill>
+          </a:ln>
         </p:spPr>
         <p:txBody>
-          <a:bodyPr wrap="none">
+          <a:bodyPr wrap="square" rtlCol="0">
             <a:spAutoFit/>
           </a:bodyPr>
           <a:lstStyle/>
           <a:p>
             <a:r>
-              <a:rPr lang="ja-JP" altLang="en-US" dirty="0">
+              <a:rPr lang="en-US" altLang="ja-JP" dirty="0" smtClean="0">
+                <a:latin typeface="Times New Roman" panose="02020603050405020304" pitchFamily="18" charset="0"/>
+                <a:cs typeface="Times New Roman" panose="02020603050405020304" pitchFamily="18" charset="0"/>
+              </a:rPr>
+              <a:t>Twitter</a:t>
+            </a:r>
+            <a:r>
+              <a:rPr lang="ja-JP" altLang="en-US" dirty="0" smtClean="0">
                 <a:latin typeface="+mj-ea"/>
                 <a:ea typeface="+mj-ea"/>
                 <a:cs typeface="Times New Roman" panose="02020603050405020304" pitchFamily="18" charset="0"/>
               </a:rPr>
-              <a:t>①</a:t>
+              <a:t>がさらに便利に使えるようになることを期待する．</a:t>
             </a:r>
-            <a:endParaRPr lang="ja-JP" altLang="en-US" dirty="0">
+            <a:endParaRPr kumimoji="1" lang="ja-JP" altLang="en-US" dirty="0">
               <a:latin typeface="+mj-ea"/>
               <a:ea typeface="+mj-ea"/>
+              <a:cs typeface="Times New Roman" panose="02020603050405020304" pitchFamily="18" charset="0"/>
             </a:endParaRPr>
-          </a:p>
-        </p:txBody>
-      </p:sp>
-      <p:sp>
-        <p:nvSpPr>
-          <p:cNvPr id="35" name="円/楕円 34"/>
-          <p:cNvSpPr/>
-          <p:nvPr/>
-        </p:nvSpPr>
-        <p:spPr>
-          <a:xfrm>
-            <a:off x="940139" y="18164323"/>
-            <a:ext cx="6296877" cy="5688632"/>
-          </a:xfrm>
-          <a:prstGeom prst="ellipse">
-            <a:avLst/>
-          </a:prstGeom>
-          <a:solidFill>
-            <a:srgbClr val="4099FF"/>
-          </a:solidFill>
-          <a:ln w="57150">
-            <a:solidFill>
-              <a:schemeClr val="tx1"/>
-            </a:solidFill>
-          </a:ln>
-        </p:spPr>
-        <p:style>
-          <a:lnRef idx="2">
-            <a:schemeClr val="accent1">
-              <a:shade val="50000"/>
-            </a:schemeClr>
-          </a:lnRef>
-          <a:fillRef idx="1">
-            <a:schemeClr val="accent1"/>
-          </a:fillRef>
-          <a:effectRef idx="0">
-            <a:schemeClr val="accent1"/>
-          </a:effectRef>
-          <a:fontRef idx="minor">
-            <a:schemeClr val="lt1"/>
-          </a:fontRef>
-        </p:style>
-        <p:txBody>
-          <a:bodyPr rtlCol="0" anchor="ctr"/>
-          <a:lstStyle/>
-          <a:p>
-            <a:pPr algn="ctr"/>
-            <a:endParaRPr kumimoji="1" lang="ja-JP" altLang="en-US"/>
           </a:p>
         </p:txBody>
       </p:sp>
       <p:grpSp>
         <p:nvGrpSpPr>
-          <p:cNvPr id="30" name="グループ化 29"/>
+          <p:cNvPr id="194" name="図形グループ 193"/>
           <p:cNvGrpSpPr/>
           <p:nvPr/>
         </p:nvGrpSpPr>
         <p:grpSpPr>
           <a:xfrm>
-            <a:off x="2387457" y="17654460"/>
-            <a:ext cx="18154461" cy="6846567"/>
-            <a:chOff x="2279939" y="17444243"/>
-            <a:chExt cx="17252212" cy="6846567"/>
+            <a:off x="252240" y="22412795"/>
+            <a:ext cx="20838417" cy="7704856"/>
+            <a:chOff x="252240" y="15284003"/>
+            <a:chExt cx="20838417" cy="7704856"/>
           </a:xfrm>
         </p:grpSpPr>
         <p:sp>
           <p:nvSpPr>
-            <p:cNvPr id="9" name="正方形/長方形 8"/>
+            <p:cNvPr id="5" name="正方形/長方形 4"/>
             <p:cNvSpPr/>
             <p:nvPr/>
           </p:nvSpPr>
           <p:spPr>
             <a:xfrm>
-              <a:off x="2279939" y="19979039"/>
-              <a:ext cx="3721468" cy="1569660"/>
+              <a:off x="252240" y="15500027"/>
+              <a:ext cx="20838417" cy="7488832"/>
             </a:xfrm>
             <a:prstGeom prst="rect">
               <a:avLst/>
             </a:prstGeom>
+            <a:solidFill>
+              <a:schemeClr val="accent4">
+                <a:lumMod val="40000"/>
+                <a:lumOff val="60000"/>
+              </a:schemeClr>
+            </a:solidFill>
+            <a:ln>
+              <a:solidFill>
+                <a:schemeClr val="tx1"/>
+              </a:solidFill>
+            </a:ln>
           </p:spPr>
+          <p:style>
+            <a:lnRef idx="2">
+              <a:schemeClr val="accent1">
+                <a:shade val="50000"/>
+              </a:schemeClr>
+            </a:lnRef>
+            <a:fillRef idx="1">
+              <a:schemeClr val="accent1"/>
+            </a:fillRef>
+            <a:effectRef idx="0">
+              <a:schemeClr val="accent1"/>
+            </a:effectRef>
+            <a:fontRef idx="minor">
+              <a:schemeClr val="lt1"/>
+            </a:fontRef>
+          </p:style>
           <p:txBody>
-            <a:bodyPr wrap="none">
-              <a:spAutoFit/>
-            </a:bodyPr>
+            <a:bodyPr rtlCol="0" anchor="ctr"/>
             <a:lstStyle/>
             <a:p>
-              <a:r>
-                <a:rPr lang="en-US" altLang="ja-JP" sz="9600" dirty="0">
-                  <a:latin typeface="Times New Roman" panose="02020603050405020304" pitchFamily="18" charset="0"/>
-                  <a:cs typeface="Times New Roman" panose="02020603050405020304" pitchFamily="18" charset="0"/>
-                </a:rPr>
-                <a:t>Twitter</a:t>
-              </a:r>
-              <a:endParaRPr lang="ja-JP" altLang="en-US" sz="9600" dirty="0"/>
+              <a:pPr algn="ctr"/>
+              <a:endParaRPr kumimoji="1" lang="ja-JP" altLang="en-US"/>
             </a:p>
           </p:txBody>
         </p:sp>
         <p:sp>
           <p:nvSpPr>
-            <p:cNvPr id="36" name="正方形/長方形 35"/>
+            <p:cNvPr id="35" name="円/楕円 34"/>
             <p:cNvSpPr/>
             <p:nvPr/>
           </p:nvSpPr>
           <p:spPr>
             <a:xfrm>
-              <a:off x="13953483" y="17444243"/>
-              <a:ext cx="5578668" cy="3528392"/>
+              <a:off x="972320" y="16580147"/>
+              <a:ext cx="6296877" cy="5688632"/>
             </a:xfrm>
-            <a:prstGeom prst="rect">
+            <a:prstGeom prst="ellipse">
               <a:avLst/>
             </a:prstGeom>
-            <a:noFill/>
+            <a:solidFill>
+              <a:srgbClr val="4099FF"/>
+            </a:solidFill>
             <a:ln w="57150">
               <a:solidFill>
                 <a:schemeClr val="tx1"/>
@@ -3019,61 +2429,619 @@
             <a:lstStyle/>
             <a:p>
               <a:pPr algn="ctr"/>
+              <a:endParaRPr kumimoji="1" lang="ja-JP" altLang="en-US"/>
+            </a:p>
+          </p:txBody>
+        </p:sp>
+        <p:grpSp>
+          <p:nvGrpSpPr>
+            <p:cNvPr id="30" name="グループ化 29"/>
+            <p:cNvGrpSpPr/>
+            <p:nvPr/>
+          </p:nvGrpSpPr>
+          <p:grpSpPr>
+            <a:xfrm>
+              <a:off x="2124448" y="16724163"/>
+              <a:ext cx="18794088" cy="5777827"/>
+              <a:chOff x="2030002" y="18125173"/>
+              <a:chExt cx="17860048" cy="5777827"/>
+            </a:xfrm>
+          </p:grpSpPr>
+          <p:sp>
+            <p:nvSpPr>
+              <p:cNvPr id="9" name="正方形/長方形 8"/>
+              <p:cNvSpPr/>
+              <p:nvPr/>
+            </p:nvSpPr>
+            <p:spPr>
+              <a:xfrm>
+                <a:off x="2030002" y="19979039"/>
+                <a:ext cx="3857393" cy="1569660"/>
+              </a:xfrm>
+              <a:prstGeom prst="rect">
+                <a:avLst/>
+              </a:prstGeom>
+            </p:spPr>
+            <p:txBody>
+              <a:bodyPr wrap="none">
+                <a:spAutoFit/>
+              </a:bodyPr>
+              <a:lstStyle/>
+              <a:p>
+                <a:r>
+                  <a:rPr lang="en-US" altLang="ja-JP" sz="9600" b="1" dirty="0" smtClean="0">
+                    <a:solidFill>
+                      <a:schemeClr val="bg1"/>
+                    </a:solidFill>
+                    <a:latin typeface="Times New Roman" panose="02020603050405020304" pitchFamily="18" charset="0"/>
+                    <a:cs typeface="Times New Roman" panose="02020603050405020304" pitchFamily="18" charset="0"/>
+                  </a:rPr>
+                  <a:t>Twitter</a:t>
+                </a:r>
+                <a:endParaRPr lang="ja-JP" altLang="en-US" sz="9600" b="1" dirty="0">
+                  <a:solidFill>
+                    <a:schemeClr val="bg1"/>
+                  </a:solidFill>
+                </a:endParaRPr>
+              </a:p>
+            </p:txBody>
+          </p:sp>
+          <p:cxnSp>
+            <p:nvCxnSpPr>
+              <p:cNvPr id="11" name="直線矢印コネクタ 10"/>
+              <p:cNvCxnSpPr/>
+              <p:nvPr/>
+            </p:nvCxnSpPr>
+            <p:spPr>
+              <a:xfrm flipV="1">
+                <a:off x="7359679" y="22589669"/>
+                <a:ext cx="6987598" cy="39150"/>
+              </a:xfrm>
+              <a:prstGeom prst="straightConnector1">
+                <a:avLst/>
+              </a:prstGeom>
+              <a:ln w="76200">
+                <a:solidFill>
+                  <a:schemeClr val="tx1"/>
+                </a:solidFill>
+                <a:tailEnd type="arrow"/>
+              </a:ln>
+            </p:spPr>
+            <p:style>
+              <a:lnRef idx="1">
+                <a:schemeClr val="accent1"/>
+              </a:lnRef>
+              <a:fillRef idx="0">
+                <a:schemeClr val="accent1"/>
+              </a:fillRef>
+              <a:effectRef idx="0">
+                <a:schemeClr val="accent1"/>
+              </a:effectRef>
+              <a:fontRef idx="minor">
+                <a:schemeClr val="tx1"/>
+              </a:fontRef>
+            </p:style>
+          </p:cxnSp>
+          <p:cxnSp>
+            <p:nvCxnSpPr>
+              <p:cNvPr id="40" name="直線矢印コネクタ 39"/>
+              <p:cNvCxnSpPr/>
+              <p:nvPr/>
+            </p:nvCxnSpPr>
+            <p:spPr>
+              <a:xfrm flipV="1">
+                <a:off x="7359679" y="19133285"/>
+                <a:ext cx="7192887" cy="39150"/>
+              </a:xfrm>
+              <a:prstGeom prst="straightConnector1">
+                <a:avLst/>
+              </a:prstGeom>
+              <a:ln w="76200">
+                <a:solidFill>
+                  <a:schemeClr val="tx1"/>
+                </a:solidFill>
+                <a:headEnd type="arrow" w="med" len="med"/>
+                <a:tailEnd type="none" w="med" len="med"/>
+              </a:ln>
+            </p:spPr>
+            <p:style>
+              <a:lnRef idx="1">
+                <a:schemeClr val="accent1"/>
+              </a:lnRef>
+              <a:fillRef idx="0">
+                <a:schemeClr val="accent1"/>
+              </a:fillRef>
+              <a:effectRef idx="0">
+                <a:schemeClr val="accent1"/>
+              </a:effectRef>
+              <a:fontRef idx="minor">
+                <a:schemeClr val="tx1"/>
+              </a:fontRef>
+            </p:style>
+          </p:cxnSp>
+          <p:sp>
+            <p:nvSpPr>
+              <p:cNvPr id="23" name="円/楕円 22"/>
+              <p:cNvSpPr/>
+              <p:nvPr/>
+            </p:nvSpPr>
+            <p:spPr>
+              <a:xfrm>
+                <a:off x="8029104" y="18125173"/>
+                <a:ext cx="4961509" cy="2183467"/>
+              </a:xfrm>
+              <a:prstGeom prst="ellipse">
+                <a:avLst/>
+              </a:prstGeom>
+              <a:solidFill>
+                <a:schemeClr val="bg1"/>
+              </a:solidFill>
+              <a:ln w="57150">
+                <a:solidFill>
+                  <a:srgbClr val="C00000"/>
+                </a:solidFill>
+              </a:ln>
+            </p:spPr>
+            <p:style>
+              <a:lnRef idx="2">
+                <a:schemeClr val="accent1">
+                  <a:shade val="50000"/>
+                </a:schemeClr>
+              </a:lnRef>
+              <a:fillRef idx="1">
+                <a:schemeClr val="accent1"/>
+              </a:fillRef>
+              <a:effectRef idx="0">
+                <a:schemeClr val="accent1"/>
+              </a:effectRef>
+              <a:fontRef idx="minor">
+                <a:schemeClr val="lt1"/>
+              </a:fontRef>
+            </p:style>
+            <p:txBody>
+              <a:bodyPr rtlCol="0" anchor="ctr"/>
+              <a:lstStyle/>
+              <a:p>
+                <a:pPr algn="ctr"/>
+                <a:r>
+                  <a:rPr lang="en-US" altLang="ja-JP" sz="4800" dirty="0" smtClean="0">
+                    <a:solidFill>
+                      <a:schemeClr val="tx1"/>
+                    </a:solidFill>
+                    <a:latin typeface="Times New Roman" panose="02020603050405020304" pitchFamily="18" charset="0"/>
+                    <a:cs typeface="Times New Roman" panose="02020603050405020304" pitchFamily="18" charset="0"/>
+                  </a:rPr>
+                  <a:t>OAuth</a:t>
+                </a:r>
+                <a:r>
+                  <a:rPr lang="ja-JP" altLang="en-US" sz="4800" dirty="0" smtClean="0">
+                    <a:solidFill>
+                      <a:schemeClr val="tx1"/>
+                    </a:solidFill>
+                    <a:latin typeface="+mj-ea"/>
+                    <a:ea typeface="+mj-ea"/>
+                    <a:cs typeface="Times New Roman" panose="02020603050405020304" pitchFamily="18" charset="0"/>
+                  </a:rPr>
+                  <a:t>認証</a:t>
+                </a:r>
+                <a:endParaRPr lang="en-US" altLang="ja-JP" sz="4800" dirty="0" smtClean="0">
+                  <a:solidFill>
+                    <a:schemeClr val="tx1"/>
+                  </a:solidFill>
+                  <a:latin typeface="+mj-ea"/>
+                  <a:ea typeface="+mj-ea"/>
+                  <a:cs typeface="Times New Roman" panose="02020603050405020304" pitchFamily="18" charset="0"/>
+                </a:endParaRPr>
+              </a:p>
+            </p:txBody>
+          </p:sp>
+          <p:sp>
+            <p:nvSpPr>
+              <p:cNvPr id="52" name="円/楕円 51"/>
+              <p:cNvSpPr/>
+              <p:nvPr/>
+            </p:nvSpPr>
+            <p:spPr>
+              <a:xfrm>
+                <a:off x="8029105" y="21476691"/>
+                <a:ext cx="4961509" cy="2426309"/>
+              </a:xfrm>
+              <a:prstGeom prst="ellipse">
+                <a:avLst/>
+              </a:prstGeom>
+              <a:solidFill>
+                <a:schemeClr val="bg1"/>
+              </a:solidFill>
+              <a:ln w="57150">
+                <a:solidFill>
+                  <a:srgbClr val="C00000"/>
+                </a:solidFill>
+              </a:ln>
+            </p:spPr>
+            <p:style>
+              <a:lnRef idx="2">
+                <a:schemeClr val="accent1">
+                  <a:shade val="50000"/>
+                </a:schemeClr>
+              </a:lnRef>
+              <a:fillRef idx="1">
+                <a:schemeClr val="accent1"/>
+              </a:fillRef>
+              <a:effectRef idx="0">
+                <a:schemeClr val="accent1"/>
+              </a:effectRef>
+              <a:fontRef idx="minor">
+                <a:schemeClr val="lt1"/>
+              </a:fontRef>
+            </p:style>
+            <p:txBody>
+              <a:bodyPr rtlCol="0" anchor="ctr"/>
+              <a:lstStyle/>
+              <a:p>
+                <a:pPr algn="ctr"/>
+                <a:r>
+                  <a:rPr lang="ja-JP" altLang="en-US" sz="4000" dirty="0" smtClean="0">
+                    <a:solidFill>
+                      <a:schemeClr val="tx1"/>
+                    </a:solidFill>
+                    <a:latin typeface="Times New Roman" panose="02020603050405020304" pitchFamily="18" charset="0"/>
+                    <a:ea typeface="+mj-ea"/>
+                    <a:cs typeface="Times New Roman" panose="02020603050405020304" pitchFamily="18" charset="0"/>
+                  </a:rPr>
+                  <a:t>欲しいデータ</a:t>
+                </a:r>
+                <a:endParaRPr lang="en-US" altLang="ja-JP" sz="4000" dirty="0" smtClean="0">
+                  <a:solidFill>
+                    <a:schemeClr val="tx1"/>
+                  </a:solidFill>
+                  <a:latin typeface="Times New Roman" panose="02020603050405020304" pitchFamily="18" charset="0"/>
+                  <a:ea typeface="+mj-ea"/>
+                  <a:cs typeface="Times New Roman" panose="02020603050405020304" pitchFamily="18" charset="0"/>
+                </a:endParaRPr>
+              </a:p>
+              <a:p>
+                <a:pPr algn="ctr"/>
+                <a:r>
+                  <a:rPr lang="ja-JP" altLang="en-US" sz="3600" dirty="0" smtClean="0">
+                    <a:solidFill>
+                      <a:schemeClr val="tx1"/>
+                    </a:solidFill>
+                    <a:latin typeface="Times New Roman" panose="02020603050405020304" pitchFamily="18" charset="0"/>
+                    <a:ea typeface="+mj-ea"/>
+                    <a:cs typeface="Times New Roman" panose="02020603050405020304" pitchFamily="18" charset="0"/>
+                  </a:rPr>
+                  <a:t>（</a:t>
+                </a:r>
+                <a:r>
+                  <a:rPr lang="en-US" altLang="ja-JP" sz="3600" dirty="0" smtClean="0">
+                    <a:solidFill>
+                      <a:schemeClr val="tx1"/>
+                    </a:solidFill>
+                    <a:latin typeface="Times New Roman" panose="02020603050405020304" pitchFamily="18" charset="0"/>
+                    <a:ea typeface="+mj-ea"/>
+                    <a:cs typeface="Times New Roman" panose="02020603050405020304" pitchFamily="18" charset="0"/>
+                  </a:rPr>
+                  <a:t>JSON</a:t>
+                </a:r>
+                <a:r>
+                  <a:rPr lang="ja-JP" altLang="en-US" sz="3600" dirty="0" smtClean="0">
+                    <a:solidFill>
+                      <a:schemeClr val="tx1"/>
+                    </a:solidFill>
+                    <a:latin typeface="Times New Roman" panose="02020603050405020304" pitchFamily="18" charset="0"/>
+                    <a:ea typeface="+mj-ea"/>
+                    <a:cs typeface="Times New Roman" panose="02020603050405020304" pitchFamily="18" charset="0"/>
+                  </a:rPr>
+                  <a:t>形式）</a:t>
+                </a:r>
+                <a:endParaRPr lang="en-US" altLang="ja-JP" sz="3600" dirty="0" smtClean="0">
+                  <a:solidFill>
+                    <a:schemeClr val="tx1"/>
+                  </a:solidFill>
+                  <a:latin typeface="Times New Roman" panose="02020603050405020304" pitchFamily="18" charset="0"/>
+                  <a:ea typeface="+mj-ea"/>
+                  <a:cs typeface="Times New Roman" panose="02020603050405020304" pitchFamily="18" charset="0"/>
+                </a:endParaRPr>
+              </a:p>
+            </p:txBody>
+          </p:sp>
+          <p:sp>
+            <p:nvSpPr>
+              <p:cNvPr id="25" name="テキスト ボックス 24"/>
+              <p:cNvSpPr txBox="1"/>
+              <p:nvPr/>
+            </p:nvSpPr>
+            <p:spPr>
+              <a:xfrm>
+                <a:off x="14363667" y="22157621"/>
+                <a:ext cx="5526383" cy="1569660"/>
+              </a:xfrm>
+              <a:prstGeom prst="rect">
+                <a:avLst/>
+              </a:prstGeom>
+              <a:solidFill>
+                <a:schemeClr val="bg1"/>
+              </a:solidFill>
+              <a:ln w="9525" cmpd="sng">
+                <a:solidFill>
+                  <a:schemeClr val="tx1"/>
+                </a:solidFill>
+              </a:ln>
+            </p:spPr>
+            <p:txBody>
+              <a:bodyPr wrap="square" rtlCol="0">
+                <a:spAutoFit/>
+              </a:bodyPr>
+              <a:lstStyle/>
+              <a:p>
+                <a:r>
+                  <a:rPr kumimoji="1" lang="ja-JP" altLang="en-US" sz="4800" dirty="0" smtClean="0">
+                    <a:ln w="9525" cmpd="sng">
+                      <a:solidFill>
+                        <a:schemeClr val="tx1"/>
+                      </a:solidFill>
+                    </a:ln>
+                    <a:latin typeface="+mj-ea"/>
+                    <a:ea typeface="+mj-ea"/>
+                  </a:rPr>
+                  <a:t>収集したデータからリストを抽出する</a:t>
+                </a:r>
+                <a:endParaRPr kumimoji="1" lang="ja-JP" altLang="en-US" sz="4800" dirty="0">
+                  <a:ln w="9525" cmpd="sng">
+                    <a:solidFill>
+                      <a:schemeClr val="tx1"/>
+                    </a:solidFill>
+                  </a:ln>
+                  <a:latin typeface="+mj-ea"/>
+                  <a:ea typeface="+mj-ea"/>
+                </a:endParaRPr>
+              </a:p>
+            </p:txBody>
+          </p:sp>
+        </p:grpSp>
+        <p:sp>
+          <p:nvSpPr>
+            <p:cNvPr id="2" name="テキスト ボックス 1"/>
+            <p:cNvSpPr txBox="1"/>
+            <p:nvPr/>
+          </p:nvSpPr>
+          <p:spPr>
+            <a:xfrm rot="5400000">
+              <a:off x="4368890" y="19304257"/>
+              <a:ext cx="5736251" cy="1008112"/>
+            </a:xfrm>
+            <a:prstGeom prst="rect">
+              <a:avLst/>
+            </a:prstGeom>
+            <a:solidFill>
+              <a:schemeClr val="bg1"/>
+            </a:solidFill>
+            <a:ln w="57150" cmpd="sng">
+              <a:solidFill>
+                <a:srgbClr val="727CA3"/>
+              </a:solidFill>
+            </a:ln>
+          </p:spPr>
+          <p:txBody>
+            <a:bodyPr wrap="square" rtlCol="0">
+              <a:spAutoFit/>
+            </a:bodyPr>
+            <a:lstStyle/>
+            <a:p>
+              <a:pPr algn="ctr"/>
               <a:r>
-                <a:rPr kumimoji="1" lang="en-US" altLang="ja-JP" dirty="0" smtClean="0">
+                <a:rPr lang="en-US" altLang="ja-JP" dirty="0" smtClean="0">
+                  <a:latin typeface="Times New Roman"/>
+                  <a:cs typeface="Times New Roman"/>
+                </a:rPr>
+                <a:t>Twitter API</a:t>
+              </a:r>
+              <a:endParaRPr kumimoji="1" lang="ja-JP" altLang="en-US" dirty="0">
+                <a:latin typeface="Times New Roman"/>
+                <a:cs typeface="Times New Roman"/>
+              </a:endParaRPr>
+            </a:p>
+          </p:txBody>
+        </p:sp>
+        <p:sp>
+          <p:nvSpPr>
+            <p:cNvPr id="28" name="テキスト ボックス 27"/>
+            <p:cNvSpPr txBox="1"/>
+            <p:nvPr/>
+          </p:nvSpPr>
+          <p:spPr>
+            <a:xfrm>
+              <a:off x="6372920" y="15284003"/>
+              <a:ext cx="8539114" cy="984885"/>
+            </a:xfrm>
+            <a:prstGeom prst="rect">
+              <a:avLst/>
+            </a:prstGeom>
+            <a:solidFill>
+              <a:schemeClr val="accent4">
+                <a:lumMod val="40000"/>
+                <a:lumOff val="60000"/>
+              </a:schemeClr>
+            </a:solidFill>
+            <a:ln w="57150" cmpd="sng">
+              <a:solidFill>
+                <a:schemeClr val="tx1"/>
+              </a:solidFill>
+            </a:ln>
+          </p:spPr>
+          <p:style>
+            <a:lnRef idx="0">
+              <a:scrgbClr r="0" g="0" b="0"/>
+            </a:lnRef>
+            <a:fillRef idx="1002">
+              <a:schemeClr val="lt1"/>
+            </a:fillRef>
+            <a:effectRef idx="0">
+              <a:scrgbClr r="0" g="0" b="0"/>
+            </a:effectRef>
+            <a:fontRef idx="major"/>
+          </p:style>
+          <p:txBody>
+            <a:bodyPr wrap="square" rtlCol="0">
+              <a:spAutoFit/>
+            </a:bodyPr>
+            <a:lstStyle/>
+            <a:p>
+              <a:r>
+                <a:rPr lang="ja-JP" altLang="en-US" dirty="0" smtClean="0">
+                  <a:latin typeface="Times New Roman" panose="02020603050405020304" pitchFamily="18" charset="0"/>
+                  <a:ea typeface="+mj-ea"/>
+                  <a:cs typeface="Times New Roman" panose="02020603050405020304" pitchFamily="18" charset="0"/>
+                </a:rPr>
+                <a:t>コミュニティ</a:t>
+              </a:r>
+              <a:r>
+                <a:rPr lang="ja-JP" altLang="en-US" dirty="0" smtClean="0">
+                  <a:latin typeface="Times New Roman" panose="02020603050405020304" pitchFamily="18" charset="0"/>
+                  <a:ea typeface="+mj-ea"/>
+                  <a:cs typeface="Times New Roman" panose="02020603050405020304" pitchFamily="18" charset="0"/>
+                </a:rPr>
+                <a:t>の抽出</a:t>
+              </a:r>
+              <a:r>
+                <a:rPr lang="ja-JP" altLang="en-US" dirty="0" smtClean="0">
+                  <a:latin typeface="Times New Roman" panose="02020603050405020304" pitchFamily="18" charset="0"/>
+                  <a:ea typeface="+mj-ea"/>
+                  <a:cs typeface="Times New Roman" panose="02020603050405020304" pitchFamily="18" charset="0"/>
+                </a:rPr>
+                <a:t>方法</a:t>
+              </a:r>
+              <a:endParaRPr lang="en-US" altLang="ja-JP" dirty="0" smtClean="0">
+                <a:latin typeface="Times New Roman" panose="02020603050405020304" pitchFamily="18" charset="0"/>
+                <a:ea typeface="+mj-ea"/>
+                <a:cs typeface="Times New Roman" panose="02020603050405020304" pitchFamily="18" charset="0"/>
+              </a:endParaRPr>
+            </a:p>
+          </p:txBody>
+        </p:sp>
+        <p:sp>
+          <p:nvSpPr>
+            <p:cNvPr id="6" name="テキスト ボックス 5"/>
+            <p:cNvSpPr txBox="1"/>
+            <p:nvPr/>
+          </p:nvSpPr>
+          <p:spPr>
+            <a:xfrm>
+              <a:off x="15229904" y="15860067"/>
+              <a:ext cx="5688632" cy="4493538"/>
+            </a:xfrm>
+            <a:prstGeom prst="rect">
+              <a:avLst/>
+            </a:prstGeom>
+            <a:solidFill>
+              <a:srgbClr val="FFFFFF"/>
+            </a:solidFill>
+            <a:ln>
+              <a:solidFill>
+                <a:schemeClr val="tx1"/>
+              </a:solidFill>
+            </a:ln>
+          </p:spPr>
+          <p:txBody>
+            <a:bodyPr wrap="square" rtlCol="0">
+              <a:spAutoFit/>
+            </a:bodyPr>
+            <a:lstStyle/>
+            <a:p>
+              <a:pPr algn="ctr"/>
+              <a:r>
+                <a:rPr lang="en-US" altLang="ja-JP" sz="5400" dirty="0">
+                  <a:latin typeface="Times New Roman" panose="02020603050405020304" pitchFamily="18" charset="0"/>
+                  <a:cs typeface="Times New Roman" panose="02020603050405020304" pitchFamily="18" charset="0"/>
+                </a:rPr>
+                <a:t>Linux(Ubuntu</a:t>
+              </a:r>
+              <a:r>
+                <a:rPr lang="ja-JP" altLang="en-US" sz="5400" dirty="0">
+                  <a:latin typeface="Times New Roman" panose="02020603050405020304" pitchFamily="18" charset="0"/>
+                  <a:cs typeface="Times New Roman" panose="02020603050405020304" pitchFamily="18" charset="0"/>
+                </a:rPr>
+                <a:t>）</a:t>
+              </a:r>
+              <a:endParaRPr lang="en-US" altLang="ja-JP" sz="5400" dirty="0">
+                <a:latin typeface="Times New Roman" panose="02020603050405020304" pitchFamily="18" charset="0"/>
+                <a:cs typeface="Times New Roman" panose="02020603050405020304" pitchFamily="18" charset="0"/>
+              </a:endParaRPr>
+            </a:p>
+            <a:p>
+              <a:endParaRPr kumimoji="1" lang="en-US" altLang="ja-JP" dirty="0" smtClean="0"/>
+            </a:p>
+            <a:p>
+              <a:endParaRPr lang="en-US" altLang="ja-JP" dirty="0"/>
+            </a:p>
+            <a:p>
+              <a:endParaRPr kumimoji="1" lang="en-US" altLang="ja-JP" dirty="0" smtClean="0"/>
+            </a:p>
+            <a:p>
+              <a:endParaRPr kumimoji="1" lang="ja-JP" altLang="en-US" dirty="0"/>
+            </a:p>
+          </p:txBody>
+        </p:sp>
+        <p:sp>
+          <p:nvSpPr>
+            <p:cNvPr id="31" name="正方形/長方形 30"/>
+            <p:cNvSpPr/>
+            <p:nvPr/>
+          </p:nvSpPr>
+          <p:spPr>
+            <a:xfrm>
+              <a:off x="15445928" y="17156211"/>
+              <a:ext cx="5328592" cy="3024336"/>
+            </a:xfrm>
+            <a:prstGeom prst="rect">
+              <a:avLst/>
+            </a:prstGeom>
+            <a:noFill/>
+            <a:ln w="57150">
+              <a:solidFill>
+                <a:srgbClr val="00B050"/>
+              </a:solidFill>
+            </a:ln>
+          </p:spPr>
+          <p:style>
+            <a:lnRef idx="2">
+              <a:schemeClr val="accent6"/>
+            </a:lnRef>
+            <a:fillRef idx="1">
+              <a:schemeClr val="lt1"/>
+            </a:fillRef>
+            <a:effectRef idx="0">
+              <a:schemeClr val="accent6"/>
+            </a:effectRef>
+            <a:fontRef idx="minor">
+              <a:schemeClr val="dk1"/>
+            </a:fontRef>
+          </p:style>
+          <p:txBody>
+            <a:bodyPr rtlCol="0" anchor="ctr"/>
+            <a:lstStyle/>
+            <a:p>
+              <a:pPr algn="ctr"/>
+              <a:r>
+                <a:rPr lang="en-US" altLang="ja-JP" sz="4800" dirty="0">
                   <a:solidFill>
                     <a:schemeClr val="tx1"/>
                   </a:solidFill>
                   <a:latin typeface="Times New Roman" panose="02020603050405020304" pitchFamily="18" charset="0"/>
                   <a:cs typeface="Times New Roman" panose="02020603050405020304" pitchFamily="18" charset="0"/>
                 </a:rPr>
-                <a:t>Linux</a:t>
+                <a:t>REST </a:t>
               </a:r>
               <a:r>
-                <a:rPr kumimoji="1" lang="ja-JP" altLang="en-US" dirty="0" smtClean="0">
+                <a:rPr lang="en-US" altLang="ja-JP" sz="4800" dirty="0" smtClean="0">
                   <a:solidFill>
                     <a:schemeClr val="tx1"/>
                   </a:solidFill>
                   <a:latin typeface="Times New Roman" panose="02020603050405020304" pitchFamily="18" charset="0"/>
                   <a:cs typeface="Times New Roman" panose="02020603050405020304" pitchFamily="18" charset="0"/>
                 </a:rPr>
-                <a:t>（</a:t>
+                <a:t>API,</a:t>
               </a:r>
-              <a:r>
-                <a:rPr kumimoji="1" lang="en-US" altLang="ja-JP" dirty="0" smtClean="0">
-                  <a:solidFill>
-                    <a:schemeClr val="tx1"/>
-                  </a:solidFill>
-                  <a:latin typeface="Times New Roman" panose="02020603050405020304" pitchFamily="18" charset="0"/>
-                  <a:cs typeface="Times New Roman" panose="02020603050405020304" pitchFamily="18" charset="0"/>
-                </a:rPr>
-                <a:t>Ubuntu</a:t>
-              </a:r>
-              <a:r>
-                <a:rPr kumimoji="1" lang="ja-JP" altLang="en-US" dirty="0" smtClean="0">
-                  <a:solidFill>
-                    <a:schemeClr val="tx1"/>
-                  </a:solidFill>
-                  <a:latin typeface="Times New Roman" panose="02020603050405020304" pitchFamily="18" charset="0"/>
-                  <a:cs typeface="Times New Roman" panose="02020603050405020304" pitchFamily="18" charset="0"/>
-                </a:rPr>
-                <a:t>）</a:t>
-              </a:r>
-              <a:endParaRPr kumimoji="1" lang="en-US" altLang="ja-JP" dirty="0" smtClean="0">
-                <a:solidFill>
-                  <a:schemeClr val="tx1"/>
-                </a:solidFill>
-                <a:latin typeface="Times New Roman" panose="02020603050405020304" pitchFamily="18" charset="0"/>
-                <a:cs typeface="Times New Roman" panose="02020603050405020304" pitchFamily="18" charset="0"/>
-              </a:endParaRPr>
-            </a:p>
-            <a:p>
-              <a:pPr algn="ctr"/>
-              <a:endParaRPr lang="en-US" altLang="ja-JP" sz="1800" dirty="0">
-                <a:solidFill>
-                  <a:schemeClr val="tx1"/>
-                </a:solidFill>
-              </a:endParaRPr>
             </a:p>
             <a:p>
               <a:pPr algn="ctr"/>
@@ -3085,19 +3053,12 @@
                   <a:latin typeface="Times New Roman" panose="02020603050405020304" pitchFamily="18" charset="0"/>
                   <a:cs typeface="Times New Roman" panose="02020603050405020304" pitchFamily="18" charset="0"/>
                 </a:rPr>
-                <a:t>python</a:t>
+                <a:t>Streaming API</a:t>
               </a:r>
-              <a:r>
-                <a:rPr lang="ja-JP" altLang="en-US" sz="4800" dirty="0" smtClean="0">
-                  <a:solidFill>
-                    <a:schemeClr val="tx1"/>
-                  </a:solidFill>
-                  <a:latin typeface="+mj-ea"/>
-                  <a:ea typeface="+mj-ea"/>
-                </a:rPr>
-                <a:t>を使って</a:t>
-              </a:r>
-              <a:endParaRPr lang="en-US" altLang="ja-JP" sz="4800" dirty="0" smtClean="0">
+            </a:p>
+            <a:p>
+              <a:pPr algn="ctr"/>
+              <a:endParaRPr lang="en-US" altLang="ja-JP" sz="2800" dirty="0" smtClean="0">
                 <a:solidFill>
                   <a:schemeClr val="tx1"/>
                 </a:solidFill>
@@ -3108,16 +3069,68 @@
             <a:p>
               <a:pPr algn="ctr"/>
               <a:r>
-                <a:rPr lang="ja-JP" altLang="en-US" sz="4800" dirty="0" smtClean="0">
+                <a:rPr lang="ja-JP" altLang="en-US" sz="2800" dirty="0" smtClean="0">
                   <a:solidFill>
                     <a:schemeClr val="tx1"/>
                   </a:solidFill>
                   <a:latin typeface="+mj-ea"/>
                   <a:ea typeface="+mj-ea"/>
                 </a:rPr>
-                <a:t>システムを作成</a:t>
+                <a:t>を使って</a:t>
               </a:r>
-              <a:endParaRPr lang="en-US" altLang="ja-JP" sz="4800" dirty="0" smtClean="0">
+              <a:r>
+                <a:rPr lang="en-US" altLang="ja-JP" sz="2800" dirty="0" smtClean="0">
+                  <a:solidFill>
+                    <a:schemeClr val="tx1"/>
+                  </a:solidFill>
+                  <a:latin typeface="+mj-ea"/>
+                  <a:ea typeface="+mj-ea"/>
+                  <a:cs typeface="Times New Roman"/>
+                </a:rPr>
+                <a:t>Twitter</a:t>
+              </a:r>
+              <a:r>
+                <a:rPr lang="ja-JP" altLang="en-US" sz="2800" dirty="0" smtClean="0">
+                  <a:solidFill>
+                    <a:schemeClr val="tx1"/>
+                  </a:solidFill>
+                  <a:latin typeface="+mj-ea"/>
+                  <a:ea typeface="+mj-ea"/>
+                  <a:cs typeface="Times New Roman"/>
+                </a:rPr>
+                <a:t>上のデータを抽出する</a:t>
+              </a:r>
+              <a:r>
+                <a:rPr lang="ja-JP" altLang="en-US" sz="2800" dirty="0" smtClean="0">
+                  <a:solidFill>
+                    <a:schemeClr val="tx1"/>
+                  </a:solidFill>
+                  <a:latin typeface="+mj-ea"/>
+                  <a:ea typeface="+mj-ea"/>
+                </a:rPr>
+                <a:t>プログラム</a:t>
+              </a:r>
+              <a:r>
+                <a:rPr lang="ja-JP" altLang="en-US" sz="2800" dirty="0">
+                  <a:solidFill>
+                    <a:schemeClr val="tx1"/>
+                  </a:solidFill>
+                  <a:latin typeface="+mj-ea"/>
+                  <a:ea typeface="+mj-ea"/>
+                </a:rPr>
+                <a:t>を</a:t>
+              </a:r>
+              <a:r>
+                <a:rPr lang="ja-JP" altLang="en-US" sz="2800" dirty="0" smtClean="0">
+                  <a:solidFill>
+                    <a:schemeClr val="tx1"/>
+                  </a:solidFill>
+                  <a:latin typeface="+mj-ea"/>
+                  <a:ea typeface="+mj-ea"/>
+                </a:rPr>
+                <a:t>作成</a:t>
+              </a:r>
+              <a:endParaRPr lang="en-US" altLang="ja-JP" sz="2800" dirty="0">
                 <a:solidFill>
                   <a:schemeClr val="tx1"/>
                 </a:solidFill>
@@ -3125,44 +3138,950 @@
                 <a:ea typeface="+mj-ea"/>
               </a:endParaRPr>
             </a:p>
+          </p:txBody>
+        </p:sp>
+      </p:grpSp>
+      <p:grpSp>
+        <p:nvGrpSpPr>
+          <p:cNvPr id="195" name="図形グループ 194"/>
+          <p:cNvGrpSpPr/>
+          <p:nvPr/>
+        </p:nvGrpSpPr>
+        <p:grpSpPr>
+          <a:xfrm>
+            <a:off x="252240" y="15067979"/>
+            <a:ext cx="20810312" cy="7147100"/>
+            <a:chOff x="252240" y="22988859"/>
+            <a:chExt cx="20810312" cy="7147100"/>
+          </a:xfrm>
+        </p:grpSpPr>
+        <p:sp>
+          <p:nvSpPr>
+            <p:cNvPr id="188" name="正方形/長方形 187"/>
+            <p:cNvSpPr/>
+            <p:nvPr/>
+          </p:nvSpPr>
+          <p:spPr>
+            <a:xfrm>
+              <a:off x="252240" y="23204883"/>
+              <a:ext cx="20810312" cy="6931076"/>
+            </a:xfrm>
+            <a:prstGeom prst="rect">
+              <a:avLst/>
+            </a:prstGeom>
+            <a:solidFill>
+              <a:srgbClr val="FDF0CA"/>
+            </a:solidFill>
+            <a:ln/>
+          </p:spPr>
+          <p:style>
+            <a:lnRef idx="2">
+              <a:schemeClr val="dk1"/>
+            </a:lnRef>
+            <a:fillRef idx="1">
+              <a:schemeClr val="lt1"/>
+            </a:fillRef>
+            <a:effectRef idx="0">
+              <a:schemeClr val="dk1"/>
+            </a:effectRef>
+            <a:fontRef idx="minor">
+              <a:schemeClr val="dk1"/>
+            </a:fontRef>
+          </p:style>
+          <p:txBody>
+            <a:bodyPr rtlCol="0" anchor="ctr"/>
+            <a:lstStyle/>
             <a:p>
-              <a:endParaRPr lang="en-US" altLang="ja-JP" dirty="0">
-                <a:solidFill>
-                  <a:schemeClr val="tx1"/>
-                </a:solidFill>
+              <a:pPr algn="ctr"/>
+              <a:endParaRPr kumimoji="1" lang="ja-JP" altLang="en-US"/>
+            </a:p>
+          </p:txBody>
+        </p:sp>
+        <p:sp>
+          <p:nvSpPr>
+            <p:cNvPr id="29" name="テキスト ボックス 28"/>
+            <p:cNvSpPr txBox="1"/>
+            <p:nvPr/>
+          </p:nvSpPr>
+          <p:spPr>
+            <a:xfrm>
+              <a:off x="252240" y="22988859"/>
+              <a:ext cx="5598886" cy="1323439"/>
+            </a:xfrm>
+            <a:prstGeom prst="rect">
+              <a:avLst/>
+            </a:prstGeom>
+            <a:solidFill>
+              <a:schemeClr val="accent4">
+                <a:lumMod val="40000"/>
+                <a:lumOff val="60000"/>
+              </a:schemeClr>
+            </a:solidFill>
+            <a:ln w="57150">
+              <a:solidFill>
+                <a:schemeClr val="tx1"/>
+              </a:solidFill>
+            </a:ln>
+          </p:spPr>
+          <p:style>
+            <a:lnRef idx="0">
+              <a:scrgbClr r="0" g="0" b="0"/>
+            </a:lnRef>
+            <a:fillRef idx="1002">
+              <a:schemeClr val="lt1"/>
+            </a:fillRef>
+            <a:effectRef idx="0">
+              <a:scrgbClr r="0" g="0" b="0"/>
+            </a:effectRef>
+            <a:fontRef idx="major"/>
+          </p:style>
+          <p:txBody>
+            <a:bodyPr wrap="square" rtlCol="0">
+              <a:spAutoFit/>
+            </a:bodyPr>
+            <a:lstStyle/>
+            <a:p>
+              <a:pPr algn="ctr"/>
+              <a:r>
+                <a:rPr lang="ja-JP" altLang="en-US" sz="8000" dirty="0">
+                  <a:latin typeface="+mj-ea"/>
+                </a:rPr>
+                <a:t>目指すもの</a:t>
+              </a:r>
+              <a:endParaRPr kumimoji="1" lang="ja-JP" altLang="en-US" sz="8000" dirty="0">
+                <a:latin typeface="+mj-ea"/>
+                <a:ea typeface="+mj-ea"/>
               </a:endParaRPr>
+            </a:p>
+          </p:txBody>
+        </p:sp>
+        <p:sp>
+          <p:nvSpPr>
+            <p:cNvPr id="14" name="円/楕円 13"/>
+            <p:cNvSpPr/>
+            <p:nvPr/>
+          </p:nvSpPr>
+          <p:spPr>
+            <a:xfrm>
+              <a:off x="1764408" y="24717051"/>
+              <a:ext cx="6264696" cy="4680520"/>
+            </a:xfrm>
+            <a:prstGeom prst="ellipse">
+              <a:avLst/>
+            </a:prstGeom>
+            <a:ln w="57150" cmpd="sng">
+              <a:solidFill>
+                <a:srgbClr val="DA0000"/>
+              </a:solidFill>
+            </a:ln>
+          </p:spPr>
+          <p:style>
+            <a:lnRef idx="2">
+              <a:schemeClr val="dk1"/>
+            </a:lnRef>
+            <a:fillRef idx="1">
+              <a:schemeClr val="lt1"/>
+            </a:fillRef>
+            <a:effectRef idx="0">
+              <a:schemeClr val="dk1"/>
+            </a:effectRef>
+            <a:fontRef idx="minor">
+              <a:schemeClr val="dk1"/>
+            </a:fontRef>
+          </p:style>
+          <p:txBody>
+            <a:bodyPr rtlCol="0" anchor="ctr"/>
+            <a:lstStyle/>
+            <a:p>
+              <a:pPr algn="ctr"/>
+              <a:endParaRPr kumimoji="1" lang="ja-JP" altLang="en-US"/>
+            </a:p>
+          </p:txBody>
+        </p:sp>
+        <p:sp>
+          <p:nvSpPr>
+            <p:cNvPr id="15" name="円/楕円 14"/>
+            <p:cNvSpPr/>
+            <p:nvPr/>
+          </p:nvSpPr>
+          <p:spPr>
+            <a:xfrm>
+              <a:off x="4860752" y="28245443"/>
+              <a:ext cx="792088" cy="720080"/>
+            </a:xfrm>
+            <a:prstGeom prst="ellipse">
+              <a:avLst/>
+            </a:prstGeom>
+            <a:ln/>
+          </p:spPr>
+          <p:style>
+            <a:lnRef idx="2">
+              <a:schemeClr val="dk1"/>
+            </a:lnRef>
+            <a:fillRef idx="1">
+              <a:schemeClr val="lt1"/>
+            </a:fillRef>
+            <a:effectRef idx="0">
+              <a:schemeClr val="dk1"/>
+            </a:effectRef>
+            <a:fontRef idx="minor">
+              <a:schemeClr val="dk1"/>
+            </a:fontRef>
+          </p:style>
+          <p:txBody>
+            <a:bodyPr rtlCol="0" anchor="ctr"/>
+            <a:lstStyle/>
+            <a:p>
+              <a:pPr algn="ctr"/>
+              <a:r>
+                <a:rPr kumimoji="1" lang="en-US" altLang="ja-JP" sz="4800" dirty="0" smtClean="0">
+                  <a:latin typeface="Times New Roman"/>
+                  <a:cs typeface="Times New Roman"/>
+                </a:rPr>
+                <a:t>F</a:t>
+              </a:r>
+              <a:endParaRPr kumimoji="1" lang="ja-JP" altLang="en-US" sz="4800" dirty="0">
+                <a:latin typeface="Times New Roman"/>
+                <a:cs typeface="Times New Roman"/>
+              </a:endParaRPr>
+            </a:p>
+          </p:txBody>
+        </p:sp>
+        <p:sp>
+          <p:nvSpPr>
+            <p:cNvPr id="50" name="円/楕円 49"/>
+            <p:cNvSpPr/>
+            <p:nvPr/>
+          </p:nvSpPr>
+          <p:spPr>
+            <a:xfrm>
+              <a:off x="3132560" y="28173435"/>
+              <a:ext cx="792088" cy="720080"/>
+            </a:xfrm>
+            <a:prstGeom prst="ellipse">
+              <a:avLst/>
+            </a:prstGeom>
+            <a:ln/>
+          </p:spPr>
+          <p:style>
+            <a:lnRef idx="2">
+              <a:schemeClr val="dk1"/>
+            </a:lnRef>
+            <a:fillRef idx="1">
+              <a:schemeClr val="lt1"/>
+            </a:fillRef>
+            <a:effectRef idx="0">
+              <a:schemeClr val="dk1"/>
+            </a:effectRef>
+            <a:fontRef idx="minor">
+              <a:schemeClr val="dk1"/>
+            </a:fontRef>
+          </p:style>
+          <p:txBody>
+            <a:bodyPr rtlCol="0" anchor="ctr"/>
+            <a:lstStyle/>
+            <a:p>
+              <a:pPr algn="ctr"/>
+              <a:r>
+                <a:rPr kumimoji="1" lang="en-US" altLang="ja-JP" sz="4800" dirty="0" smtClean="0">
+                  <a:latin typeface="Times New Roman"/>
+                  <a:cs typeface="Times New Roman"/>
+                </a:rPr>
+                <a:t>G</a:t>
+              </a:r>
+              <a:endParaRPr kumimoji="1" lang="ja-JP" altLang="en-US" sz="4800" dirty="0">
+                <a:latin typeface="Times New Roman"/>
+                <a:cs typeface="Times New Roman"/>
+              </a:endParaRPr>
+            </a:p>
+          </p:txBody>
+        </p:sp>
+        <p:sp>
+          <p:nvSpPr>
+            <p:cNvPr id="53" name="円/楕円 52"/>
+            <p:cNvSpPr/>
+            <p:nvPr/>
+          </p:nvSpPr>
+          <p:spPr>
+            <a:xfrm>
+              <a:off x="1044328" y="28749499"/>
+              <a:ext cx="792088" cy="720080"/>
+            </a:xfrm>
+            <a:prstGeom prst="ellipse">
+              <a:avLst/>
+            </a:prstGeom>
+            <a:ln/>
+          </p:spPr>
+          <p:style>
+            <a:lnRef idx="2">
+              <a:schemeClr val="dk1"/>
+            </a:lnRef>
+            <a:fillRef idx="1">
+              <a:schemeClr val="lt1"/>
+            </a:fillRef>
+            <a:effectRef idx="0">
+              <a:schemeClr val="dk1"/>
+            </a:effectRef>
+            <a:fontRef idx="minor">
+              <a:schemeClr val="dk1"/>
+            </a:fontRef>
+          </p:style>
+          <p:txBody>
+            <a:bodyPr rtlCol="0" anchor="ctr"/>
+            <a:lstStyle/>
+            <a:p>
+              <a:pPr algn="ctr"/>
+              <a:endParaRPr kumimoji="1" lang="ja-JP" altLang="en-US" dirty="0"/>
+            </a:p>
+          </p:txBody>
+        </p:sp>
+        <p:sp>
+          <p:nvSpPr>
+            <p:cNvPr id="54" name="円/楕円 53"/>
+            <p:cNvSpPr/>
+            <p:nvPr/>
+          </p:nvSpPr>
+          <p:spPr>
+            <a:xfrm>
+              <a:off x="8461152" y="28461467"/>
+              <a:ext cx="792088" cy="720080"/>
+            </a:xfrm>
+            <a:prstGeom prst="ellipse">
+              <a:avLst/>
+            </a:prstGeom>
+            <a:ln/>
+          </p:spPr>
+          <p:style>
+            <a:lnRef idx="2">
+              <a:schemeClr val="dk1"/>
+            </a:lnRef>
+            <a:fillRef idx="1">
+              <a:schemeClr val="lt1"/>
+            </a:fillRef>
+            <a:effectRef idx="0">
+              <a:schemeClr val="dk1"/>
+            </a:effectRef>
+            <a:fontRef idx="minor">
+              <a:schemeClr val="dk1"/>
+            </a:fontRef>
+          </p:style>
+          <p:txBody>
+            <a:bodyPr rtlCol="0" anchor="ctr"/>
+            <a:lstStyle/>
+            <a:p>
+              <a:pPr algn="ctr"/>
+              <a:endParaRPr kumimoji="1" lang="ja-JP" altLang="en-US" dirty="0"/>
+            </a:p>
+          </p:txBody>
+        </p:sp>
+        <p:sp>
+          <p:nvSpPr>
+            <p:cNvPr id="55" name="円/楕円 54"/>
+            <p:cNvSpPr/>
+            <p:nvPr/>
+          </p:nvSpPr>
+          <p:spPr>
+            <a:xfrm>
+              <a:off x="2196456" y="29325563"/>
+              <a:ext cx="792088" cy="720080"/>
+            </a:xfrm>
+            <a:prstGeom prst="ellipse">
+              <a:avLst/>
+            </a:prstGeom>
+            <a:ln/>
+          </p:spPr>
+          <p:style>
+            <a:lnRef idx="2">
+              <a:schemeClr val="dk1"/>
+            </a:lnRef>
+            <a:fillRef idx="1">
+              <a:schemeClr val="lt1"/>
+            </a:fillRef>
+            <a:effectRef idx="0">
+              <a:schemeClr val="dk1"/>
+            </a:effectRef>
+            <a:fontRef idx="minor">
+              <a:schemeClr val="dk1"/>
+            </a:fontRef>
+          </p:style>
+          <p:txBody>
+            <a:bodyPr rtlCol="0" anchor="ctr"/>
+            <a:lstStyle/>
+            <a:p>
+              <a:pPr algn="ctr"/>
+              <a:endParaRPr kumimoji="1" lang="ja-JP" altLang="en-US" dirty="0"/>
+            </a:p>
+          </p:txBody>
+        </p:sp>
+        <p:sp>
+          <p:nvSpPr>
+            <p:cNvPr id="59" name="円/楕円 58"/>
+            <p:cNvSpPr/>
+            <p:nvPr/>
+          </p:nvSpPr>
+          <p:spPr>
+            <a:xfrm>
+              <a:off x="3492600" y="25149099"/>
+              <a:ext cx="792088" cy="720080"/>
+            </a:xfrm>
+            <a:prstGeom prst="ellipse">
+              <a:avLst/>
+            </a:prstGeom>
+            <a:ln/>
+          </p:spPr>
+          <p:style>
+            <a:lnRef idx="2">
+              <a:schemeClr val="dk1"/>
+            </a:lnRef>
+            <a:fillRef idx="1">
+              <a:schemeClr val="lt1"/>
+            </a:fillRef>
+            <a:effectRef idx="0">
+              <a:schemeClr val="dk1"/>
+            </a:effectRef>
+            <a:fontRef idx="minor">
+              <a:schemeClr val="dk1"/>
+            </a:fontRef>
+          </p:style>
+          <p:txBody>
+            <a:bodyPr rtlCol="0" anchor="ctr"/>
+            <a:lstStyle/>
+            <a:p>
+              <a:pPr algn="ctr"/>
+              <a:r>
+                <a:rPr kumimoji="1" lang="en-US" altLang="ja-JP" sz="4800" dirty="0" smtClean="0">
+                  <a:latin typeface="Times New Roman"/>
+                  <a:cs typeface="Times New Roman"/>
+                </a:rPr>
+                <a:t>A</a:t>
+              </a:r>
+              <a:endParaRPr kumimoji="1" lang="ja-JP" altLang="en-US" sz="4800" dirty="0">
+                <a:latin typeface="Times New Roman"/>
+                <a:cs typeface="Times New Roman"/>
+              </a:endParaRPr>
+            </a:p>
+          </p:txBody>
+        </p:sp>
+        <p:sp>
+          <p:nvSpPr>
+            <p:cNvPr id="60" name="円/楕円 59"/>
+            <p:cNvSpPr/>
+            <p:nvPr/>
+          </p:nvSpPr>
+          <p:spPr>
+            <a:xfrm>
+              <a:off x="3852640" y="26877291"/>
+              <a:ext cx="792088" cy="720080"/>
+            </a:xfrm>
+            <a:prstGeom prst="ellipse">
+              <a:avLst/>
+            </a:prstGeom>
+            <a:ln/>
+          </p:spPr>
+          <p:style>
+            <a:lnRef idx="2">
+              <a:schemeClr val="dk1"/>
+            </a:lnRef>
+            <a:fillRef idx="1">
+              <a:schemeClr val="lt1"/>
+            </a:fillRef>
+            <a:effectRef idx="0">
+              <a:schemeClr val="dk1"/>
+            </a:effectRef>
+            <a:fontRef idx="minor">
+              <a:schemeClr val="dk1"/>
+            </a:fontRef>
+          </p:style>
+          <p:txBody>
+            <a:bodyPr rtlCol="0" anchor="ctr"/>
+            <a:lstStyle/>
+            <a:p>
+              <a:pPr algn="ctr"/>
+              <a:r>
+                <a:rPr kumimoji="1" lang="en-US" altLang="ja-JP" sz="4800" dirty="0" smtClean="0">
+                  <a:latin typeface="Times New Roman"/>
+                  <a:cs typeface="Times New Roman"/>
+                </a:rPr>
+                <a:t>H</a:t>
+              </a:r>
+              <a:endParaRPr kumimoji="1" lang="ja-JP" altLang="en-US" sz="4800" dirty="0">
+                <a:latin typeface="Times New Roman"/>
+                <a:cs typeface="Times New Roman"/>
+              </a:endParaRPr>
+            </a:p>
+          </p:txBody>
+        </p:sp>
+        <p:sp>
+          <p:nvSpPr>
+            <p:cNvPr id="64" name="円/楕円 63"/>
+            <p:cNvSpPr/>
+            <p:nvPr/>
+          </p:nvSpPr>
+          <p:spPr>
+            <a:xfrm>
+              <a:off x="5148784" y="27021307"/>
+              <a:ext cx="792088" cy="720080"/>
+            </a:xfrm>
+            <a:prstGeom prst="ellipse">
+              <a:avLst/>
+            </a:prstGeom>
+            <a:ln/>
+          </p:spPr>
+          <p:style>
+            <a:lnRef idx="2">
+              <a:schemeClr val="dk1"/>
+            </a:lnRef>
+            <a:fillRef idx="1">
+              <a:schemeClr val="lt1"/>
+            </a:fillRef>
+            <a:effectRef idx="0">
+              <a:schemeClr val="dk1"/>
+            </a:effectRef>
+            <a:fontRef idx="minor">
+              <a:schemeClr val="dk1"/>
+            </a:fontRef>
+          </p:style>
+          <p:txBody>
+            <a:bodyPr rtlCol="0" anchor="ctr"/>
+            <a:lstStyle/>
+            <a:p>
+              <a:pPr algn="ctr"/>
+              <a:r>
+                <a:rPr kumimoji="1" lang="en-US" altLang="ja-JP" sz="4800" dirty="0" smtClean="0">
+                  <a:latin typeface="Times New Roman"/>
+                  <a:cs typeface="Times New Roman"/>
+                </a:rPr>
+                <a:t>D</a:t>
+              </a:r>
+              <a:endParaRPr kumimoji="1" lang="ja-JP" altLang="en-US" sz="4800" dirty="0">
+                <a:latin typeface="Times New Roman"/>
+                <a:cs typeface="Times New Roman"/>
+              </a:endParaRPr>
+            </a:p>
+          </p:txBody>
+        </p:sp>
+        <p:sp>
+          <p:nvSpPr>
+            <p:cNvPr id="65" name="円/楕円 64"/>
+            <p:cNvSpPr/>
+            <p:nvPr/>
+          </p:nvSpPr>
+          <p:spPr>
+            <a:xfrm>
+              <a:off x="7381032" y="29109539"/>
+              <a:ext cx="792088" cy="720080"/>
+            </a:xfrm>
+            <a:prstGeom prst="ellipse">
+              <a:avLst/>
+            </a:prstGeom>
+            <a:ln/>
+          </p:spPr>
+          <p:style>
+            <a:lnRef idx="2">
+              <a:schemeClr val="dk1"/>
+            </a:lnRef>
+            <a:fillRef idx="1">
+              <a:schemeClr val="lt1"/>
+            </a:fillRef>
+            <a:effectRef idx="0">
+              <a:schemeClr val="dk1"/>
+            </a:effectRef>
+            <a:fontRef idx="minor">
+              <a:schemeClr val="dk1"/>
+            </a:fontRef>
+          </p:style>
+          <p:txBody>
+            <a:bodyPr rtlCol="0" anchor="ctr"/>
+            <a:lstStyle/>
+            <a:p>
+              <a:pPr algn="ctr"/>
+              <a:endParaRPr kumimoji="1" lang="ja-JP" altLang="en-US" dirty="0"/>
+            </a:p>
+          </p:txBody>
+        </p:sp>
+        <p:sp>
+          <p:nvSpPr>
+            <p:cNvPr id="66" name="円/楕円 65"/>
+            <p:cNvSpPr/>
+            <p:nvPr/>
+          </p:nvSpPr>
+          <p:spPr>
+            <a:xfrm>
+              <a:off x="6516936" y="27741387"/>
+              <a:ext cx="792088" cy="720080"/>
+            </a:xfrm>
+            <a:prstGeom prst="ellipse">
+              <a:avLst/>
+            </a:prstGeom>
+            <a:ln/>
+          </p:spPr>
+          <p:style>
+            <a:lnRef idx="2">
+              <a:schemeClr val="dk1"/>
+            </a:lnRef>
+            <a:fillRef idx="1">
+              <a:schemeClr val="lt1"/>
+            </a:fillRef>
+            <a:effectRef idx="0">
+              <a:schemeClr val="dk1"/>
+            </a:effectRef>
+            <a:fontRef idx="minor">
+              <a:schemeClr val="dk1"/>
+            </a:fontRef>
+          </p:style>
+          <p:txBody>
+            <a:bodyPr rtlCol="0" anchor="ctr"/>
+            <a:lstStyle/>
+            <a:p>
+              <a:pPr algn="ctr"/>
+              <a:r>
+                <a:rPr kumimoji="1" lang="en-US" altLang="ja-JP" sz="4800" dirty="0" smtClean="0">
+                  <a:latin typeface="Times New Roman"/>
+                  <a:cs typeface="Times New Roman"/>
+                </a:rPr>
+                <a:t>E</a:t>
+              </a:r>
+              <a:endParaRPr kumimoji="1" lang="ja-JP" altLang="en-US" sz="4800" dirty="0">
+                <a:latin typeface="Times New Roman"/>
+                <a:cs typeface="Times New Roman"/>
+              </a:endParaRPr>
+            </a:p>
+          </p:txBody>
+        </p:sp>
+        <p:sp>
+          <p:nvSpPr>
+            <p:cNvPr id="67" name="円/楕円 66"/>
+            <p:cNvSpPr/>
+            <p:nvPr/>
+          </p:nvSpPr>
+          <p:spPr>
+            <a:xfrm>
+              <a:off x="6804968" y="26157211"/>
+              <a:ext cx="792088" cy="720080"/>
+            </a:xfrm>
+            <a:prstGeom prst="ellipse">
+              <a:avLst/>
+            </a:prstGeom>
+            <a:ln/>
+          </p:spPr>
+          <p:style>
+            <a:lnRef idx="2">
+              <a:schemeClr val="dk1"/>
+            </a:lnRef>
+            <a:fillRef idx="1">
+              <a:schemeClr val="lt1"/>
+            </a:fillRef>
+            <a:effectRef idx="0">
+              <a:schemeClr val="dk1"/>
+            </a:effectRef>
+            <a:fontRef idx="minor">
+              <a:schemeClr val="dk1"/>
+            </a:fontRef>
+          </p:style>
+          <p:txBody>
+            <a:bodyPr rtlCol="0" anchor="ctr"/>
+            <a:lstStyle/>
+            <a:p>
+              <a:pPr algn="ctr"/>
+              <a:r>
+                <a:rPr kumimoji="1" lang="en-US" altLang="ja-JP" sz="4800" dirty="0" smtClean="0">
+                  <a:latin typeface="Times New Roman"/>
+                  <a:cs typeface="Times New Roman"/>
+                </a:rPr>
+                <a:t>C</a:t>
+              </a:r>
+              <a:endParaRPr kumimoji="1" lang="ja-JP" altLang="en-US" sz="4800" dirty="0">
+                <a:latin typeface="Times New Roman"/>
+                <a:cs typeface="Times New Roman"/>
+              </a:endParaRPr>
+            </a:p>
+          </p:txBody>
+        </p:sp>
+        <p:sp>
+          <p:nvSpPr>
+            <p:cNvPr id="68" name="円/楕円 67"/>
+            <p:cNvSpPr/>
+            <p:nvPr/>
+          </p:nvSpPr>
+          <p:spPr>
+            <a:xfrm>
+              <a:off x="8029104" y="25941187"/>
+              <a:ext cx="792088" cy="720080"/>
+            </a:xfrm>
+            <a:prstGeom prst="ellipse">
+              <a:avLst/>
+            </a:prstGeom>
+            <a:ln/>
+          </p:spPr>
+          <p:style>
+            <a:lnRef idx="2">
+              <a:schemeClr val="dk1"/>
+            </a:lnRef>
+            <a:fillRef idx="1">
+              <a:schemeClr val="lt1"/>
+            </a:fillRef>
+            <a:effectRef idx="0">
+              <a:schemeClr val="dk1"/>
+            </a:effectRef>
+            <a:fontRef idx="minor">
+              <a:schemeClr val="dk1"/>
+            </a:fontRef>
+          </p:style>
+          <p:txBody>
+            <a:bodyPr rtlCol="0" anchor="ctr"/>
+            <a:lstStyle/>
+            <a:p>
+              <a:pPr algn="ctr"/>
+              <a:endParaRPr kumimoji="1" lang="ja-JP" altLang="en-US" dirty="0"/>
+            </a:p>
+          </p:txBody>
+        </p:sp>
+        <p:sp>
+          <p:nvSpPr>
+            <p:cNvPr id="69" name="円/楕円 68"/>
+            <p:cNvSpPr/>
+            <p:nvPr/>
+          </p:nvSpPr>
+          <p:spPr>
+            <a:xfrm>
+              <a:off x="2340472" y="27021307"/>
+              <a:ext cx="792088" cy="720080"/>
+            </a:xfrm>
+            <a:prstGeom prst="ellipse">
+              <a:avLst/>
+            </a:prstGeom>
+            <a:ln/>
+          </p:spPr>
+          <p:style>
+            <a:lnRef idx="2">
+              <a:schemeClr val="dk1"/>
+            </a:lnRef>
+            <a:fillRef idx="1">
+              <a:schemeClr val="lt1"/>
+            </a:fillRef>
+            <a:effectRef idx="0">
+              <a:schemeClr val="dk1"/>
+            </a:effectRef>
+            <a:fontRef idx="minor">
+              <a:schemeClr val="dk1"/>
+            </a:fontRef>
+          </p:style>
+          <p:txBody>
+            <a:bodyPr rtlCol="0" anchor="ctr"/>
+            <a:lstStyle/>
+            <a:p>
+              <a:pPr algn="ctr"/>
+              <a:r>
+                <a:rPr kumimoji="1" lang="en-US" altLang="ja-JP" sz="4800" dirty="0" smtClean="0">
+                  <a:latin typeface="Times New Roman"/>
+                  <a:cs typeface="Times New Roman"/>
+                </a:rPr>
+                <a:t>I</a:t>
+              </a:r>
+              <a:endParaRPr kumimoji="1" lang="ja-JP" altLang="en-US" sz="4800" dirty="0">
+                <a:latin typeface="Times New Roman"/>
+                <a:cs typeface="Times New Roman"/>
+              </a:endParaRPr>
+            </a:p>
+          </p:txBody>
+        </p:sp>
+        <p:sp>
+          <p:nvSpPr>
+            <p:cNvPr id="70" name="円/楕円 69"/>
+            <p:cNvSpPr/>
+            <p:nvPr/>
+          </p:nvSpPr>
+          <p:spPr>
+            <a:xfrm>
+              <a:off x="5508824" y="25293115"/>
+              <a:ext cx="792088" cy="720080"/>
+            </a:xfrm>
+            <a:prstGeom prst="ellipse">
+              <a:avLst/>
+            </a:prstGeom>
+            <a:ln/>
+          </p:spPr>
+          <p:style>
+            <a:lnRef idx="2">
+              <a:schemeClr val="dk1"/>
+            </a:lnRef>
+            <a:fillRef idx="1">
+              <a:schemeClr val="lt1"/>
+            </a:fillRef>
+            <a:effectRef idx="0">
+              <a:schemeClr val="dk1"/>
+            </a:effectRef>
+            <a:fontRef idx="minor">
+              <a:schemeClr val="dk1"/>
+            </a:fontRef>
+          </p:style>
+          <p:txBody>
+            <a:bodyPr rtlCol="0" anchor="ctr"/>
+            <a:lstStyle/>
+            <a:p>
+              <a:pPr algn="ctr"/>
+              <a:r>
+                <a:rPr kumimoji="1" lang="en-US" altLang="ja-JP" sz="4800" dirty="0" smtClean="0">
+                  <a:latin typeface="Times New Roman"/>
+                  <a:cs typeface="Times New Roman"/>
+                </a:rPr>
+                <a:t>B</a:t>
+              </a:r>
+              <a:endParaRPr kumimoji="1" lang="ja-JP" altLang="en-US" sz="4800" dirty="0">
+                <a:latin typeface="Times New Roman"/>
+                <a:cs typeface="Times New Roman"/>
+              </a:endParaRPr>
+            </a:p>
+          </p:txBody>
+        </p:sp>
+        <p:sp>
+          <p:nvSpPr>
+            <p:cNvPr id="71" name="円/楕円 70"/>
+            <p:cNvSpPr/>
+            <p:nvPr/>
+          </p:nvSpPr>
+          <p:spPr>
+            <a:xfrm>
+              <a:off x="540272" y="27237331"/>
+              <a:ext cx="792088" cy="720080"/>
+            </a:xfrm>
+            <a:prstGeom prst="ellipse">
+              <a:avLst/>
+            </a:prstGeom>
+            <a:ln/>
+          </p:spPr>
+          <p:style>
+            <a:lnRef idx="2">
+              <a:schemeClr val="dk1"/>
+            </a:lnRef>
+            <a:fillRef idx="1">
+              <a:schemeClr val="lt1"/>
+            </a:fillRef>
+            <a:effectRef idx="0">
+              <a:schemeClr val="dk1"/>
+            </a:effectRef>
+            <a:fontRef idx="minor">
+              <a:schemeClr val="dk1"/>
+            </a:fontRef>
+          </p:style>
+          <p:txBody>
+            <a:bodyPr rtlCol="0" anchor="ctr"/>
+            <a:lstStyle/>
+            <a:p>
+              <a:pPr algn="ctr"/>
+              <a:endParaRPr kumimoji="1" lang="ja-JP" altLang="en-US" dirty="0"/>
+            </a:p>
+          </p:txBody>
+        </p:sp>
+        <p:sp>
+          <p:nvSpPr>
+            <p:cNvPr id="72" name="円/楕円 71"/>
+            <p:cNvSpPr/>
+            <p:nvPr/>
+          </p:nvSpPr>
+          <p:spPr>
+            <a:xfrm>
+              <a:off x="6660952" y="24212995"/>
+              <a:ext cx="792088" cy="720080"/>
+            </a:xfrm>
+            <a:prstGeom prst="ellipse">
+              <a:avLst/>
+            </a:prstGeom>
+            <a:ln/>
+          </p:spPr>
+          <p:style>
+            <a:lnRef idx="2">
+              <a:schemeClr val="dk1"/>
+            </a:lnRef>
+            <a:fillRef idx="1">
+              <a:schemeClr val="lt1"/>
+            </a:fillRef>
+            <a:effectRef idx="0">
+              <a:schemeClr val="dk1"/>
+            </a:effectRef>
+            <a:fontRef idx="minor">
+              <a:schemeClr val="dk1"/>
+            </a:fontRef>
+          </p:style>
+          <p:txBody>
+            <a:bodyPr rtlCol="0" anchor="ctr"/>
+            <a:lstStyle/>
+            <a:p>
+              <a:pPr algn="ctr"/>
+              <a:endParaRPr kumimoji="1" lang="ja-JP" altLang="en-US" dirty="0"/>
+            </a:p>
+          </p:txBody>
+        </p:sp>
+        <p:sp>
+          <p:nvSpPr>
+            <p:cNvPr id="73" name="円/楕円 72"/>
+            <p:cNvSpPr/>
+            <p:nvPr/>
+          </p:nvSpPr>
+          <p:spPr>
+            <a:xfrm>
+              <a:off x="1404368" y="25077091"/>
+              <a:ext cx="792088" cy="720080"/>
+            </a:xfrm>
+            <a:prstGeom prst="ellipse">
+              <a:avLst/>
+            </a:prstGeom>
+            <a:ln/>
+          </p:spPr>
+          <p:style>
+            <a:lnRef idx="2">
+              <a:schemeClr val="dk1"/>
+            </a:lnRef>
+            <a:fillRef idx="1">
+              <a:schemeClr val="lt1"/>
+            </a:fillRef>
+            <a:effectRef idx="0">
+              <a:schemeClr val="dk1"/>
+            </a:effectRef>
+            <a:fontRef idx="minor">
+              <a:schemeClr val="dk1"/>
+            </a:fontRef>
+          </p:style>
+          <p:txBody>
+            <a:bodyPr rtlCol="0" anchor="ctr"/>
+            <a:lstStyle/>
+            <a:p>
+              <a:pPr algn="ctr"/>
+              <a:endParaRPr kumimoji="1" lang="ja-JP" altLang="en-US"/>
             </a:p>
           </p:txBody>
         </p:sp>
         <p:cxnSp>
           <p:nvCxnSpPr>
-            <p:cNvPr id="11" name="直線矢印コネクタ 10"/>
-            <p:cNvCxnSpPr/>
+            <p:cNvPr id="17" name="直線コネクタ 16"/>
+            <p:cNvCxnSpPr>
+              <a:stCxn id="59" idx="7"/>
+              <a:endCxn id="70" idx="2"/>
+            </p:cNvCxnSpPr>
             <p:nvPr/>
           </p:nvCxnSpPr>
           <p:spPr>
             <a:xfrm>
-              <a:off x="7359679" y="22628819"/>
-              <a:ext cx="6646089" cy="0"/>
+              <a:off x="4168689" y="25254552"/>
+              <a:ext cx="1340135" cy="398603"/>
             </a:xfrm>
-            <a:prstGeom prst="straightConnector1">
+            <a:prstGeom prst="line">
               <a:avLst/>
             </a:prstGeom>
-            <a:ln w="76200">
+            <a:ln w="28575" cmpd="sng">
               <a:solidFill>
-                <a:schemeClr val="tx1"/>
+                <a:srgbClr val="000000"/>
               </a:solidFill>
-              <a:tailEnd type="arrow"/>
             </a:ln>
           </p:spPr>
           <p:style>
-            <a:lnRef idx="1">
+            <a:lnRef idx="2">
               <a:schemeClr val="accent1"/>
             </a:lnRef>
             <a:fillRef idx="0">
               <a:schemeClr val="accent1"/>
             </a:fillRef>
-            <a:effectRef idx="0">
+            <a:effectRef idx="1">
               <a:schemeClr val="accent1"/>
             </a:effectRef>
             <a:fontRef idx="minor">
@@ -3172,34 +4091,35 @@
         </p:cxnSp>
         <p:cxnSp>
           <p:nvCxnSpPr>
-            <p:cNvPr id="40" name="直線矢印コネクタ 39"/>
-            <p:cNvCxnSpPr/>
+            <p:cNvPr id="74" name="直線コネクタ 73"/>
+            <p:cNvCxnSpPr>
+              <a:stCxn id="60" idx="0"/>
+              <a:endCxn id="59" idx="5"/>
+            </p:cNvCxnSpPr>
             <p:nvPr/>
           </p:nvCxnSpPr>
           <p:spPr>
-            <a:xfrm>
-              <a:off x="7359679" y="19172435"/>
-              <a:ext cx="6646089" cy="0"/>
+            <a:xfrm flipH="1" flipV="1">
+              <a:off x="4168689" y="25763726"/>
+              <a:ext cx="79995" cy="1113565"/>
             </a:xfrm>
-            <a:prstGeom prst="straightConnector1">
+            <a:prstGeom prst="line">
               <a:avLst/>
             </a:prstGeom>
-            <a:ln w="76200">
+            <a:ln w="28575" cmpd="sng">
               <a:solidFill>
-                <a:schemeClr val="tx1"/>
+                <a:srgbClr val="000000"/>
               </a:solidFill>
-              <a:headEnd type="arrow" w="med" len="med"/>
-              <a:tailEnd type="none" w="med" len="med"/>
             </a:ln>
           </p:spPr>
           <p:style>
-            <a:lnRef idx="1">
+            <a:lnRef idx="2">
               <a:schemeClr val="accent1"/>
             </a:lnRef>
             <a:fillRef idx="0">
               <a:schemeClr val="accent1"/>
             </a:fillRef>
-            <a:effectRef idx="0">
+            <a:effectRef idx="1">
               <a:schemeClr val="accent1"/>
             </a:effectRef>
             <a:fontRef idx="minor">
@@ -3207,87 +4127,1314 @@
             </a:fontRef>
           </p:style>
         </p:cxnSp>
-        <p:sp>
-          <p:nvSpPr>
-            <p:cNvPr id="18" name="テキスト ボックス 17"/>
-            <p:cNvSpPr txBox="1"/>
+        <p:cxnSp>
+          <p:nvCxnSpPr>
+            <p:cNvPr id="75" name="直線コネクタ 74"/>
+            <p:cNvCxnSpPr>
+              <a:stCxn id="70" idx="5"/>
+              <a:endCxn id="67" idx="1"/>
+            </p:cNvCxnSpPr>
             <p:nvPr/>
-          </p:nvSpPr>
+          </p:nvCxnSpPr>
           <p:spPr>
             <a:xfrm>
-              <a:off x="6562251" y="17654460"/>
-              <a:ext cx="805236" cy="6636350"/>
+              <a:off x="6184913" y="25907742"/>
+              <a:ext cx="736054" cy="354922"/>
             </a:xfrm>
-            <a:prstGeom prst="rect">
+            <a:prstGeom prst="line">
               <a:avLst/>
             </a:prstGeom>
-            <a:solidFill>
-              <a:schemeClr val="bg1"/>
-            </a:solidFill>
-            <a:ln w="57150">
+            <a:ln w="28575" cmpd="sng">
               <a:solidFill>
-                <a:srgbClr val="4099FF"/>
+                <a:srgbClr val="000000"/>
               </a:solidFill>
             </a:ln>
           </p:spPr>
-          <p:txBody>
-            <a:bodyPr vert="wordArtVertRtl" wrap="square" rtlCol="0">
-              <a:spAutoFit/>
-            </a:bodyPr>
-            <a:lstStyle/>
-            <a:p>
-              <a:pPr algn="ctr"/>
-              <a:r>
-                <a:rPr kumimoji="1" lang="en-US" altLang="ja-JP" sz="4000" b="1" dirty="0" smtClean="0">
-                  <a:latin typeface="Times New Roman" panose="02020603050405020304" pitchFamily="18" charset="0"/>
-                  <a:cs typeface="Times New Roman" panose="02020603050405020304" pitchFamily="18" charset="0"/>
-                </a:rPr>
-                <a:t>TwtterAPI</a:t>
-              </a:r>
-              <a:endParaRPr kumimoji="1" lang="ja-JP" altLang="en-US" sz="4000" b="1" dirty="0">
-                <a:latin typeface="Times New Roman" panose="02020603050405020304" pitchFamily="18" charset="0"/>
-                <a:cs typeface="Times New Roman" panose="02020603050405020304" pitchFamily="18" charset="0"/>
-              </a:endParaRPr>
-            </a:p>
-          </p:txBody>
-        </p:sp>
+          <p:style>
+            <a:lnRef idx="2">
+              <a:schemeClr val="accent1"/>
+            </a:lnRef>
+            <a:fillRef idx="0">
+              <a:schemeClr val="accent1"/>
+            </a:fillRef>
+            <a:effectRef idx="1">
+              <a:schemeClr val="accent1"/>
+            </a:effectRef>
+            <a:fontRef idx="minor">
+              <a:schemeClr val="tx1"/>
+            </a:fontRef>
+          </p:style>
+        </p:cxnSp>
+        <p:cxnSp>
+          <p:nvCxnSpPr>
+            <p:cNvPr id="76" name="直線コネクタ 75"/>
+            <p:cNvCxnSpPr>
+              <a:stCxn id="15" idx="6"/>
+              <a:endCxn id="66" idx="3"/>
+            </p:cNvCxnSpPr>
+            <p:nvPr/>
+          </p:nvCxnSpPr>
+          <p:spPr>
+            <a:xfrm flipV="1">
+              <a:off x="5652840" y="28356014"/>
+              <a:ext cx="980095" cy="249469"/>
+            </a:xfrm>
+            <a:prstGeom prst="line">
+              <a:avLst/>
+            </a:prstGeom>
+            <a:ln w="28575" cmpd="sng">
+              <a:solidFill>
+                <a:srgbClr val="000000"/>
+              </a:solidFill>
+            </a:ln>
+          </p:spPr>
+          <p:style>
+            <a:lnRef idx="2">
+              <a:schemeClr val="accent1"/>
+            </a:lnRef>
+            <a:fillRef idx="0">
+              <a:schemeClr val="accent1"/>
+            </a:fillRef>
+            <a:effectRef idx="1">
+              <a:schemeClr val="accent1"/>
+            </a:effectRef>
+            <a:fontRef idx="minor">
+              <a:schemeClr val="tx1"/>
+            </a:fontRef>
+          </p:style>
+        </p:cxnSp>
+        <p:cxnSp>
+          <p:nvCxnSpPr>
+            <p:cNvPr id="77" name="直線コネクタ 76"/>
+            <p:cNvCxnSpPr>
+              <a:stCxn id="15" idx="0"/>
+              <a:endCxn id="64" idx="2"/>
+            </p:cNvCxnSpPr>
+            <p:nvPr/>
+          </p:nvCxnSpPr>
+          <p:spPr>
+            <a:xfrm flipH="1" flipV="1">
+              <a:off x="5148784" y="27381347"/>
+              <a:ext cx="108012" cy="864096"/>
+            </a:xfrm>
+            <a:prstGeom prst="line">
+              <a:avLst/>
+            </a:prstGeom>
+            <a:ln w="28575" cmpd="sng">
+              <a:solidFill>
+                <a:srgbClr val="000000"/>
+              </a:solidFill>
+            </a:ln>
+          </p:spPr>
+          <p:style>
+            <a:lnRef idx="2">
+              <a:schemeClr val="accent1"/>
+            </a:lnRef>
+            <a:fillRef idx="0">
+              <a:schemeClr val="accent1"/>
+            </a:fillRef>
+            <a:effectRef idx="1">
+              <a:schemeClr val="accent1"/>
+            </a:effectRef>
+            <a:fontRef idx="minor">
+              <a:schemeClr val="tx1"/>
+            </a:fontRef>
+          </p:style>
+        </p:cxnSp>
+        <p:cxnSp>
+          <p:nvCxnSpPr>
+            <p:cNvPr id="78" name="直線コネクタ 77"/>
+            <p:cNvCxnSpPr>
+              <a:stCxn id="50" idx="6"/>
+              <a:endCxn id="15" idx="1"/>
+            </p:cNvCxnSpPr>
+            <p:nvPr/>
+          </p:nvCxnSpPr>
+          <p:spPr>
+            <a:xfrm flipV="1">
+              <a:off x="3924648" y="28350896"/>
+              <a:ext cx="1052103" cy="182579"/>
+            </a:xfrm>
+            <a:prstGeom prst="line">
+              <a:avLst/>
+            </a:prstGeom>
+            <a:ln w="28575" cmpd="sng">
+              <a:solidFill>
+                <a:srgbClr val="000000"/>
+              </a:solidFill>
+            </a:ln>
+          </p:spPr>
+          <p:style>
+            <a:lnRef idx="2">
+              <a:schemeClr val="accent1"/>
+            </a:lnRef>
+            <a:fillRef idx="0">
+              <a:schemeClr val="accent1"/>
+            </a:fillRef>
+            <a:effectRef idx="1">
+              <a:schemeClr val="accent1"/>
+            </a:effectRef>
+            <a:fontRef idx="minor">
+              <a:schemeClr val="tx1"/>
+            </a:fontRef>
+          </p:style>
+        </p:cxnSp>
+        <p:cxnSp>
+          <p:nvCxnSpPr>
+            <p:cNvPr id="79" name="直線コネクタ 78"/>
+            <p:cNvCxnSpPr>
+              <a:stCxn id="64" idx="5"/>
+              <a:endCxn id="66" idx="2"/>
+            </p:cNvCxnSpPr>
+            <p:nvPr/>
+          </p:nvCxnSpPr>
+          <p:spPr>
+            <a:xfrm>
+              <a:off x="5824873" y="27635934"/>
+              <a:ext cx="692063" cy="465493"/>
+            </a:xfrm>
+            <a:prstGeom prst="line">
+              <a:avLst/>
+            </a:prstGeom>
+            <a:ln w="28575" cmpd="sng">
+              <a:solidFill>
+                <a:srgbClr val="000000"/>
+              </a:solidFill>
+            </a:ln>
+          </p:spPr>
+          <p:style>
+            <a:lnRef idx="2">
+              <a:schemeClr val="accent1"/>
+            </a:lnRef>
+            <a:fillRef idx="0">
+              <a:schemeClr val="accent1"/>
+            </a:fillRef>
+            <a:effectRef idx="1">
+              <a:schemeClr val="accent1"/>
+            </a:effectRef>
+            <a:fontRef idx="minor">
+              <a:schemeClr val="tx1"/>
+            </a:fontRef>
+          </p:style>
+        </p:cxnSp>
+        <p:cxnSp>
+          <p:nvCxnSpPr>
+            <p:cNvPr id="80" name="直線コネクタ 79"/>
+            <p:cNvCxnSpPr>
+              <a:stCxn id="64" idx="6"/>
+              <a:endCxn id="67" idx="2"/>
+            </p:cNvCxnSpPr>
+            <p:nvPr/>
+          </p:nvCxnSpPr>
+          <p:spPr>
+            <a:xfrm flipV="1">
+              <a:off x="5940872" y="26517251"/>
+              <a:ext cx="864096" cy="864096"/>
+            </a:xfrm>
+            <a:prstGeom prst="line">
+              <a:avLst/>
+            </a:prstGeom>
+            <a:ln w="28575" cmpd="sng">
+              <a:solidFill>
+                <a:srgbClr val="000000"/>
+              </a:solidFill>
+            </a:ln>
+          </p:spPr>
+          <p:style>
+            <a:lnRef idx="2">
+              <a:schemeClr val="accent1"/>
+            </a:lnRef>
+            <a:fillRef idx="0">
+              <a:schemeClr val="accent1"/>
+            </a:fillRef>
+            <a:effectRef idx="1">
+              <a:schemeClr val="accent1"/>
+            </a:effectRef>
+            <a:fontRef idx="minor">
+              <a:schemeClr val="tx1"/>
+            </a:fontRef>
+          </p:style>
+        </p:cxnSp>
+        <p:cxnSp>
+          <p:nvCxnSpPr>
+            <p:cNvPr id="91" name="直線コネクタ 90"/>
+            <p:cNvCxnSpPr>
+              <a:stCxn id="69" idx="7"/>
+              <a:endCxn id="59" idx="3"/>
+            </p:cNvCxnSpPr>
+            <p:nvPr/>
+          </p:nvCxnSpPr>
+          <p:spPr>
+            <a:xfrm flipV="1">
+              <a:off x="3016561" y="25763726"/>
+              <a:ext cx="592038" cy="1363034"/>
+            </a:xfrm>
+            <a:prstGeom prst="line">
+              <a:avLst/>
+            </a:prstGeom>
+            <a:ln w="28575" cmpd="sng">
+              <a:solidFill>
+                <a:srgbClr val="000000"/>
+              </a:solidFill>
+            </a:ln>
+          </p:spPr>
+          <p:style>
+            <a:lnRef idx="2">
+              <a:schemeClr val="accent1"/>
+            </a:lnRef>
+            <a:fillRef idx="0">
+              <a:schemeClr val="accent1"/>
+            </a:fillRef>
+            <a:effectRef idx="1">
+              <a:schemeClr val="accent1"/>
+            </a:effectRef>
+            <a:fontRef idx="minor">
+              <a:schemeClr val="tx1"/>
+            </a:fontRef>
+          </p:style>
+        </p:cxnSp>
+        <p:cxnSp>
+          <p:nvCxnSpPr>
+            <p:cNvPr id="92" name="直線コネクタ 91"/>
+            <p:cNvCxnSpPr>
+              <a:stCxn id="50" idx="7"/>
+              <a:endCxn id="60" idx="4"/>
+            </p:cNvCxnSpPr>
+            <p:nvPr/>
+          </p:nvCxnSpPr>
+          <p:spPr>
+            <a:xfrm flipV="1">
+              <a:off x="3808649" y="27597371"/>
+              <a:ext cx="440035" cy="681517"/>
+            </a:xfrm>
+            <a:prstGeom prst="line">
+              <a:avLst/>
+            </a:prstGeom>
+            <a:ln w="28575" cmpd="sng">
+              <a:solidFill>
+                <a:srgbClr val="000000"/>
+              </a:solidFill>
+            </a:ln>
+          </p:spPr>
+          <p:style>
+            <a:lnRef idx="2">
+              <a:schemeClr val="accent1"/>
+            </a:lnRef>
+            <a:fillRef idx="0">
+              <a:schemeClr val="accent1"/>
+            </a:fillRef>
+            <a:effectRef idx="1">
+              <a:schemeClr val="accent1"/>
+            </a:effectRef>
+            <a:fontRef idx="minor">
+              <a:schemeClr val="tx1"/>
+            </a:fontRef>
+          </p:style>
+        </p:cxnSp>
+        <p:cxnSp>
+          <p:nvCxnSpPr>
+            <p:cNvPr id="93" name="直線コネクタ 92"/>
+            <p:cNvCxnSpPr>
+              <a:stCxn id="60" idx="2"/>
+              <a:endCxn id="69" idx="6"/>
+            </p:cNvCxnSpPr>
+            <p:nvPr/>
+          </p:nvCxnSpPr>
+          <p:spPr>
+            <a:xfrm flipH="1">
+              <a:off x="3132560" y="27237331"/>
+              <a:ext cx="720080" cy="144016"/>
+            </a:xfrm>
+            <a:prstGeom prst="line">
+              <a:avLst/>
+            </a:prstGeom>
+            <a:ln w="28575" cmpd="sng">
+              <a:solidFill>
+                <a:srgbClr val="000000"/>
+              </a:solidFill>
+            </a:ln>
+          </p:spPr>
+          <p:style>
+            <a:lnRef idx="2">
+              <a:schemeClr val="accent1"/>
+            </a:lnRef>
+            <a:fillRef idx="0">
+              <a:schemeClr val="accent1"/>
+            </a:fillRef>
+            <a:effectRef idx="1">
+              <a:schemeClr val="accent1"/>
+            </a:effectRef>
+            <a:fontRef idx="minor">
+              <a:schemeClr val="tx1"/>
+            </a:fontRef>
+          </p:style>
+        </p:cxnSp>
+        <p:cxnSp>
+          <p:nvCxnSpPr>
+            <p:cNvPr id="94" name="直線コネクタ 93"/>
+            <p:cNvCxnSpPr>
+              <a:stCxn id="55" idx="7"/>
+              <a:endCxn id="50" idx="4"/>
+            </p:cNvCxnSpPr>
+            <p:nvPr/>
+          </p:nvCxnSpPr>
+          <p:spPr>
+            <a:xfrm flipV="1">
+              <a:off x="2872545" y="28893515"/>
+              <a:ext cx="656059" cy="537501"/>
+            </a:xfrm>
+            <a:prstGeom prst="line">
+              <a:avLst/>
+            </a:prstGeom>
+            <a:ln w="28575" cmpd="sng">
+              <a:solidFill>
+                <a:srgbClr val="000000"/>
+              </a:solidFill>
+            </a:ln>
+          </p:spPr>
+          <p:style>
+            <a:lnRef idx="2">
+              <a:schemeClr val="accent1"/>
+            </a:lnRef>
+            <a:fillRef idx="0">
+              <a:schemeClr val="accent1"/>
+            </a:fillRef>
+            <a:effectRef idx="1">
+              <a:schemeClr val="accent1"/>
+            </a:effectRef>
+            <a:fontRef idx="minor">
+              <a:schemeClr val="tx1"/>
+            </a:fontRef>
+          </p:style>
+        </p:cxnSp>
+        <p:cxnSp>
+          <p:nvCxnSpPr>
+            <p:cNvPr id="95" name="直線コネクタ 94"/>
+            <p:cNvCxnSpPr>
+              <a:stCxn id="64" idx="7"/>
+              <a:endCxn id="70" idx="4"/>
+            </p:cNvCxnSpPr>
+            <p:nvPr/>
+          </p:nvCxnSpPr>
+          <p:spPr>
+            <a:xfrm flipV="1">
+              <a:off x="5824873" y="26013195"/>
+              <a:ext cx="79995" cy="1113565"/>
+            </a:xfrm>
+            <a:prstGeom prst="line">
+              <a:avLst/>
+            </a:prstGeom>
+            <a:ln w="28575" cmpd="sng">
+              <a:solidFill>
+                <a:srgbClr val="000000"/>
+              </a:solidFill>
+            </a:ln>
+          </p:spPr>
+          <p:style>
+            <a:lnRef idx="2">
+              <a:schemeClr val="accent1"/>
+            </a:lnRef>
+            <a:fillRef idx="0">
+              <a:schemeClr val="accent1"/>
+            </a:fillRef>
+            <a:effectRef idx="1">
+              <a:schemeClr val="accent1"/>
+            </a:effectRef>
+            <a:fontRef idx="minor">
+              <a:schemeClr val="tx1"/>
+            </a:fontRef>
+          </p:style>
+        </p:cxnSp>
+        <p:cxnSp>
+          <p:nvCxnSpPr>
+            <p:cNvPr id="96" name="直線コネクタ 95"/>
+            <p:cNvCxnSpPr>
+              <a:stCxn id="50" idx="0"/>
+              <a:endCxn id="69" idx="5"/>
+            </p:cNvCxnSpPr>
+            <p:nvPr/>
+          </p:nvCxnSpPr>
+          <p:spPr>
+            <a:xfrm flipH="1" flipV="1">
+              <a:off x="3016561" y="27635934"/>
+              <a:ext cx="512043" cy="537501"/>
+            </a:xfrm>
+            <a:prstGeom prst="line">
+              <a:avLst/>
+            </a:prstGeom>
+            <a:ln w="28575" cmpd="sng">
+              <a:solidFill>
+                <a:srgbClr val="000000"/>
+              </a:solidFill>
+            </a:ln>
+          </p:spPr>
+          <p:style>
+            <a:lnRef idx="2">
+              <a:schemeClr val="accent1"/>
+            </a:lnRef>
+            <a:fillRef idx="0">
+              <a:schemeClr val="accent1"/>
+            </a:fillRef>
+            <a:effectRef idx="1">
+              <a:schemeClr val="accent1"/>
+            </a:effectRef>
+            <a:fontRef idx="minor">
+              <a:schemeClr val="tx1"/>
+            </a:fontRef>
+          </p:style>
+        </p:cxnSp>
+        <p:cxnSp>
+          <p:nvCxnSpPr>
+            <p:cNvPr id="97" name="直線コネクタ 96"/>
+            <p:cNvCxnSpPr>
+              <a:stCxn id="60" idx="6"/>
+              <a:endCxn id="70" idx="3"/>
+            </p:cNvCxnSpPr>
+            <p:nvPr/>
+          </p:nvCxnSpPr>
+          <p:spPr>
+            <a:xfrm flipV="1">
+              <a:off x="4644728" y="25907742"/>
+              <a:ext cx="980095" cy="1329589"/>
+            </a:xfrm>
+            <a:prstGeom prst="line">
+              <a:avLst/>
+            </a:prstGeom>
+            <a:ln w="28575" cmpd="sng">
+              <a:solidFill>
+                <a:srgbClr val="000000"/>
+              </a:solidFill>
+            </a:ln>
+          </p:spPr>
+          <p:style>
+            <a:lnRef idx="2">
+              <a:schemeClr val="accent1"/>
+            </a:lnRef>
+            <a:fillRef idx="0">
+              <a:schemeClr val="accent1"/>
+            </a:fillRef>
+            <a:effectRef idx="1">
+              <a:schemeClr val="accent1"/>
+            </a:effectRef>
+            <a:fontRef idx="minor">
+              <a:schemeClr val="tx1"/>
+            </a:fontRef>
+          </p:style>
+        </p:cxnSp>
+        <p:cxnSp>
+          <p:nvCxnSpPr>
+            <p:cNvPr id="121" name="直線コネクタ 120"/>
+            <p:cNvCxnSpPr>
+              <a:stCxn id="53" idx="7"/>
+              <a:endCxn id="69" idx="3"/>
+            </p:cNvCxnSpPr>
+            <p:nvPr/>
+          </p:nvCxnSpPr>
+          <p:spPr>
+            <a:xfrm flipV="1">
+              <a:off x="1720417" y="27635934"/>
+              <a:ext cx="736054" cy="1219018"/>
+            </a:xfrm>
+            <a:prstGeom prst="line">
+              <a:avLst/>
+            </a:prstGeom>
+            <a:ln w="28575" cmpd="sng">
+              <a:solidFill>
+                <a:srgbClr val="000000"/>
+              </a:solidFill>
+            </a:ln>
+          </p:spPr>
+          <p:style>
+            <a:lnRef idx="2">
+              <a:schemeClr val="accent1"/>
+            </a:lnRef>
+            <a:fillRef idx="0">
+              <a:schemeClr val="accent1"/>
+            </a:fillRef>
+            <a:effectRef idx="1">
+              <a:schemeClr val="accent1"/>
+            </a:effectRef>
+            <a:fontRef idx="minor">
+              <a:schemeClr val="tx1"/>
+            </a:fontRef>
+          </p:style>
+        </p:cxnSp>
+        <p:cxnSp>
+          <p:nvCxnSpPr>
+            <p:cNvPr id="122" name="直線コネクタ 121"/>
+            <p:cNvCxnSpPr>
+              <a:stCxn id="69" idx="1"/>
+              <a:endCxn id="73" idx="5"/>
+            </p:cNvCxnSpPr>
+            <p:nvPr/>
+          </p:nvCxnSpPr>
+          <p:spPr>
+            <a:xfrm flipH="1" flipV="1">
+              <a:off x="2080457" y="25691718"/>
+              <a:ext cx="376014" cy="1435042"/>
+            </a:xfrm>
+            <a:prstGeom prst="line">
+              <a:avLst/>
+            </a:prstGeom>
+            <a:ln w="28575" cmpd="sng">
+              <a:solidFill>
+                <a:srgbClr val="000000"/>
+              </a:solidFill>
+            </a:ln>
+          </p:spPr>
+          <p:style>
+            <a:lnRef idx="2">
+              <a:schemeClr val="accent1"/>
+            </a:lnRef>
+            <a:fillRef idx="0">
+              <a:schemeClr val="accent1"/>
+            </a:fillRef>
+            <a:effectRef idx="1">
+              <a:schemeClr val="accent1"/>
+            </a:effectRef>
+            <a:fontRef idx="minor">
+              <a:schemeClr val="tx1"/>
+            </a:fontRef>
+          </p:style>
+        </p:cxnSp>
+        <p:cxnSp>
+          <p:nvCxnSpPr>
+            <p:cNvPr id="123" name="直線コネクタ 122"/>
+            <p:cNvCxnSpPr>
+              <a:stCxn id="66" idx="7"/>
+              <a:endCxn id="67" idx="4"/>
+            </p:cNvCxnSpPr>
+            <p:nvPr/>
+          </p:nvCxnSpPr>
+          <p:spPr>
+            <a:xfrm flipV="1">
+              <a:off x="7193025" y="26877291"/>
+              <a:ext cx="7987" cy="969549"/>
+            </a:xfrm>
+            <a:prstGeom prst="line">
+              <a:avLst/>
+            </a:prstGeom>
+            <a:ln w="28575" cmpd="sng">
+              <a:solidFill>
+                <a:srgbClr val="000000"/>
+              </a:solidFill>
+            </a:ln>
+          </p:spPr>
+          <p:style>
+            <a:lnRef idx="2">
+              <a:schemeClr val="accent1"/>
+            </a:lnRef>
+            <a:fillRef idx="0">
+              <a:schemeClr val="accent1"/>
+            </a:fillRef>
+            <a:effectRef idx="1">
+              <a:schemeClr val="accent1"/>
+            </a:effectRef>
+            <a:fontRef idx="minor">
+              <a:schemeClr val="tx1"/>
+            </a:fontRef>
+          </p:style>
+        </p:cxnSp>
+        <p:cxnSp>
+          <p:nvCxnSpPr>
+            <p:cNvPr id="124" name="直線コネクタ 123"/>
+            <p:cNvCxnSpPr>
+              <a:stCxn id="55" idx="6"/>
+              <a:endCxn id="65" idx="2"/>
+            </p:cNvCxnSpPr>
+            <p:nvPr/>
+          </p:nvCxnSpPr>
+          <p:spPr>
+            <a:xfrm flipV="1">
+              <a:off x="2988544" y="29469579"/>
+              <a:ext cx="4392488" cy="216024"/>
+            </a:xfrm>
+            <a:prstGeom prst="line">
+              <a:avLst/>
+            </a:prstGeom>
+            <a:ln w="28575" cmpd="sng">
+              <a:solidFill>
+                <a:srgbClr val="000000"/>
+              </a:solidFill>
+            </a:ln>
+          </p:spPr>
+          <p:style>
+            <a:lnRef idx="2">
+              <a:schemeClr val="accent1"/>
+            </a:lnRef>
+            <a:fillRef idx="0">
+              <a:schemeClr val="accent1"/>
+            </a:fillRef>
+            <a:effectRef idx="1">
+              <a:schemeClr val="accent1"/>
+            </a:effectRef>
+            <a:fontRef idx="minor">
+              <a:schemeClr val="tx1"/>
+            </a:fontRef>
+          </p:style>
+        </p:cxnSp>
+        <p:cxnSp>
+          <p:nvCxnSpPr>
+            <p:cNvPr id="125" name="直線コネクタ 124"/>
+            <p:cNvCxnSpPr>
+              <a:stCxn id="54" idx="0"/>
+              <a:endCxn id="68" idx="4"/>
+            </p:cNvCxnSpPr>
+            <p:nvPr/>
+          </p:nvCxnSpPr>
+          <p:spPr>
+            <a:xfrm flipH="1" flipV="1">
+              <a:off x="8425148" y="26661267"/>
+              <a:ext cx="432048" cy="1800200"/>
+            </a:xfrm>
+            <a:prstGeom prst="line">
+              <a:avLst/>
+            </a:prstGeom>
+            <a:ln w="28575" cmpd="sng">
+              <a:solidFill>
+                <a:srgbClr val="000000"/>
+              </a:solidFill>
+            </a:ln>
+          </p:spPr>
+          <p:style>
+            <a:lnRef idx="2">
+              <a:schemeClr val="accent1"/>
+            </a:lnRef>
+            <a:fillRef idx="0">
+              <a:schemeClr val="accent1"/>
+            </a:fillRef>
+            <a:effectRef idx="1">
+              <a:schemeClr val="accent1"/>
+            </a:effectRef>
+            <a:fontRef idx="minor">
+              <a:schemeClr val="tx1"/>
+            </a:fontRef>
+          </p:style>
+        </p:cxnSp>
+        <p:cxnSp>
+          <p:nvCxnSpPr>
+            <p:cNvPr id="138" name="直線コネクタ 137"/>
+            <p:cNvCxnSpPr>
+              <a:stCxn id="68" idx="1"/>
+              <a:endCxn id="72" idx="5"/>
+            </p:cNvCxnSpPr>
+            <p:nvPr/>
+          </p:nvCxnSpPr>
+          <p:spPr>
+            <a:xfrm flipH="1" flipV="1">
+              <a:off x="7337041" y="24827622"/>
+              <a:ext cx="808062" cy="1219018"/>
+            </a:xfrm>
+            <a:prstGeom prst="line">
+              <a:avLst/>
+            </a:prstGeom>
+            <a:ln w="28575" cmpd="sng">
+              <a:solidFill>
+                <a:srgbClr val="000000"/>
+              </a:solidFill>
+            </a:ln>
+          </p:spPr>
+          <p:style>
+            <a:lnRef idx="2">
+              <a:schemeClr val="accent1"/>
+            </a:lnRef>
+            <a:fillRef idx="0">
+              <a:schemeClr val="accent1"/>
+            </a:fillRef>
+            <a:effectRef idx="1">
+              <a:schemeClr val="accent1"/>
+            </a:effectRef>
+            <a:fontRef idx="minor">
+              <a:schemeClr val="tx1"/>
+            </a:fontRef>
+          </p:style>
+        </p:cxnSp>
+        <p:grpSp>
+          <p:nvGrpSpPr>
+            <p:cNvPr id="193" name="図形グループ 192"/>
+            <p:cNvGrpSpPr/>
+            <p:nvPr/>
+          </p:nvGrpSpPr>
+          <p:grpSpPr>
+            <a:xfrm>
+              <a:off x="11917536" y="23564923"/>
+              <a:ext cx="2664296" cy="6336704"/>
+              <a:chOff x="11917536" y="23708939"/>
+              <a:chExt cx="2664296" cy="6336704"/>
+            </a:xfrm>
+          </p:grpSpPr>
+          <p:grpSp>
+            <p:nvGrpSpPr>
+              <p:cNvPr id="179" name="図形グループ 178"/>
+              <p:cNvGrpSpPr/>
+              <p:nvPr/>
+            </p:nvGrpSpPr>
+            <p:grpSpPr>
+              <a:xfrm>
+                <a:off x="11917536" y="23852955"/>
+                <a:ext cx="2664296" cy="6192688"/>
+                <a:chOff x="15157896" y="23636931"/>
+                <a:chExt cx="5112568" cy="6192688"/>
+              </a:xfrm>
+            </p:grpSpPr>
+            <p:sp>
+              <p:nvSpPr>
+                <p:cNvPr id="157" name="正方形/長方形 156"/>
+                <p:cNvSpPr/>
+                <p:nvPr/>
+              </p:nvSpPr>
+              <p:spPr>
+                <a:xfrm>
+                  <a:off x="15157896" y="23636931"/>
+                  <a:ext cx="5112568" cy="6192688"/>
+                </a:xfrm>
+                <a:prstGeom prst="rect">
+                  <a:avLst/>
+                </a:prstGeom>
+                <a:ln w="57150" cmpd="sng">
+                  <a:solidFill>
+                    <a:srgbClr val="DA0000"/>
+                  </a:solidFill>
+                </a:ln>
+              </p:spPr>
+              <p:style>
+                <a:lnRef idx="2">
+                  <a:schemeClr val="dk1"/>
+                </a:lnRef>
+                <a:fillRef idx="1">
+                  <a:schemeClr val="lt1"/>
+                </a:fillRef>
+                <a:effectRef idx="0">
+                  <a:schemeClr val="dk1"/>
+                </a:effectRef>
+                <a:fontRef idx="minor">
+                  <a:schemeClr val="dk1"/>
+                </a:fontRef>
+              </p:style>
+              <p:txBody>
+                <a:bodyPr rtlCol="0" anchor="ctr"/>
+                <a:lstStyle/>
+                <a:p>
+                  <a:pPr algn="ctr"/>
+                  <a:endParaRPr kumimoji="1" lang="ja-JP" altLang="en-US"/>
+                </a:p>
+              </p:txBody>
+            </p:sp>
+            <p:sp>
+              <p:nvSpPr>
+                <p:cNvPr id="166" name="テキスト ボックス 165"/>
+                <p:cNvSpPr txBox="1"/>
+                <p:nvPr/>
+              </p:nvSpPr>
+              <p:spPr>
+                <a:xfrm>
+                  <a:off x="15445928" y="24068979"/>
+                  <a:ext cx="4608512" cy="5632311"/>
+                </a:xfrm>
+                <a:prstGeom prst="rect">
+                  <a:avLst/>
+                </a:prstGeom>
+                <a:noFill/>
+              </p:spPr>
+              <p:txBody>
+                <a:bodyPr wrap="square" rtlCol="0">
+                  <a:spAutoFit/>
+                </a:bodyPr>
+                <a:lstStyle/>
+                <a:p>
+                  <a:pPr algn="ctr"/>
+                  <a:r>
+                    <a:rPr kumimoji="1" lang="en-US" altLang="ja-JP" sz="4000" dirty="0" smtClean="0">
+                      <a:latin typeface="Times New Roman"/>
+                      <a:cs typeface="Times New Roman"/>
+                    </a:rPr>
+                    <a:t>A</a:t>
+                  </a:r>
+                </a:p>
+                <a:p>
+                  <a:pPr algn="ctr"/>
+                  <a:r>
+                    <a:rPr lang="en-US" altLang="ja-JP" sz="4000" dirty="0" smtClean="0">
+                      <a:latin typeface="Times New Roman"/>
+                      <a:cs typeface="Times New Roman"/>
+                    </a:rPr>
+                    <a:t>B</a:t>
+                  </a:r>
+                </a:p>
+                <a:p>
+                  <a:pPr algn="ctr"/>
+                  <a:r>
+                    <a:rPr kumimoji="1" lang="en-US" altLang="ja-JP" sz="4000" dirty="0" smtClean="0">
+                      <a:latin typeface="Times New Roman"/>
+                      <a:cs typeface="Times New Roman"/>
+                    </a:rPr>
+                    <a:t>C</a:t>
+                  </a:r>
+                </a:p>
+                <a:p>
+                  <a:pPr algn="ctr"/>
+                  <a:r>
+                    <a:rPr lang="en-US" altLang="ja-JP" sz="4000" dirty="0" smtClean="0">
+                      <a:latin typeface="Times New Roman"/>
+                      <a:cs typeface="Times New Roman"/>
+                    </a:rPr>
+                    <a:t>D</a:t>
+                  </a:r>
+                </a:p>
+                <a:p>
+                  <a:pPr algn="ctr"/>
+                  <a:r>
+                    <a:rPr kumimoji="1" lang="en-US" altLang="ja-JP" sz="4000" dirty="0" smtClean="0">
+                      <a:latin typeface="Times New Roman"/>
+                      <a:cs typeface="Times New Roman"/>
+                    </a:rPr>
+                    <a:t>E</a:t>
+                  </a:r>
+                </a:p>
+                <a:p>
+                  <a:pPr algn="ctr"/>
+                  <a:r>
+                    <a:rPr lang="en-US" altLang="ja-JP" sz="4000" dirty="0" smtClean="0">
+                      <a:latin typeface="Times New Roman"/>
+                      <a:cs typeface="Times New Roman"/>
+                    </a:rPr>
+                    <a:t>F</a:t>
+                  </a:r>
+                </a:p>
+                <a:p>
+                  <a:pPr algn="ctr"/>
+                  <a:r>
+                    <a:rPr lang="en-US" altLang="ja-JP" sz="4000" dirty="0" smtClean="0">
+                      <a:latin typeface="Times New Roman"/>
+                      <a:cs typeface="Times New Roman"/>
+                    </a:rPr>
+                    <a:t>G</a:t>
+                  </a:r>
+                </a:p>
+                <a:p>
+                  <a:pPr algn="ctr"/>
+                  <a:r>
+                    <a:rPr lang="en-US" altLang="ja-JP" sz="4000" dirty="0" smtClean="0">
+                      <a:latin typeface="Times New Roman"/>
+                      <a:cs typeface="Times New Roman"/>
+                    </a:rPr>
+                    <a:t>H</a:t>
+                  </a:r>
+                </a:p>
+                <a:p>
+                  <a:pPr algn="ctr"/>
+                  <a:r>
+                    <a:rPr kumimoji="1" lang="en-US" altLang="ja-JP" sz="4000" dirty="0" smtClean="0">
+                      <a:latin typeface="Times New Roman"/>
+                      <a:cs typeface="Times New Roman"/>
+                    </a:rPr>
+                    <a:t>I</a:t>
+                  </a:r>
+                  <a:endParaRPr kumimoji="1" lang="ja-JP" altLang="en-US" sz="4000" dirty="0">
+                    <a:latin typeface="Times New Roman"/>
+                    <a:cs typeface="Times New Roman"/>
+                  </a:endParaRPr>
+                </a:p>
+              </p:txBody>
+            </p:sp>
+            <p:cxnSp>
+              <p:nvCxnSpPr>
+                <p:cNvPr id="168" name="直線コネクタ 167"/>
+                <p:cNvCxnSpPr/>
+                <p:nvPr/>
+              </p:nvCxnSpPr>
+              <p:spPr>
+                <a:xfrm>
+                  <a:off x="15445928" y="24717051"/>
+                  <a:ext cx="4536504" cy="0"/>
+                </a:xfrm>
+                <a:prstGeom prst="line">
+                  <a:avLst/>
+                </a:prstGeom>
+                <a:ln>
+                  <a:solidFill>
+                    <a:srgbClr val="000000"/>
+                  </a:solidFill>
+                </a:ln>
+              </p:spPr>
+              <p:style>
+                <a:lnRef idx="2">
+                  <a:schemeClr val="accent1"/>
+                </a:lnRef>
+                <a:fillRef idx="0">
+                  <a:schemeClr val="accent1"/>
+                </a:fillRef>
+                <a:effectRef idx="1">
+                  <a:schemeClr val="accent1"/>
+                </a:effectRef>
+                <a:fontRef idx="minor">
+                  <a:schemeClr val="tx1"/>
+                </a:fontRef>
+              </p:style>
+            </p:cxnSp>
+            <p:cxnSp>
+              <p:nvCxnSpPr>
+                <p:cNvPr id="171" name="直線コネクタ 170"/>
+                <p:cNvCxnSpPr/>
+                <p:nvPr/>
+              </p:nvCxnSpPr>
+              <p:spPr>
+                <a:xfrm>
+                  <a:off x="15445928" y="25941187"/>
+                  <a:ext cx="4536504" cy="0"/>
+                </a:xfrm>
+                <a:prstGeom prst="line">
+                  <a:avLst/>
+                </a:prstGeom>
+                <a:ln>
+                  <a:solidFill>
+                    <a:srgbClr val="000000"/>
+                  </a:solidFill>
+                </a:ln>
+              </p:spPr>
+              <p:style>
+                <a:lnRef idx="2">
+                  <a:schemeClr val="accent1"/>
+                </a:lnRef>
+                <a:fillRef idx="0">
+                  <a:schemeClr val="accent1"/>
+                </a:fillRef>
+                <a:effectRef idx="1">
+                  <a:schemeClr val="accent1"/>
+                </a:effectRef>
+                <a:fontRef idx="minor">
+                  <a:schemeClr val="tx1"/>
+                </a:fontRef>
+              </p:style>
+            </p:cxnSp>
+            <p:cxnSp>
+              <p:nvCxnSpPr>
+                <p:cNvPr id="172" name="直線コネクタ 171"/>
+                <p:cNvCxnSpPr/>
+                <p:nvPr/>
+              </p:nvCxnSpPr>
+              <p:spPr>
+                <a:xfrm>
+                  <a:off x="15445928" y="26589259"/>
+                  <a:ext cx="4536504" cy="0"/>
+                </a:xfrm>
+                <a:prstGeom prst="line">
+                  <a:avLst/>
+                </a:prstGeom>
+                <a:ln>
+                  <a:solidFill>
+                    <a:srgbClr val="000000"/>
+                  </a:solidFill>
+                </a:ln>
+              </p:spPr>
+              <p:style>
+                <a:lnRef idx="2">
+                  <a:schemeClr val="accent1"/>
+                </a:lnRef>
+                <a:fillRef idx="0">
+                  <a:schemeClr val="accent1"/>
+                </a:fillRef>
+                <a:effectRef idx="1">
+                  <a:schemeClr val="accent1"/>
+                </a:effectRef>
+                <a:fontRef idx="minor">
+                  <a:schemeClr val="tx1"/>
+                </a:fontRef>
+              </p:style>
+            </p:cxnSp>
+            <p:cxnSp>
+              <p:nvCxnSpPr>
+                <p:cNvPr id="173" name="直線コネクタ 172"/>
+                <p:cNvCxnSpPr/>
+                <p:nvPr/>
+              </p:nvCxnSpPr>
+              <p:spPr>
+                <a:xfrm>
+                  <a:off x="15445928" y="27237331"/>
+                  <a:ext cx="4536504" cy="0"/>
+                </a:xfrm>
+                <a:prstGeom prst="line">
+                  <a:avLst/>
+                </a:prstGeom>
+                <a:ln>
+                  <a:solidFill>
+                    <a:srgbClr val="000000"/>
+                  </a:solidFill>
+                </a:ln>
+              </p:spPr>
+              <p:style>
+                <a:lnRef idx="2">
+                  <a:schemeClr val="accent1"/>
+                </a:lnRef>
+                <a:fillRef idx="0">
+                  <a:schemeClr val="accent1"/>
+                </a:fillRef>
+                <a:effectRef idx="1">
+                  <a:schemeClr val="accent1"/>
+                </a:effectRef>
+                <a:fontRef idx="minor">
+                  <a:schemeClr val="tx1"/>
+                </a:fontRef>
+              </p:style>
+            </p:cxnSp>
+            <p:cxnSp>
+              <p:nvCxnSpPr>
+                <p:cNvPr id="174" name="直線コネクタ 173"/>
+                <p:cNvCxnSpPr/>
+                <p:nvPr/>
+              </p:nvCxnSpPr>
+              <p:spPr>
+                <a:xfrm>
+                  <a:off x="15445928" y="27813395"/>
+                  <a:ext cx="4536504" cy="0"/>
+                </a:xfrm>
+                <a:prstGeom prst="line">
+                  <a:avLst/>
+                </a:prstGeom>
+                <a:ln>
+                  <a:solidFill>
+                    <a:srgbClr val="000000"/>
+                  </a:solidFill>
+                </a:ln>
+              </p:spPr>
+              <p:style>
+                <a:lnRef idx="2">
+                  <a:schemeClr val="accent1"/>
+                </a:lnRef>
+                <a:fillRef idx="0">
+                  <a:schemeClr val="accent1"/>
+                </a:fillRef>
+                <a:effectRef idx="1">
+                  <a:schemeClr val="accent1"/>
+                </a:effectRef>
+                <a:fontRef idx="minor">
+                  <a:schemeClr val="tx1"/>
+                </a:fontRef>
+              </p:style>
+            </p:cxnSp>
+            <p:cxnSp>
+              <p:nvCxnSpPr>
+                <p:cNvPr id="175" name="直線コネクタ 174"/>
+                <p:cNvCxnSpPr/>
+                <p:nvPr/>
+              </p:nvCxnSpPr>
+              <p:spPr>
+                <a:xfrm>
+                  <a:off x="15445928" y="28461467"/>
+                  <a:ext cx="4536504" cy="0"/>
+                </a:xfrm>
+                <a:prstGeom prst="line">
+                  <a:avLst/>
+                </a:prstGeom>
+                <a:ln>
+                  <a:solidFill>
+                    <a:srgbClr val="000000"/>
+                  </a:solidFill>
+                </a:ln>
+              </p:spPr>
+              <p:style>
+                <a:lnRef idx="2">
+                  <a:schemeClr val="accent1"/>
+                </a:lnRef>
+                <a:fillRef idx="0">
+                  <a:schemeClr val="accent1"/>
+                </a:fillRef>
+                <a:effectRef idx="1">
+                  <a:schemeClr val="accent1"/>
+                </a:effectRef>
+                <a:fontRef idx="minor">
+                  <a:schemeClr val="tx1"/>
+                </a:fontRef>
+              </p:style>
+            </p:cxnSp>
+            <p:cxnSp>
+              <p:nvCxnSpPr>
+                <p:cNvPr id="176" name="直線コネクタ 175"/>
+                <p:cNvCxnSpPr/>
+                <p:nvPr/>
+              </p:nvCxnSpPr>
+              <p:spPr>
+                <a:xfrm>
+                  <a:off x="15445928" y="29037531"/>
+                  <a:ext cx="4536504" cy="0"/>
+                </a:xfrm>
+                <a:prstGeom prst="line">
+                  <a:avLst/>
+                </a:prstGeom>
+                <a:ln>
+                  <a:solidFill>
+                    <a:srgbClr val="000000"/>
+                  </a:solidFill>
+                </a:ln>
+              </p:spPr>
+              <p:style>
+                <a:lnRef idx="2">
+                  <a:schemeClr val="accent1"/>
+                </a:lnRef>
+                <a:fillRef idx="0">
+                  <a:schemeClr val="accent1"/>
+                </a:fillRef>
+                <a:effectRef idx="1">
+                  <a:schemeClr val="accent1"/>
+                </a:effectRef>
+                <a:fontRef idx="minor">
+                  <a:schemeClr val="tx1"/>
+                </a:fontRef>
+              </p:style>
+            </p:cxnSp>
+            <p:cxnSp>
+              <p:nvCxnSpPr>
+                <p:cNvPr id="177" name="直線コネクタ 176"/>
+                <p:cNvCxnSpPr/>
+                <p:nvPr/>
+              </p:nvCxnSpPr>
+              <p:spPr>
+                <a:xfrm>
+                  <a:off x="15445928" y="29685603"/>
+                  <a:ext cx="4536504" cy="0"/>
+                </a:xfrm>
+                <a:prstGeom prst="line">
+                  <a:avLst/>
+                </a:prstGeom>
+                <a:ln>
+                  <a:solidFill>
+                    <a:srgbClr val="000000"/>
+                  </a:solidFill>
+                </a:ln>
+              </p:spPr>
+              <p:style>
+                <a:lnRef idx="2">
+                  <a:schemeClr val="accent1"/>
+                </a:lnRef>
+                <a:fillRef idx="0">
+                  <a:schemeClr val="accent1"/>
+                </a:fillRef>
+                <a:effectRef idx="1">
+                  <a:schemeClr val="accent1"/>
+                </a:effectRef>
+                <a:fontRef idx="minor">
+                  <a:schemeClr val="tx1"/>
+                </a:fontRef>
+              </p:style>
+            </p:cxnSp>
+            <p:cxnSp>
+              <p:nvCxnSpPr>
+                <p:cNvPr id="178" name="直線コネクタ 177"/>
+                <p:cNvCxnSpPr/>
+                <p:nvPr/>
+              </p:nvCxnSpPr>
+              <p:spPr>
+                <a:xfrm>
+                  <a:off x="15445928" y="25365123"/>
+                  <a:ext cx="4536504" cy="0"/>
+                </a:xfrm>
+                <a:prstGeom prst="line">
+                  <a:avLst/>
+                </a:prstGeom>
+                <a:ln>
+                  <a:solidFill>
+                    <a:srgbClr val="000000"/>
+                  </a:solidFill>
+                </a:ln>
+              </p:spPr>
+              <p:style>
+                <a:lnRef idx="2">
+                  <a:schemeClr val="accent1"/>
+                </a:lnRef>
+                <a:fillRef idx="0">
+                  <a:schemeClr val="accent1"/>
+                </a:fillRef>
+                <a:effectRef idx="1">
+                  <a:schemeClr val="accent1"/>
+                </a:effectRef>
+                <a:fontRef idx="minor">
+                  <a:schemeClr val="tx1"/>
+                </a:fontRef>
+              </p:style>
+            </p:cxnSp>
+          </p:grpSp>
+          <p:sp>
+            <p:nvSpPr>
+              <p:cNvPr id="180" name="テキスト ボックス 179"/>
+              <p:cNvSpPr txBox="1"/>
+              <p:nvPr/>
+            </p:nvSpPr>
+            <p:spPr>
+              <a:xfrm>
+                <a:off x="12133560" y="23708939"/>
+                <a:ext cx="2232248" cy="584776"/>
+              </a:xfrm>
+              <a:prstGeom prst="rect">
+                <a:avLst/>
+              </a:prstGeom>
+              <a:solidFill>
+                <a:schemeClr val="bg1"/>
+              </a:solidFill>
+              <a:ln>
+                <a:solidFill>
+                  <a:srgbClr val="000000"/>
+                </a:solidFill>
+              </a:ln>
+            </p:spPr>
+            <p:txBody>
+              <a:bodyPr wrap="square" rtlCol="0">
+                <a:spAutoFit/>
+              </a:bodyPr>
+              <a:lstStyle/>
+              <a:p>
+                <a:r>
+                  <a:rPr lang="ja-JP" altLang="en-US" sz="3200" dirty="0" smtClean="0">
+                    <a:latin typeface="+mj-ea"/>
+                    <a:ea typeface="+mj-ea"/>
+                  </a:rPr>
+                  <a:t>リスト作成</a:t>
+                </a:r>
+                <a:endParaRPr kumimoji="1" lang="en-US" altLang="ja-JP" sz="3200" dirty="0" smtClean="0">
+                  <a:latin typeface="+mj-ea"/>
+                  <a:ea typeface="+mj-ea"/>
+                </a:endParaRPr>
+              </a:p>
+            </p:txBody>
+          </p:sp>
+        </p:grpSp>
         <p:sp>
           <p:nvSpPr>
-            <p:cNvPr id="23" name="円/楕円 22"/>
+            <p:cNvPr id="181" name="右矢印 180"/>
             <p:cNvSpPr/>
             <p:nvPr/>
           </p:nvSpPr>
           <p:spPr>
             <a:xfrm>
-              <a:off x="8029104" y="18125173"/>
-              <a:ext cx="4961509" cy="2183467"/>
+              <a:off x="13861752" y="26949299"/>
+              <a:ext cx="4320480" cy="1296144"/>
             </a:xfrm>
-            <a:prstGeom prst="ellipse">
-              <a:avLst/>
+            <a:prstGeom prst="rightArrow">
+              <a:avLst>
+                <a:gd name="adj1" fmla="val 28226"/>
+                <a:gd name="adj2" fmla="val 50000"/>
+              </a:avLst>
             </a:prstGeom>
             <a:solidFill>
-              <a:schemeClr val="bg1"/>
+              <a:srgbClr val="DA0000"/>
             </a:solidFill>
-            <a:ln w="57150">
+            <a:ln>
               <a:solidFill>
-                <a:srgbClr val="C00000"/>
+                <a:schemeClr val="tx1"/>
               </a:solidFill>
             </a:ln>
           </p:spPr>
           <p:style>
             <a:lnRef idx="2">
-              <a:schemeClr val="accent1">
-                <a:shade val="50000"/>
-              </a:schemeClr>
+              <a:schemeClr val="dk1"/>
             </a:lnRef>
             <a:fillRef idx="1">
-              <a:schemeClr val="accent1"/>
+              <a:schemeClr val="lt1"/>
             </a:fillRef>
             <a:effectRef idx="0">
-              <a:schemeClr val="accent1"/>
+              <a:schemeClr val="dk1"/>
             </a:effectRef>
             <a:fontRef idx="minor">
-              <a:schemeClr val="lt1"/>
+              <a:schemeClr val="dk1"/>
             </a:fontRef>
           </p:style>
           <p:txBody>
@@ -3295,164 +5442,28 @@
             <a:lstStyle/>
             <a:p>
               <a:pPr algn="ctr"/>
-              <a:r>
-                <a:rPr lang="en-US" altLang="ja-JP" sz="4800" dirty="0" smtClean="0">
-                  <a:solidFill>
-                    <a:schemeClr val="tx1"/>
-                  </a:solidFill>
-                  <a:latin typeface="Times New Roman" panose="02020603050405020304" pitchFamily="18" charset="0"/>
-                  <a:cs typeface="Times New Roman" panose="02020603050405020304" pitchFamily="18" charset="0"/>
-                </a:rPr>
-                <a:t>OAuth</a:t>
-              </a:r>
-              <a:r>
-                <a:rPr lang="ja-JP" altLang="en-US" sz="4800" dirty="0" smtClean="0">
-                  <a:solidFill>
-                    <a:schemeClr val="tx1"/>
-                  </a:solidFill>
-                  <a:latin typeface="+mj-ea"/>
-                  <a:ea typeface="+mj-ea"/>
-                  <a:cs typeface="Times New Roman" panose="02020603050405020304" pitchFamily="18" charset="0"/>
-                </a:rPr>
-                <a:t>認証</a:t>
-              </a:r>
-              <a:endParaRPr lang="en-US" altLang="ja-JP" sz="4800" dirty="0" smtClean="0">
-                <a:solidFill>
-                  <a:schemeClr val="tx1"/>
-                </a:solidFill>
-                <a:latin typeface="+mj-ea"/>
-                <a:ea typeface="+mj-ea"/>
-                <a:cs typeface="Times New Roman" panose="02020603050405020304" pitchFamily="18" charset="0"/>
-              </a:endParaRPr>
+              <a:endParaRPr kumimoji="1" lang="ja-JP" altLang="en-US" dirty="0"/>
             </a:p>
           </p:txBody>
         </p:sp>
         <p:sp>
           <p:nvSpPr>
-            <p:cNvPr id="52" name="円/楕円 51"/>
-            <p:cNvSpPr/>
-            <p:nvPr/>
-          </p:nvSpPr>
-          <p:spPr>
-            <a:xfrm>
-              <a:off x="8029105" y="21476691"/>
-              <a:ext cx="4961509" cy="2426309"/>
-            </a:xfrm>
-            <a:prstGeom prst="ellipse">
-              <a:avLst/>
-            </a:prstGeom>
-            <a:solidFill>
-              <a:schemeClr val="bg1"/>
-            </a:solidFill>
-            <a:ln w="57150">
-              <a:solidFill>
-                <a:srgbClr val="C00000"/>
-              </a:solidFill>
-            </a:ln>
-          </p:spPr>
-          <p:style>
-            <a:lnRef idx="2">
-              <a:schemeClr val="accent1">
-                <a:shade val="50000"/>
-              </a:schemeClr>
-            </a:lnRef>
-            <a:fillRef idx="1">
-              <a:schemeClr val="accent1"/>
-            </a:fillRef>
-            <a:effectRef idx="0">
-              <a:schemeClr val="accent1"/>
-            </a:effectRef>
-            <a:fontRef idx="minor">
-              <a:schemeClr val="lt1"/>
-            </a:fontRef>
-          </p:style>
-          <p:txBody>
-            <a:bodyPr rtlCol="0" anchor="ctr"/>
-            <a:lstStyle/>
-            <a:p>
-              <a:pPr algn="ctr"/>
-              <a:r>
-                <a:rPr lang="ja-JP" altLang="en-US" sz="4000" dirty="0" smtClean="0">
-                  <a:solidFill>
-                    <a:schemeClr val="tx1"/>
-                  </a:solidFill>
-                  <a:latin typeface="Times New Roman" panose="02020603050405020304" pitchFamily="18" charset="0"/>
-                  <a:ea typeface="+mj-ea"/>
-                  <a:cs typeface="Times New Roman" panose="02020603050405020304" pitchFamily="18" charset="0"/>
-                </a:rPr>
-                <a:t>欲しいデータ</a:t>
-              </a:r>
-              <a:endParaRPr lang="en-US" altLang="ja-JP" sz="4000" dirty="0" smtClean="0">
-                <a:solidFill>
-                  <a:schemeClr val="tx1"/>
-                </a:solidFill>
-                <a:latin typeface="Times New Roman" panose="02020603050405020304" pitchFamily="18" charset="0"/>
-                <a:ea typeface="+mj-ea"/>
-                <a:cs typeface="Times New Roman" panose="02020603050405020304" pitchFamily="18" charset="0"/>
-              </a:endParaRPr>
-            </a:p>
-            <a:p>
-              <a:pPr algn="ctr"/>
-              <a:r>
-                <a:rPr lang="ja-JP" altLang="en-US" sz="3600" dirty="0" smtClean="0">
-                  <a:solidFill>
-                    <a:schemeClr val="tx1"/>
-                  </a:solidFill>
-                  <a:latin typeface="Times New Roman" panose="02020603050405020304" pitchFamily="18" charset="0"/>
-                  <a:ea typeface="+mj-ea"/>
-                  <a:cs typeface="Times New Roman" panose="02020603050405020304" pitchFamily="18" charset="0"/>
-                </a:rPr>
-                <a:t>（</a:t>
-              </a:r>
-              <a:r>
-                <a:rPr lang="en-US" altLang="ja-JP" sz="3600" dirty="0" smtClean="0">
-                  <a:solidFill>
-                    <a:schemeClr val="tx1"/>
-                  </a:solidFill>
-                  <a:latin typeface="Times New Roman" panose="02020603050405020304" pitchFamily="18" charset="0"/>
-                  <a:ea typeface="+mj-ea"/>
-                  <a:cs typeface="Times New Roman" panose="02020603050405020304" pitchFamily="18" charset="0"/>
-                </a:rPr>
-                <a:t>JSON</a:t>
-              </a:r>
-              <a:r>
-                <a:rPr lang="ja-JP" altLang="en-US" sz="3600" dirty="0" smtClean="0">
-                  <a:solidFill>
-                    <a:schemeClr val="tx1"/>
-                  </a:solidFill>
-                  <a:latin typeface="Times New Roman" panose="02020603050405020304" pitchFamily="18" charset="0"/>
-                  <a:ea typeface="+mj-ea"/>
-                  <a:cs typeface="Times New Roman" panose="02020603050405020304" pitchFamily="18" charset="0"/>
-                </a:rPr>
-                <a:t>形式）</a:t>
-              </a:r>
-              <a:endParaRPr lang="en-US" altLang="ja-JP" sz="3600" dirty="0" smtClean="0">
-                <a:solidFill>
-                  <a:schemeClr val="tx1"/>
-                </a:solidFill>
-                <a:latin typeface="Times New Roman" panose="02020603050405020304" pitchFamily="18" charset="0"/>
-                <a:ea typeface="+mj-ea"/>
-                <a:cs typeface="Times New Roman" panose="02020603050405020304" pitchFamily="18" charset="0"/>
-              </a:endParaRPr>
-            </a:p>
-          </p:txBody>
-        </p:sp>
-        <p:sp>
-          <p:nvSpPr>
-            <p:cNvPr id="25" name="テキスト ボックス 24"/>
+            <p:cNvPr id="182" name="テキスト ボックス 181"/>
             <p:cNvSpPr txBox="1"/>
             <p:nvPr/>
           </p:nvSpPr>
           <p:spPr>
             <a:xfrm>
-              <a:off x="13953483" y="21843989"/>
-              <a:ext cx="5526383" cy="1569660"/>
+              <a:off x="15013880" y="27165323"/>
+              <a:ext cx="2160240" cy="830997"/>
             </a:xfrm>
             <a:prstGeom prst="rect">
               <a:avLst/>
             </a:prstGeom>
-            <a:noFill/>
-            <a:ln w="57150">
+            <a:solidFill>
+              <a:srgbClr val="FFFFFF"/>
+            </a:solidFill>
+            <a:ln>
               <a:solidFill>
                 <a:schemeClr val="tx1"/>
               </a:solidFill>
@@ -3465,363 +5476,175 @@
             <a:lstStyle/>
             <a:p>
               <a:r>
-                <a:rPr kumimoji="1" lang="ja-JP" altLang="en-US" sz="4800" dirty="0" smtClean="0">
-                  <a:latin typeface="+mj-ea"/>
-                  <a:ea typeface="+mj-ea"/>
-                </a:rPr>
-                <a:t>収集したデータからリストを抽出する</a:t>
+                <a:rPr kumimoji="1" lang="ja-JP" altLang="en-US" sz="2400" dirty="0" smtClean="0"/>
+                <a:t>ユーザーへの提案</a:t>
               </a:r>
-              <a:endParaRPr kumimoji="1" lang="ja-JP" altLang="en-US" sz="4800" dirty="0">
-                <a:latin typeface="+mj-ea"/>
-                <a:ea typeface="+mj-ea"/>
-              </a:endParaRPr>
+              <a:endParaRPr kumimoji="1" lang="ja-JP" altLang="en-US" sz="2400" dirty="0"/>
             </a:p>
           </p:txBody>
         </p:sp>
-      </p:grpSp>
-      <p:sp>
-        <p:nvSpPr>
-          <p:cNvPr id="26" name="正方形/長方形 25"/>
-          <p:cNvSpPr/>
-          <p:nvPr/>
-        </p:nvSpPr>
-        <p:spPr>
-          <a:xfrm>
-            <a:off x="190521" y="25254210"/>
-            <a:ext cx="20867750" cy="4752528"/>
-          </a:xfrm>
-          <a:prstGeom prst="rect">
-            <a:avLst/>
-          </a:prstGeom>
-          <a:noFill/>
-          <a:ln>
-            <a:solidFill>
-              <a:schemeClr val="tx1"/>
-            </a:solidFill>
-          </a:ln>
-        </p:spPr>
-        <p:style>
-          <a:lnRef idx="2">
-            <a:schemeClr val="accent1">
-              <a:shade val="50000"/>
-            </a:schemeClr>
-          </a:lnRef>
-          <a:fillRef idx="1">
-            <a:schemeClr val="accent1"/>
-          </a:fillRef>
-          <a:effectRef idx="0">
-            <a:schemeClr val="accent1"/>
-          </a:effectRef>
-          <a:fontRef idx="minor">
-            <a:schemeClr val="lt1"/>
-          </a:fontRef>
-        </p:style>
-        <p:txBody>
-          <a:bodyPr rtlCol="0" anchor="ctr"/>
-          <a:lstStyle/>
-          <a:p>
-            <a:pPr algn="ctr"/>
-            <a:r>
-              <a:rPr lang="ja-JP" altLang="en-US" dirty="0" smtClean="0">
-                <a:latin typeface="Times New Roman" panose="02020603050405020304" pitchFamily="18" charset="0"/>
-                <a:cs typeface="Times New Roman" panose="02020603050405020304" pitchFamily="18" charset="0"/>
-              </a:rPr>
-              <a:t>②</a:t>
-            </a:r>
-            <a:r>
-              <a:rPr lang="ja-JP" altLang="en-US" dirty="0">
-                <a:latin typeface="Times New Roman" panose="02020603050405020304" pitchFamily="18" charset="0"/>
-                <a:cs typeface="Times New Roman" panose="02020603050405020304" pitchFamily="18" charset="0"/>
-              </a:rPr>
-              <a:t>②</a:t>
-            </a:r>
-            <a:endParaRPr kumimoji="1" lang="ja-JP" altLang="en-US" dirty="0"/>
-          </a:p>
-        </p:txBody>
-      </p:sp>
-      <p:sp>
-        <p:nvSpPr>
-          <p:cNvPr id="27" name="正方形/長方形 26"/>
-          <p:cNvSpPr/>
-          <p:nvPr/>
-        </p:nvSpPr>
-        <p:spPr>
-          <a:xfrm>
-            <a:off x="485934" y="25509139"/>
-            <a:ext cx="928459" cy="984885"/>
-          </a:xfrm>
-          <a:prstGeom prst="rect">
-            <a:avLst/>
-          </a:prstGeom>
-        </p:spPr>
-        <p:txBody>
-          <a:bodyPr wrap="none">
-            <a:spAutoFit/>
-          </a:bodyPr>
-          <a:lstStyle/>
-          <a:p>
-            <a:r>
-              <a:rPr lang="ja-JP" altLang="en-US" dirty="0">
-                <a:latin typeface="+mj-ea"/>
-                <a:ea typeface="+mj-ea"/>
-                <a:cs typeface="Times New Roman" panose="02020603050405020304" pitchFamily="18" charset="0"/>
-              </a:rPr>
-              <a:t>②</a:t>
-            </a:r>
-            <a:endParaRPr lang="ja-JP" altLang="en-US" dirty="0">
-              <a:latin typeface="+mj-ea"/>
-              <a:ea typeface="+mj-ea"/>
-            </a:endParaRPr>
-          </a:p>
-        </p:txBody>
-      </p:sp>
-      <p:sp>
-        <p:nvSpPr>
-          <p:cNvPr id="31" name="正方形/長方形 30"/>
-          <p:cNvSpPr/>
-          <p:nvPr/>
-        </p:nvSpPr>
-        <p:spPr>
-          <a:xfrm>
-            <a:off x="15116756" y="18755347"/>
-            <a:ext cx="4979904" cy="1641224"/>
-          </a:xfrm>
-          <a:prstGeom prst="rect">
-            <a:avLst/>
-          </a:prstGeom>
-          <a:noFill/>
-          <a:ln w="57150">
-            <a:solidFill>
-              <a:srgbClr val="00B050"/>
-            </a:solidFill>
-          </a:ln>
-        </p:spPr>
-        <p:style>
-          <a:lnRef idx="2">
-            <a:schemeClr val="accent6"/>
-          </a:lnRef>
-          <a:fillRef idx="1">
-            <a:schemeClr val="lt1"/>
-          </a:fillRef>
-          <a:effectRef idx="0">
-            <a:schemeClr val="accent6"/>
-          </a:effectRef>
-          <a:fontRef idx="minor">
-            <a:schemeClr val="dk1"/>
-          </a:fontRef>
-        </p:style>
-        <p:txBody>
-          <a:bodyPr rtlCol="0" anchor="ctr"/>
-          <a:lstStyle/>
-          <a:p>
-            <a:pPr algn="ctr"/>
-            <a:endParaRPr kumimoji="1" lang="ja-JP" altLang="en-US"/>
-          </a:p>
-        </p:txBody>
-      </p:sp>
-      <p:sp>
-        <p:nvSpPr>
-          <p:cNvPr id="47" name="テキスト ボックス 46"/>
-          <p:cNvSpPr txBox="1"/>
-          <p:nvPr/>
-        </p:nvSpPr>
-        <p:spPr>
-          <a:xfrm>
-            <a:off x="12016075" y="25730387"/>
-            <a:ext cx="8698410" cy="1938992"/>
-          </a:xfrm>
-          <a:prstGeom prst="rect">
-            <a:avLst/>
-          </a:prstGeom>
-          <a:noFill/>
-          <a:ln w="57150">
-            <a:solidFill>
-              <a:schemeClr val="tx1"/>
-            </a:solidFill>
-          </a:ln>
-        </p:spPr>
-        <p:txBody>
-          <a:bodyPr wrap="square" rtlCol="0">
-            <a:spAutoFit/>
-          </a:bodyPr>
-          <a:lstStyle/>
-          <a:p>
-            <a:pPr algn="ctr"/>
-            <a:r>
-              <a:rPr lang="en-US" altLang="ja-JP" sz="6000" dirty="0" smtClean="0">
-                <a:latin typeface="Times New Roman" panose="02020603050405020304" pitchFamily="18" charset="0"/>
-                <a:cs typeface="Times New Roman" panose="02020603050405020304" pitchFamily="18" charset="0"/>
-              </a:rPr>
-              <a:t>2</a:t>
-            </a:r>
-            <a:r>
-              <a:rPr lang="ja-JP" altLang="en-US" sz="6000" dirty="0" smtClean="0">
-                <a:latin typeface="+mj-ea"/>
-                <a:ea typeface="+mj-ea"/>
-                <a:cs typeface="Times New Roman" panose="02020603050405020304" pitchFamily="18" charset="0"/>
-              </a:rPr>
-              <a:t>つのリストを比較し</a:t>
-            </a:r>
-            <a:endParaRPr lang="en-US" altLang="ja-JP" sz="6000" dirty="0" smtClean="0">
-              <a:latin typeface="+mj-ea"/>
-              <a:ea typeface="+mj-ea"/>
-              <a:cs typeface="Times New Roman" panose="02020603050405020304" pitchFamily="18" charset="0"/>
-            </a:endParaRPr>
-          </a:p>
-          <a:p>
-            <a:pPr algn="ctr"/>
-            <a:r>
-              <a:rPr lang="ja-JP" altLang="en-US" sz="6000" dirty="0" smtClean="0">
-                <a:latin typeface="+mj-ea"/>
-                <a:ea typeface="+mj-ea"/>
-                <a:cs typeface="Times New Roman" panose="02020603050405020304" pitchFamily="18" charset="0"/>
-              </a:rPr>
-              <a:t>精度と再現率を出す．</a:t>
-            </a:r>
-            <a:endParaRPr lang="en-US" altLang="ja-JP" sz="6000" dirty="0" smtClean="0">
-              <a:latin typeface="+mj-ea"/>
-              <a:ea typeface="+mj-ea"/>
-              <a:cs typeface="Times New Roman" panose="02020603050405020304" pitchFamily="18" charset="0"/>
-            </a:endParaRPr>
-          </a:p>
-        </p:txBody>
-      </p:sp>
-      <p:sp>
-        <p:nvSpPr>
-          <p:cNvPr id="49" name="テキスト ボックス 48"/>
-          <p:cNvSpPr txBox="1"/>
-          <p:nvPr/>
-        </p:nvSpPr>
-        <p:spPr>
-          <a:xfrm>
-            <a:off x="12016074" y="27883735"/>
-            <a:ext cx="8916543" cy="1446550"/>
-          </a:xfrm>
-          <a:prstGeom prst="rect">
-            <a:avLst/>
-          </a:prstGeom>
-          <a:noFill/>
-        </p:spPr>
-        <p:txBody>
-          <a:bodyPr wrap="square" rtlCol="0">
-            <a:spAutoFit/>
-          </a:bodyPr>
-          <a:lstStyle/>
-          <a:p>
-            <a:r>
-              <a:rPr kumimoji="1" lang="ja-JP" altLang="en-US" sz="4400" dirty="0" smtClean="0">
-                <a:latin typeface="+mj-ea"/>
-                <a:ea typeface="+mj-ea"/>
-              </a:rPr>
-              <a:t>精度：</a:t>
-            </a:r>
-            <a:r>
-              <a:rPr kumimoji="1" lang="ja-JP" altLang="en-US" sz="3200" dirty="0" smtClean="0">
-                <a:latin typeface="+mj-ea"/>
-                <a:ea typeface="+mj-ea"/>
-              </a:rPr>
-              <a:t>抽出したリストの中の正解数の割合</a:t>
-            </a:r>
-            <a:endParaRPr kumimoji="1" lang="en-US" altLang="ja-JP" sz="3200" dirty="0" smtClean="0">
-              <a:latin typeface="+mj-ea"/>
-              <a:ea typeface="+mj-ea"/>
-            </a:endParaRPr>
-          </a:p>
-          <a:p>
-            <a:r>
-              <a:rPr lang="ja-JP" altLang="en-US" sz="4400" dirty="0" smtClean="0">
-                <a:latin typeface="+mj-ea"/>
-                <a:ea typeface="+mj-ea"/>
-              </a:rPr>
-              <a:t>再現率：</a:t>
-            </a:r>
-            <a:endParaRPr kumimoji="1" lang="ja-JP" altLang="en-US" sz="4400" dirty="0">
-              <a:latin typeface="+mj-ea"/>
-              <a:ea typeface="+mj-ea"/>
-            </a:endParaRPr>
-          </a:p>
-        </p:txBody>
-      </p:sp>
-      <p:grpSp>
-        <p:nvGrpSpPr>
-          <p:cNvPr id="56" name="グループ化 55"/>
-          <p:cNvGrpSpPr/>
-          <p:nvPr/>
-        </p:nvGrpSpPr>
-        <p:grpSpPr>
-          <a:xfrm>
-            <a:off x="1414393" y="26125267"/>
-            <a:ext cx="10291833" cy="3416320"/>
-            <a:chOff x="1414393" y="26125267"/>
-            <a:chExt cx="10291833" cy="3416320"/>
-          </a:xfrm>
-        </p:grpSpPr>
+        <p:grpSp>
+          <p:nvGrpSpPr>
+            <p:cNvPr id="185" name="図形グループ 184"/>
+            <p:cNvGrpSpPr/>
+            <p:nvPr/>
+          </p:nvGrpSpPr>
+          <p:grpSpPr>
+            <a:xfrm>
+              <a:off x="18758296" y="26949299"/>
+              <a:ext cx="1296144" cy="2016224"/>
+              <a:chOff x="18902312" y="25869179"/>
+              <a:chExt cx="1800200" cy="2808312"/>
+            </a:xfrm>
+          </p:grpSpPr>
+          <p:sp>
+            <p:nvSpPr>
+              <p:cNvPr id="183" name="台形 182"/>
+              <p:cNvSpPr/>
+              <p:nvPr/>
+            </p:nvSpPr>
+            <p:spPr>
+              <a:xfrm>
+                <a:off x="19046328" y="27165323"/>
+                <a:ext cx="1440160" cy="1512168"/>
+              </a:xfrm>
+              <a:prstGeom prst="trapezoid">
+                <a:avLst/>
+              </a:prstGeom>
+              <a:ln w="57150" cmpd="sng"/>
+            </p:spPr>
+            <p:style>
+              <a:lnRef idx="2">
+                <a:schemeClr val="dk1"/>
+              </a:lnRef>
+              <a:fillRef idx="1">
+                <a:schemeClr val="lt1"/>
+              </a:fillRef>
+              <a:effectRef idx="0">
+                <a:schemeClr val="dk1"/>
+              </a:effectRef>
+              <a:fontRef idx="minor">
+                <a:schemeClr val="dk1"/>
+              </a:fontRef>
+            </p:style>
+            <p:txBody>
+              <a:bodyPr rtlCol="0" anchor="ctr"/>
+              <a:lstStyle/>
+              <a:p>
+                <a:pPr algn="ctr"/>
+                <a:endParaRPr kumimoji="1" lang="ja-JP" altLang="en-US"/>
+              </a:p>
+            </p:txBody>
+          </p:sp>
+          <p:sp>
+            <p:nvSpPr>
+              <p:cNvPr id="184" name="円/楕円 183"/>
+              <p:cNvSpPr/>
+              <p:nvPr/>
+            </p:nvSpPr>
+            <p:spPr>
+              <a:xfrm>
+                <a:off x="18902312" y="25869179"/>
+                <a:ext cx="1800200" cy="1656184"/>
+              </a:xfrm>
+              <a:prstGeom prst="ellipse">
+                <a:avLst/>
+              </a:prstGeom>
+              <a:ln w="57150" cmpd="sng"/>
+            </p:spPr>
+            <p:style>
+              <a:lnRef idx="2">
+                <a:schemeClr val="dk1"/>
+              </a:lnRef>
+              <a:fillRef idx="1">
+                <a:schemeClr val="lt1"/>
+              </a:fillRef>
+              <a:effectRef idx="0">
+                <a:schemeClr val="dk1"/>
+              </a:effectRef>
+              <a:fontRef idx="minor">
+                <a:schemeClr val="dk1"/>
+              </a:fontRef>
+            </p:style>
+            <p:txBody>
+              <a:bodyPr rtlCol="0" anchor="ctr"/>
+              <a:lstStyle/>
+              <a:p>
+                <a:pPr algn="ctr"/>
+                <a:r>
+                  <a:rPr kumimoji="1" lang="en-US" altLang="ja-JP" dirty="0" smtClean="0">
+                    <a:latin typeface="Times New Roman"/>
+                    <a:cs typeface="Times New Roman"/>
+                  </a:rPr>
+                  <a:t>J</a:t>
+                </a:r>
+                <a:endParaRPr kumimoji="1" lang="ja-JP" altLang="en-US" dirty="0">
+                  <a:latin typeface="Times New Roman"/>
+                  <a:cs typeface="Times New Roman"/>
+                </a:endParaRPr>
+              </a:p>
+            </p:txBody>
+          </p:sp>
+        </p:grpSp>
         <p:sp>
           <p:nvSpPr>
-            <p:cNvPr id="57" name="テキスト ボックス 56"/>
-            <p:cNvSpPr txBox="1"/>
+            <p:cNvPr id="187" name="雲形吹き出し 186"/>
+            <p:cNvSpPr/>
             <p:nvPr/>
           </p:nvSpPr>
           <p:spPr>
             <a:xfrm>
-              <a:off x="1414393" y="26125267"/>
-              <a:ext cx="3662383" cy="3416320"/>
+              <a:off x="16238016" y="23996971"/>
+              <a:ext cx="4248472" cy="2160240"/>
             </a:xfrm>
-            <a:prstGeom prst="rect">
-              <a:avLst/>
+            <a:prstGeom prst="cloudCallout">
+              <a:avLst>
+                <a:gd name="adj1" fmla="val 18470"/>
+                <a:gd name="adj2" fmla="val 79841"/>
+              </a:avLst>
             </a:prstGeom>
-            <a:solidFill>
-              <a:schemeClr val="bg1">
-                <a:lumMod val="95000"/>
-              </a:schemeClr>
-            </a:solidFill>
-            <a:ln w="57150">
-              <a:solidFill>
-                <a:srgbClr val="0070C0"/>
-              </a:solidFill>
-            </a:ln>
           </p:spPr>
+          <p:style>
+            <a:lnRef idx="2">
+              <a:schemeClr val="dk1"/>
+            </a:lnRef>
+            <a:fillRef idx="1">
+              <a:schemeClr val="lt1"/>
+            </a:fillRef>
+            <a:effectRef idx="0">
+              <a:schemeClr val="dk1"/>
+            </a:effectRef>
+            <a:fontRef idx="minor">
+              <a:schemeClr val="dk1"/>
+            </a:fontRef>
+          </p:style>
           <p:txBody>
-            <a:bodyPr wrap="square" rtlCol="0">
-              <a:spAutoFit/>
-            </a:bodyPr>
+            <a:bodyPr rtlCol="0" anchor="ctr"/>
             <a:lstStyle/>
             <a:p>
+              <a:pPr algn="ctr"/>
               <a:r>
-                <a:rPr kumimoji="1" lang="ja-JP" altLang="en-US" sz="5400" dirty="0" smtClean="0">
+                <a:rPr kumimoji="1" lang="ja-JP" altLang="en-US" sz="2000" dirty="0" smtClean="0">
                   <a:latin typeface="+mj-ea"/>
                   <a:ea typeface="+mj-ea"/>
                 </a:rPr>
-                <a:t>収集したデータから</a:t>
+                <a:t>大学の友達のリストが</a:t>
               </a:r>
-              <a:r>
-                <a:rPr lang="ja-JP" altLang="en-US" sz="5400" dirty="0">
-                  <a:latin typeface="+mj-ea"/>
-                  <a:ea typeface="+mj-ea"/>
-                </a:rPr>
-                <a:t>抽出</a:t>
-              </a:r>
-              <a:r>
-                <a:rPr lang="ja-JP" altLang="en-US" sz="5400" dirty="0" smtClean="0">
-                  <a:latin typeface="+mj-ea"/>
-                  <a:ea typeface="+mj-ea"/>
-                </a:rPr>
-                <a:t>した</a:t>
-              </a:r>
-              <a:endParaRPr lang="en-US" altLang="ja-JP" sz="5400" dirty="0" smtClean="0">
+              <a:endParaRPr kumimoji="1" lang="en-US" altLang="ja-JP" sz="1800" dirty="0" smtClean="0">
                 <a:latin typeface="+mj-ea"/>
                 <a:ea typeface="+mj-ea"/>
               </a:endParaRPr>
             </a:p>
             <a:p>
+              <a:pPr algn="ctr"/>
               <a:r>
-                <a:rPr kumimoji="1" lang="ja-JP" altLang="en-US" sz="5400" dirty="0" smtClean="0">
+                <a:rPr kumimoji="1" lang="ja-JP" altLang="en-US" sz="2000" dirty="0" smtClean="0">
                   <a:latin typeface="+mj-ea"/>
                   <a:ea typeface="+mj-ea"/>
                 </a:rPr>
-                <a:t>リスト</a:t>
+                <a:t>簡単にできた！</a:t>
               </a:r>
-              <a:endParaRPr kumimoji="1" lang="ja-JP" altLang="en-US" sz="5400" dirty="0">
+              <a:endParaRPr kumimoji="1" lang="ja-JP" altLang="en-US" sz="2000" dirty="0">
                 <a:latin typeface="+mj-ea"/>
                 <a:ea typeface="+mj-ea"/>
               </a:endParaRPr>
@@ -3830,167 +5653,96 @@
         </p:sp>
         <p:sp>
           <p:nvSpPr>
-            <p:cNvPr id="58" name="テキスト ボックス 57"/>
-            <p:cNvSpPr txBox="1"/>
+            <p:cNvPr id="155" name="右矢印 154"/>
+            <p:cNvSpPr/>
             <p:nvPr/>
           </p:nvSpPr>
           <p:spPr>
             <a:xfrm>
-              <a:off x="7924618" y="27610145"/>
-              <a:ext cx="3781608" cy="923330"/>
+              <a:off x="7597056" y="26949299"/>
+              <a:ext cx="4752528" cy="1296144"/>
+            </a:xfrm>
+            <a:prstGeom prst="rightArrow">
+              <a:avLst>
+                <a:gd name="adj1" fmla="val 28226"/>
+                <a:gd name="adj2" fmla="val 50000"/>
+              </a:avLst>
+            </a:prstGeom>
+            <a:solidFill>
+              <a:srgbClr val="DA0000"/>
+            </a:solidFill>
+            <a:ln>
+              <a:solidFill>
+                <a:schemeClr val="tx1"/>
+              </a:solidFill>
+            </a:ln>
+          </p:spPr>
+          <p:style>
+            <a:lnRef idx="2">
+              <a:schemeClr val="dk1"/>
+            </a:lnRef>
+            <a:fillRef idx="1">
+              <a:schemeClr val="lt1"/>
+            </a:fillRef>
+            <a:effectRef idx="0">
+              <a:schemeClr val="dk1"/>
+            </a:effectRef>
+            <a:fontRef idx="minor">
+              <a:schemeClr val="dk1"/>
+            </a:fontRef>
+          </p:style>
+          <p:txBody>
+            <a:bodyPr rtlCol="0" anchor="ctr"/>
+            <a:lstStyle/>
+            <a:p>
+              <a:pPr algn="ctr"/>
+              <a:endParaRPr kumimoji="1" lang="ja-JP" altLang="en-US" dirty="0"/>
+            </a:p>
+          </p:txBody>
+        </p:sp>
+        <p:sp>
+          <p:nvSpPr>
+            <p:cNvPr id="156" name="正方形/長方形 155"/>
+            <p:cNvSpPr/>
+            <p:nvPr/>
+          </p:nvSpPr>
+          <p:spPr>
+            <a:xfrm>
+              <a:off x="8317136" y="27237331"/>
+              <a:ext cx="3096344" cy="792088"/>
             </a:xfrm>
             <a:prstGeom prst="rect">
               <a:avLst/>
             </a:prstGeom>
-            <a:solidFill>
-              <a:schemeClr val="bg1">
-                <a:lumMod val="95000"/>
-              </a:schemeClr>
-            </a:solidFill>
-            <a:ln w="57150">
-              <a:solidFill>
-                <a:srgbClr val="0070C0"/>
-              </a:solidFill>
-            </a:ln>
           </p:spPr>
+          <p:style>
+            <a:lnRef idx="2">
+              <a:schemeClr val="dk1"/>
+            </a:lnRef>
+            <a:fillRef idx="1">
+              <a:schemeClr val="lt1"/>
+            </a:fillRef>
+            <a:effectRef idx="0">
+              <a:schemeClr val="dk1"/>
+            </a:effectRef>
+            <a:fontRef idx="minor">
+              <a:schemeClr val="dk1"/>
+            </a:fontRef>
+          </p:style>
           <p:txBody>
-            <a:bodyPr wrap="square" rtlCol="0">
-              <a:spAutoFit/>
-            </a:bodyPr>
+            <a:bodyPr rtlCol="0" anchor="ctr"/>
             <a:lstStyle/>
             <a:p>
+              <a:pPr algn="ctr"/>
               <a:r>
-                <a:rPr kumimoji="1" lang="ja-JP" altLang="en-US" sz="5400" dirty="0" smtClean="0">
-                  <a:latin typeface="+mj-ea"/>
-                  <a:ea typeface="+mj-ea"/>
-                </a:rPr>
-                <a:t>正解リスト</a:t>
+                <a:rPr lang="ja-JP" altLang="en-US" sz="3200" dirty="0" smtClean="0"/>
+                <a:t>コミュニティ抽出</a:t>
               </a:r>
-              <a:endParaRPr kumimoji="1" lang="ja-JP" altLang="en-US" sz="5400" dirty="0">
-                <a:latin typeface="+mj-ea"/>
-                <a:ea typeface="+mj-ea"/>
-              </a:endParaRPr>
+              <a:endParaRPr kumimoji="1" lang="ja-JP" altLang="en-US" sz="3200" dirty="0"/>
             </a:p>
           </p:txBody>
         </p:sp>
-        <p:cxnSp>
-          <p:nvCxnSpPr>
-            <p:cNvPr id="51" name="直線矢印コネクタ 50"/>
-            <p:cNvCxnSpPr>
-              <a:endCxn id="58" idx="1"/>
-            </p:cNvCxnSpPr>
-            <p:nvPr/>
-          </p:nvCxnSpPr>
-          <p:spPr>
-            <a:xfrm flipV="1">
-              <a:off x="5076776" y="28071810"/>
-              <a:ext cx="2847842" cy="1"/>
-            </a:xfrm>
-            <a:prstGeom prst="straightConnector1">
-              <a:avLst/>
-            </a:prstGeom>
-            <a:ln w="76200">
-              <a:solidFill>
-                <a:srgbClr val="0070C0"/>
-              </a:solidFill>
-              <a:headEnd type="arrow"/>
-              <a:tailEnd type="arrow"/>
-            </a:ln>
-          </p:spPr>
-          <p:style>
-            <a:lnRef idx="1">
-              <a:schemeClr val="accent1"/>
-            </a:lnRef>
-            <a:fillRef idx="0">
-              <a:schemeClr val="accent1"/>
-            </a:fillRef>
-            <a:effectRef idx="0">
-              <a:schemeClr val="accent1"/>
-            </a:effectRef>
-            <a:fontRef idx="minor">
-              <a:schemeClr val="tx1"/>
-            </a:fontRef>
-          </p:style>
-        </p:cxnSp>
       </p:grpSp>
-      <p:sp>
-        <p:nvSpPr>
-          <p:cNvPr id="62" name="テキスト ボックス 61"/>
-          <p:cNvSpPr txBox="1"/>
-          <p:nvPr/>
-        </p:nvSpPr>
-        <p:spPr>
-          <a:xfrm>
-            <a:off x="14221792" y="28605483"/>
-            <a:ext cx="6525708" cy="1077218"/>
-          </a:xfrm>
-          <a:prstGeom prst="rect">
-            <a:avLst/>
-          </a:prstGeom>
-          <a:noFill/>
-        </p:spPr>
-        <p:txBody>
-          <a:bodyPr wrap="square" rtlCol="0">
-            <a:spAutoFit/>
-          </a:bodyPr>
-          <a:lstStyle/>
-          <a:p>
-            <a:r>
-              <a:rPr lang="ja-JP" altLang="en-US" sz="3200" dirty="0">
-                <a:latin typeface="+mj-ea"/>
-                <a:ea typeface="+mj-ea"/>
-              </a:rPr>
-              <a:t>正解リストに</a:t>
-            </a:r>
-            <a:r>
-              <a:rPr lang="ja-JP" altLang="en-US" sz="3200" dirty="0" smtClean="0">
-                <a:latin typeface="+mj-ea"/>
-                <a:ea typeface="+mj-ea"/>
-              </a:rPr>
-              <a:t>入る</a:t>
-            </a:r>
-            <a:r>
-              <a:rPr lang="ja-JP" altLang="en-US" sz="3200" dirty="0">
-                <a:latin typeface="+mj-ea"/>
-                <a:ea typeface="+mj-ea"/>
-              </a:rPr>
-              <a:t>抽出</a:t>
-            </a:r>
-            <a:r>
-              <a:rPr lang="ja-JP" altLang="en-US" sz="3200" dirty="0" smtClean="0">
-                <a:latin typeface="+mj-ea"/>
-                <a:ea typeface="+mj-ea"/>
-              </a:rPr>
-              <a:t>した</a:t>
-            </a:r>
-            <a:r>
-              <a:rPr lang="ja-JP" altLang="en-US" sz="3200" dirty="0">
-                <a:latin typeface="+mj-ea"/>
-                <a:ea typeface="+mj-ea"/>
-              </a:rPr>
-              <a:t>リスト</a:t>
-            </a:r>
-            <a:r>
-              <a:rPr lang="ja-JP" altLang="en-US" sz="3200" dirty="0" smtClean="0">
-                <a:latin typeface="+mj-ea"/>
-                <a:ea typeface="+mj-ea"/>
-              </a:rPr>
-              <a:t>の数</a:t>
-            </a:r>
-            <a:r>
-              <a:rPr lang="ja-JP" altLang="en-US" sz="3200" dirty="0">
-                <a:latin typeface="+mj-ea"/>
-                <a:ea typeface="+mj-ea"/>
-              </a:rPr>
-              <a:t>の割合</a:t>
-            </a:r>
-            <a:endParaRPr lang="ja-JP" altLang="en-US" sz="9600" dirty="0">
-              <a:latin typeface="+mj-ea"/>
-              <a:ea typeface="+mj-ea"/>
-            </a:endParaRPr>
-          </a:p>
-        </p:txBody>
-      </p:sp>
     </p:spTree>
   </p:cSld>
   <p:clrMapOvr>
@@ -3999,7 +5751,7 @@
   <p:timing>
     <p:tnLst>
       <p:par>
-        <p:cTn id="1" dur="indefinite" restart="never" nodeType="tmRoot"/>
+        <p:cTn xmlns:p14="http://schemas.microsoft.com/office/powerpoint/2010/main" id="1" dur="indefinite" restart="never" nodeType="tmRoot"/>
       </p:par>
     </p:tnLst>
   </p:timing>
